--- a/public/templates/template_01/index_01.pptx
+++ b/public/templates/template_01/index_01.pptx
@@ -5,12 +5,12 @@
     <p:sldMasterId id="2147483648" r:id="rId1"/>
   </p:sldMasterIdLst>
   <p:sldIdLst>
-    <p:sldId id="257" r:id="rId3"/>
+    <p:sldId id="257" r:id="rId2"/>
   </p:sldIdLst>
   <p:sldSz cx="12192000" cy="6858000"/>
   <p:notesSz cx="6858000" cy="9144000"/>
   <p:custDataLst>
-    <p:tags r:id="rId7"/>
+    <p:tags r:id="rId3"/>
   </p:custDataLst>
   <p:defaultTextStyle>
     <a:defPPr>
@@ -122,6 +122,9 @@
         </p15:guide>
       </p15:sldGuideLst>
     </p:ext>
+    <p:ext uri="{2D200454-40CA-4A62-9FC3-DE9A4176ACB9}">
+      <p15:notesGuideLst xmlns:p15="http://schemas.microsoft.com/office/powerpoint/2012/main"/>
+    </p:ext>
   </p:extLst>
 </p:presentation>
 </file>
@@ -152,7 +155,7 @@
           <p:nvPr>
             <p:ph type="ctrTitle"/>
             <p:custDataLst>
-              <p:tags r:id="rId2"/>
+              <p:tags r:id="rId1"/>
             </p:custDataLst>
           </p:nvPr>
         </p:nvSpPr>
@@ -176,7 +179,6 @@
               <a:rPr lang="zh-CN" altLang="en-US" dirty="0"/>
               <a:t>单击此处编辑母版标题样式</a:t>
             </a:r>
-            <a:endParaRPr lang="zh-CN" altLang="en-US" dirty="0"/>
           </a:p>
         </p:txBody>
       </p:sp>
@@ -189,7 +191,7 @@
           <p:nvPr>
             <p:ph type="subTitle" idx="1"/>
             <p:custDataLst>
-              <p:tags r:id="rId3"/>
+              <p:tags r:id="rId2"/>
             </p:custDataLst>
           </p:nvPr>
         </p:nvSpPr>
@@ -249,7 +251,6 @@
               <a:rPr lang="zh-CN" altLang="en-US" dirty="0"/>
               <a:t>单击此处编辑母版副标题样式</a:t>
             </a:r>
-            <a:endParaRPr lang="zh-CN" altLang="en-US" dirty="0"/>
           </a:p>
         </p:txBody>
       </p:sp>
@@ -262,7 +263,7 @@
           <p:nvPr>
             <p:ph type="dt" sz="half" idx="10"/>
             <p:custDataLst>
-              <p:tags r:id="rId4"/>
+              <p:tags r:id="rId3"/>
             </p:custDataLst>
           </p:nvPr>
         </p:nvSpPr>
@@ -273,6 +274,7 @@
           <a:p>
             <a:fld id="{760FBDFE-C587-4B4C-A407-44438C67B59E}" type="datetimeFigureOut">
               <a:rPr lang="zh-CN" altLang="en-US" smtClean="0"/>
+              <a:t>2024/7/31</a:t>
             </a:fld>
             <a:endParaRPr lang="zh-CN" altLang="en-US"/>
           </a:p>
@@ -287,29 +289,29 @@
           <p:nvPr>
             <p:ph type="ftr" sz="quarter" idx="11"/>
             <p:custDataLst>
+              <p:tags r:id="rId4"/>
+            </p:custDataLst>
+          </p:nvPr>
+        </p:nvSpPr>
+        <p:spPr/>
+        <p:txBody>
+          <a:bodyPr/>
+          <a:lstStyle/>
+          <a:p>
+            <a:endParaRPr lang="zh-CN" altLang="en-US" dirty="0"/>
+          </a:p>
+        </p:txBody>
+      </p:sp>
+      <p:sp>
+        <p:nvSpPr>
+          <p:cNvPr id="18" name="灯片编号占位符 17"/>
+          <p:cNvSpPr>
+            <a:spLocks noGrp="1"/>
+          </p:cNvSpPr>
+          <p:nvPr>
+            <p:ph type="sldNum" sz="quarter" idx="12"/>
+            <p:custDataLst>
               <p:tags r:id="rId5"/>
-            </p:custDataLst>
-          </p:nvPr>
-        </p:nvSpPr>
-        <p:spPr/>
-        <p:txBody>
-          <a:bodyPr/>
-          <a:lstStyle/>
-          <a:p>
-            <a:endParaRPr lang="zh-CN" altLang="en-US" dirty="0"/>
-          </a:p>
-        </p:txBody>
-      </p:sp>
-      <p:sp>
-        <p:nvSpPr>
-          <p:cNvPr id="18" name="灯片编号占位符 17"/>
-          <p:cNvSpPr>
-            <a:spLocks noGrp="1"/>
-          </p:cNvSpPr>
-          <p:nvPr>
-            <p:ph type="sldNum" sz="quarter" idx="12"/>
-            <p:custDataLst>
-              <p:tags r:id="rId6"/>
             </p:custDataLst>
           </p:nvPr>
         </p:nvSpPr>
@@ -320,6 +322,7 @@
           <a:p>
             <a:fld id="{49AE70B2-8BF9-45C0-BB95-33D1B9D3A854}" type="slidenum">
               <a:rPr lang="zh-CN" altLang="en-US" smtClean="0"/>
+              <a:t>‹#›</a:t>
             </a:fld>
             <a:endParaRPr lang="zh-CN" altLang="en-US" dirty="0"/>
           </a:p>
@@ -359,7 +362,7 @@
           <p:nvPr>
             <p:ph type="dt" sz="half" idx="10"/>
             <p:custDataLst>
-              <p:tags r:id="rId2"/>
+              <p:tags r:id="rId1"/>
             </p:custDataLst>
           </p:nvPr>
         </p:nvSpPr>
@@ -370,6 +373,7 @@
           <a:p>
             <a:fld id="{760FBDFE-C587-4B4C-A407-44438C67B59E}" type="datetimeFigureOut">
               <a:rPr lang="zh-CN" altLang="en-US" smtClean="0"/>
+              <a:t>2024/7/31</a:t>
             </a:fld>
             <a:endParaRPr lang="zh-CN" altLang="en-US"/>
           </a:p>
@@ -384,29 +388,29 @@
           <p:nvPr>
             <p:ph type="ftr" sz="quarter" idx="11"/>
             <p:custDataLst>
+              <p:tags r:id="rId2"/>
+            </p:custDataLst>
+          </p:nvPr>
+        </p:nvSpPr>
+        <p:spPr/>
+        <p:txBody>
+          <a:bodyPr/>
+          <a:lstStyle/>
+          <a:p>
+            <a:endParaRPr lang="zh-CN" altLang="en-US"/>
+          </a:p>
+        </p:txBody>
+      </p:sp>
+      <p:sp>
+        <p:nvSpPr>
+          <p:cNvPr id="5" name="灯片编号占位符 4"/>
+          <p:cNvSpPr>
+            <a:spLocks noGrp="1"/>
+          </p:cNvSpPr>
+          <p:nvPr>
+            <p:ph type="sldNum" sz="quarter" idx="12"/>
+            <p:custDataLst>
               <p:tags r:id="rId3"/>
-            </p:custDataLst>
-          </p:nvPr>
-        </p:nvSpPr>
-        <p:spPr/>
-        <p:txBody>
-          <a:bodyPr/>
-          <a:lstStyle/>
-          <a:p>
-            <a:endParaRPr lang="zh-CN" altLang="en-US"/>
-          </a:p>
-        </p:txBody>
-      </p:sp>
-      <p:sp>
-        <p:nvSpPr>
-          <p:cNvPr id="5" name="灯片编号占位符 4"/>
-          <p:cNvSpPr>
-            <a:spLocks noGrp="1"/>
-          </p:cNvSpPr>
-          <p:nvPr>
-            <p:ph type="sldNum" sz="quarter" idx="12"/>
-            <p:custDataLst>
-              <p:tags r:id="rId4"/>
             </p:custDataLst>
           </p:nvPr>
         </p:nvSpPr>
@@ -417,6 +421,7 @@
           <a:p>
             <a:fld id="{49AE70B2-8BF9-45C0-BB95-33D1B9D3A854}" type="slidenum">
               <a:rPr lang="zh-CN" altLang="en-US" smtClean="0"/>
+              <a:t>‹#›</a:t>
             </a:fld>
             <a:endParaRPr lang="zh-CN" altLang="en-US"/>
           </a:p>
@@ -431,7 +436,7 @@
           <p:nvPr>
             <p:ph sz="quarter" idx="13"/>
             <p:custDataLst>
-              <p:tags r:id="rId5"/>
+              <p:tags r:id="rId4"/>
             </p:custDataLst>
           </p:nvPr>
         </p:nvSpPr>
@@ -450,7 +455,6 @@
               <a:rPr lang="zh-CN" altLang="en-US" dirty="0"/>
               <a:t>单击此处编辑母版文本样式</a:t>
             </a:r>
-            <a:endParaRPr lang="zh-CN" altLang="en-US" dirty="0"/>
           </a:p>
           <a:p>
             <a:pPr lvl="1"/>
@@ -458,7 +462,6 @@
               <a:rPr lang="zh-CN" altLang="en-US" dirty="0"/>
               <a:t>第二级</a:t>
             </a:r>
-            <a:endParaRPr lang="zh-CN" altLang="en-US" dirty="0"/>
           </a:p>
           <a:p>
             <a:pPr lvl="2"/>
@@ -466,7 +469,6 @@
               <a:rPr lang="zh-CN" altLang="en-US" dirty="0"/>
               <a:t>第三级</a:t>
             </a:r>
-            <a:endParaRPr lang="zh-CN" altLang="en-US" dirty="0"/>
           </a:p>
           <a:p>
             <a:pPr lvl="3"/>
@@ -474,7 +476,6 @@
               <a:rPr lang="zh-CN" altLang="en-US" dirty="0"/>
               <a:t>第四级</a:t>
             </a:r>
-            <a:endParaRPr lang="zh-CN" altLang="en-US" dirty="0"/>
           </a:p>
           <a:p>
             <a:pPr lvl="4"/>
@@ -482,7 +483,6 @@
               <a:rPr lang="zh-CN" altLang="en-US" dirty="0"/>
               <a:t>第五级</a:t>
             </a:r>
-            <a:endParaRPr lang="zh-CN" altLang="en-US" dirty="0"/>
           </a:p>
         </p:txBody>
       </p:sp>
@@ -520,7 +520,7 @@
           <p:nvPr>
             <p:ph type="dt" sz="half" idx="10"/>
             <p:custDataLst>
-              <p:tags r:id="rId2"/>
+              <p:tags r:id="rId1"/>
             </p:custDataLst>
           </p:nvPr>
         </p:nvSpPr>
@@ -531,6 +531,7 @@
           <a:p>
             <a:fld id="{760FBDFE-C587-4B4C-A407-44438C67B59E}" type="datetimeFigureOut">
               <a:rPr lang="zh-CN" altLang="en-US" smtClean="0"/>
+              <a:t>2024/7/31</a:t>
             </a:fld>
             <a:endParaRPr lang="zh-CN" altLang="en-US"/>
           </a:p>
@@ -545,29 +546,29 @@
           <p:nvPr>
             <p:ph type="ftr" sz="quarter" idx="11"/>
             <p:custDataLst>
+              <p:tags r:id="rId2"/>
+            </p:custDataLst>
+          </p:nvPr>
+        </p:nvSpPr>
+        <p:spPr/>
+        <p:txBody>
+          <a:bodyPr/>
+          <a:lstStyle/>
+          <a:p>
+            <a:endParaRPr lang="zh-CN" altLang="en-US"/>
+          </a:p>
+        </p:txBody>
+      </p:sp>
+      <p:sp>
+        <p:nvSpPr>
+          <p:cNvPr id="5" name="灯片编号占位符 4"/>
+          <p:cNvSpPr>
+            <a:spLocks noGrp="1"/>
+          </p:cNvSpPr>
+          <p:nvPr>
+            <p:ph type="sldNum" sz="quarter" idx="12"/>
+            <p:custDataLst>
               <p:tags r:id="rId3"/>
-            </p:custDataLst>
-          </p:nvPr>
-        </p:nvSpPr>
-        <p:spPr/>
-        <p:txBody>
-          <a:bodyPr/>
-          <a:lstStyle/>
-          <a:p>
-            <a:endParaRPr lang="zh-CN" altLang="en-US"/>
-          </a:p>
-        </p:txBody>
-      </p:sp>
-      <p:sp>
-        <p:nvSpPr>
-          <p:cNvPr id="5" name="灯片编号占位符 4"/>
-          <p:cNvSpPr>
-            <a:spLocks noGrp="1"/>
-          </p:cNvSpPr>
-          <p:nvPr>
-            <p:ph type="sldNum" sz="quarter" idx="12"/>
-            <p:custDataLst>
-              <p:tags r:id="rId4"/>
             </p:custDataLst>
           </p:nvPr>
         </p:nvSpPr>
@@ -578,6 +579,7 @@
           <a:p>
             <a:fld id="{49AE70B2-8BF9-45C0-BB95-33D1B9D3A854}" type="slidenum">
               <a:rPr lang="zh-CN" altLang="en-US" smtClean="0"/>
+              <a:t>‹#›</a:t>
             </a:fld>
             <a:endParaRPr lang="zh-CN" altLang="en-US"/>
           </a:p>
@@ -592,7 +594,7 @@
           <p:nvPr>
             <p:ph type="title" hasCustomPrompt="1"/>
             <p:custDataLst>
-              <p:tags r:id="rId5"/>
+              <p:tags r:id="rId4"/>
             </p:custDataLst>
           </p:nvPr>
         </p:nvSpPr>
@@ -614,10 +616,9 @@
           <a:p>
             <a:pPr lvl="0"/>
             <a:r>
-              <a:rPr lang="zh-CN" altLang="en-US" smtClean="0"/>
+              <a:rPr lang="zh-CN" altLang="en-US"/>
               <a:t>单击此处编辑标题</a:t>
             </a:r>
-            <a:endParaRPr lang="zh-CN" altLang="en-US"/>
           </a:p>
         </p:txBody>
       </p:sp>
@@ -630,7 +631,7 @@
           <p:nvPr>
             <p:ph type="body" sz="quarter" idx="13"/>
             <p:custDataLst>
-              <p:tags r:id="rId6"/>
+              <p:tags r:id="rId5"/>
             </p:custDataLst>
           </p:nvPr>
         </p:nvSpPr>
@@ -659,7 +660,6 @@
               <a:rPr lang="zh-CN" altLang="en-US" dirty="0"/>
               <a:t>单击此处编辑母版文本样式</a:t>
             </a:r>
-            <a:endParaRPr lang="zh-CN" altLang="en-US" dirty="0"/>
           </a:p>
         </p:txBody>
       </p:sp>
@@ -693,13 +693,13 @@
   <p:clrMapOvr>
     <a:masterClrMapping/>
   </p:clrMapOvr>
-  <mc:AlternateContent xmlns:mc="http://schemas.openxmlformats.org/markup-compatibility/2006">
-    <mc:Choice xmlns:p14="http://schemas.microsoft.com/office/powerpoint/2010/main" Requires="p14">
+  <mc:AlternateContent xmlns:mc="http://schemas.openxmlformats.org/markup-compatibility/2006" xmlns:p14="http://schemas.microsoft.com/office/powerpoint/2010/main">
+    <mc:Choice Requires="p14">
       <p:transition spd="med" p14:dur="700">
         <p:fade/>
       </p:transition>
     </mc:Choice>
-    <mc:Fallback>
+    <mc:Fallback xmlns="">
       <p:transition spd="med">
         <p:fade/>
       </p:transition>
@@ -734,7 +734,7 @@
           <p:nvPr>
             <p:ph type="title"/>
             <p:custDataLst>
-              <p:tags r:id="rId2"/>
+              <p:tags r:id="rId1"/>
             </p:custDataLst>
           </p:nvPr>
         </p:nvSpPr>
@@ -752,10 +752,9 @@
           <a:p>
             <a:pPr lvl="0"/>
             <a:r>
-              <a:rPr lang="zh-CN" altLang="en-US" smtClean="0"/>
+              <a:rPr lang="zh-CN" altLang="en-US"/>
               <a:t>单击此处编辑母版标题样式</a:t>
             </a:r>
-            <a:endParaRPr lang="zh-CN" altLang="en-US"/>
           </a:p>
         </p:txBody>
       </p:sp>
@@ -768,7 +767,7 @@
           <p:nvPr>
             <p:ph idx="1"/>
             <p:custDataLst>
-              <p:tags r:id="rId3"/>
+              <p:tags r:id="rId2"/>
             </p:custDataLst>
           </p:nvPr>
         </p:nvSpPr>
@@ -786,42 +785,37 @@
           <a:p>
             <a:pPr lvl="0"/>
             <a:r>
-              <a:rPr lang="zh-CN" altLang="en-US" smtClean="0"/>
+              <a:rPr lang="zh-CN" altLang="en-US"/>
               <a:t>单击此处编辑母版文本样式</a:t>
             </a:r>
-            <a:endParaRPr lang="zh-CN" altLang="en-US" smtClean="0"/>
           </a:p>
           <a:p>
             <a:pPr lvl="1"/>
             <a:r>
-              <a:rPr lang="zh-CN" altLang="en-US" smtClean="0"/>
+              <a:rPr lang="zh-CN" altLang="en-US"/>
               <a:t>第二级</a:t>
             </a:r>
-            <a:endParaRPr lang="zh-CN" altLang="en-US" smtClean="0"/>
           </a:p>
           <a:p>
             <a:pPr lvl="2"/>
             <a:r>
-              <a:rPr lang="zh-CN" altLang="en-US" smtClean="0"/>
+              <a:rPr lang="zh-CN" altLang="en-US"/>
               <a:t>第三级</a:t>
             </a:r>
-            <a:endParaRPr lang="zh-CN" altLang="en-US" smtClean="0"/>
           </a:p>
           <a:p>
             <a:pPr lvl="3"/>
             <a:r>
-              <a:rPr lang="zh-CN" altLang="en-US" smtClean="0"/>
+              <a:rPr lang="zh-CN" altLang="en-US"/>
               <a:t>第四级</a:t>
             </a:r>
-            <a:endParaRPr lang="zh-CN" altLang="en-US" smtClean="0"/>
           </a:p>
           <a:p>
             <a:pPr lvl="4"/>
             <a:r>
-              <a:rPr lang="zh-CN" altLang="en-US" smtClean="0"/>
+              <a:rPr lang="zh-CN" altLang="en-US"/>
               <a:t>第五级</a:t>
             </a:r>
-            <a:endParaRPr lang="zh-CN" altLang="en-US"/>
           </a:p>
         </p:txBody>
       </p:sp>
@@ -834,7 +828,7 @@
           <p:nvPr>
             <p:ph type="dt" sz="half" idx="10"/>
             <p:custDataLst>
-              <p:tags r:id="rId4"/>
+              <p:tags r:id="rId3"/>
             </p:custDataLst>
           </p:nvPr>
         </p:nvSpPr>
@@ -845,6 +839,7 @@
           <a:p>
             <a:fld id="{760FBDFE-C587-4B4C-A407-44438C67B59E}" type="datetimeFigureOut">
               <a:rPr lang="zh-CN" altLang="en-US" smtClean="0"/>
+              <a:t>2024/7/31</a:t>
             </a:fld>
             <a:endParaRPr lang="zh-CN" altLang="en-US"/>
           </a:p>
@@ -859,29 +854,29 @@
           <p:nvPr>
             <p:ph type="ftr" sz="quarter" idx="11"/>
             <p:custDataLst>
+              <p:tags r:id="rId4"/>
+            </p:custDataLst>
+          </p:nvPr>
+        </p:nvSpPr>
+        <p:spPr/>
+        <p:txBody>
+          <a:bodyPr/>
+          <a:lstStyle/>
+          <a:p>
+            <a:endParaRPr lang="zh-CN" altLang="en-US"/>
+          </a:p>
+        </p:txBody>
+      </p:sp>
+      <p:sp>
+        <p:nvSpPr>
+          <p:cNvPr id="6" name="灯片编号占位符 5"/>
+          <p:cNvSpPr>
+            <a:spLocks noGrp="1"/>
+          </p:cNvSpPr>
+          <p:nvPr>
+            <p:ph type="sldNum" sz="quarter" idx="12"/>
+            <p:custDataLst>
               <p:tags r:id="rId5"/>
-            </p:custDataLst>
-          </p:nvPr>
-        </p:nvSpPr>
-        <p:spPr/>
-        <p:txBody>
-          <a:bodyPr/>
-          <a:lstStyle/>
-          <a:p>
-            <a:endParaRPr lang="zh-CN" altLang="en-US"/>
-          </a:p>
-        </p:txBody>
-      </p:sp>
-      <p:sp>
-        <p:nvSpPr>
-          <p:cNvPr id="6" name="灯片编号占位符 5"/>
-          <p:cNvSpPr>
-            <a:spLocks noGrp="1"/>
-          </p:cNvSpPr>
-          <p:nvPr>
-            <p:ph type="sldNum" sz="quarter" idx="12"/>
-            <p:custDataLst>
-              <p:tags r:id="rId6"/>
             </p:custDataLst>
           </p:nvPr>
         </p:nvSpPr>
@@ -892,6 +887,7 @@
           <a:p>
             <a:fld id="{49AE70B2-8BF9-45C0-BB95-33D1B9D3A854}" type="slidenum">
               <a:rPr lang="zh-CN" altLang="en-US" smtClean="0"/>
+              <a:t>‹#›</a:t>
             </a:fld>
             <a:endParaRPr lang="zh-CN" altLang="en-US"/>
           </a:p>
@@ -931,7 +927,7 @@
           <p:nvPr>
             <p:ph type="title" hasCustomPrompt="1"/>
             <p:custDataLst>
-              <p:tags r:id="rId2"/>
+              <p:tags r:id="rId1"/>
             </p:custDataLst>
           </p:nvPr>
         </p:nvSpPr>
@@ -955,7 +951,6 @@
               <a:rPr lang="zh-CN" altLang="en-US" dirty="0"/>
               <a:t>单击此处编辑标题</a:t>
             </a:r>
-            <a:endParaRPr lang="zh-CN" altLang="en-US" dirty="0"/>
           </a:p>
         </p:txBody>
       </p:sp>
@@ -968,7 +963,7 @@
           <p:nvPr>
             <p:ph type="body" idx="1" hasCustomPrompt="1"/>
             <p:custDataLst>
-              <p:tags r:id="rId3"/>
+              <p:tags r:id="rId2"/>
             </p:custDataLst>
           </p:nvPr>
         </p:nvSpPr>
@@ -1081,7 +1076,6 @@
               <a:rPr lang="zh-CN" altLang="en-US" dirty="0"/>
               <a:t>单击此处编辑文本</a:t>
             </a:r>
-            <a:endParaRPr lang="zh-CN" altLang="en-US" dirty="0"/>
           </a:p>
         </p:txBody>
       </p:sp>
@@ -1094,7 +1088,7 @@
           <p:nvPr>
             <p:ph type="dt" sz="half" idx="10"/>
             <p:custDataLst>
-              <p:tags r:id="rId4"/>
+              <p:tags r:id="rId3"/>
             </p:custDataLst>
           </p:nvPr>
         </p:nvSpPr>
@@ -1105,6 +1099,7 @@
           <a:p>
             <a:fld id="{760FBDFE-C587-4B4C-A407-44438C67B59E}" type="datetimeFigureOut">
               <a:rPr lang="zh-CN" altLang="en-US" smtClean="0"/>
+              <a:t>2024/7/31</a:t>
             </a:fld>
             <a:endParaRPr lang="zh-CN" altLang="en-US"/>
           </a:p>
@@ -1119,29 +1114,29 @@
           <p:nvPr>
             <p:ph type="ftr" sz="quarter" idx="11"/>
             <p:custDataLst>
+              <p:tags r:id="rId4"/>
+            </p:custDataLst>
+          </p:nvPr>
+        </p:nvSpPr>
+        <p:spPr/>
+        <p:txBody>
+          <a:bodyPr/>
+          <a:lstStyle/>
+          <a:p>
+            <a:endParaRPr lang="zh-CN" altLang="en-US"/>
+          </a:p>
+        </p:txBody>
+      </p:sp>
+      <p:sp>
+        <p:nvSpPr>
+          <p:cNvPr id="6" name="灯片编号占位符 5"/>
+          <p:cNvSpPr>
+            <a:spLocks noGrp="1"/>
+          </p:cNvSpPr>
+          <p:nvPr>
+            <p:ph type="sldNum" sz="quarter" idx="12"/>
+            <p:custDataLst>
               <p:tags r:id="rId5"/>
-            </p:custDataLst>
-          </p:nvPr>
-        </p:nvSpPr>
-        <p:spPr/>
-        <p:txBody>
-          <a:bodyPr/>
-          <a:lstStyle/>
-          <a:p>
-            <a:endParaRPr lang="zh-CN" altLang="en-US"/>
-          </a:p>
-        </p:txBody>
-      </p:sp>
-      <p:sp>
-        <p:nvSpPr>
-          <p:cNvPr id="6" name="灯片编号占位符 5"/>
-          <p:cNvSpPr>
-            <a:spLocks noGrp="1"/>
-          </p:cNvSpPr>
-          <p:nvPr>
-            <p:ph type="sldNum" sz="quarter" idx="12"/>
-            <p:custDataLst>
-              <p:tags r:id="rId6"/>
             </p:custDataLst>
           </p:nvPr>
         </p:nvSpPr>
@@ -1152,6 +1147,7 @@
           <a:p>
             <a:fld id="{49AE70B2-8BF9-45C0-BB95-33D1B9D3A854}" type="slidenum">
               <a:rPr lang="zh-CN" altLang="en-US" smtClean="0"/>
+              <a:t>‹#›</a:t>
             </a:fld>
             <a:endParaRPr lang="zh-CN" altLang="en-US"/>
           </a:p>
@@ -1191,7 +1187,7 @@
           <p:nvPr>
             <p:ph type="title"/>
             <p:custDataLst>
-              <p:tags r:id="rId2"/>
+              <p:tags r:id="rId1"/>
             </p:custDataLst>
           </p:nvPr>
         </p:nvSpPr>
@@ -1209,10 +1205,9 @@
           <a:p>
             <a:pPr lvl="0"/>
             <a:r>
-              <a:rPr lang="zh-CN" altLang="en-US" smtClean="0"/>
+              <a:rPr lang="zh-CN" altLang="en-US"/>
               <a:t>单击此处编辑母版标题样式</a:t>
             </a:r>
-            <a:endParaRPr lang="zh-CN" altLang="en-US"/>
           </a:p>
         </p:txBody>
       </p:sp>
@@ -1225,7 +1220,7 @@
           <p:nvPr>
             <p:ph sz="half" idx="1"/>
             <p:custDataLst>
-              <p:tags r:id="rId3"/>
+              <p:tags r:id="rId2"/>
             </p:custDataLst>
           </p:nvPr>
         </p:nvSpPr>
@@ -1243,42 +1238,37 @@
           <a:p>
             <a:pPr lvl="0"/>
             <a:r>
-              <a:rPr lang="zh-CN" altLang="en-US" smtClean="0"/>
+              <a:rPr lang="zh-CN" altLang="en-US"/>
               <a:t>单击此处编辑母版文本样式</a:t>
             </a:r>
-            <a:endParaRPr lang="zh-CN" altLang="en-US" smtClean="0"/>
           </a:p>
           <a:p>
             <a:pPr lvl="1"/>
             <a:r>
-              <a:rPr lang="zh-CN" altLang="en-US" smtClean="0"/>
+              <a:rPr lang="zh-CN" altLang="en-US"/>
               <a:t>第二级</a:t>
             </a:r>
-            <a:endParaRPr lang="zh-CN" altLang="en-US" smtClean="0"/>
           </a:p>
           <a:p>
             <a:pPr lvl="2"/>
             <a:r>
-              <a:rPr lang="zh-CN" altLang="en-US" smtClean="0"/>
+              <a:rPr lang="zh-CN" altLang="en-US"/>
               <a:t>第三级</a:t>
             </a:r>
-            <a:endParaRPr lang="zh-CN" altLang="en-US" smtClean="0"/>
           </a:p>
           <a:p>
             <a:pPr lvl="3"/>
             <a:r>
-              <a:rPr lang="zh-CN" altLang="en-US" smtClean="0"/>
+              <a:rPr lang="zh-CN" altLang="en-US"/>
               <a:t>第四级</a:t>
             </a:r>
-            <a:endParaRPr lang="zh-CN" altLang="en-US" smtClean="0"/>
           </a:p>
           <a:p>
             <a:pPr lvl="4"/>
             <a:r>
-              <a:rPr lang="zh-CN" altLang="en-US" smtClean="0"/>
+              <a:rPr lang="zh-CN" altLang="en-US"/>
               <a:t>第五级</a:t>
             </a:r>
-            <a:endParaRPr lang="zh-CN" altLang="en-US"/>
           </a:p>
         </p:txBody>
       </p:sp>
@@ -1291,7 +1281,7 @@
           <p:nvPr>
             <p:ph sz="half" idx="2"/>
             <p:custDataLst>
-              <p:tags r:id="rId4"/>
+              <p:tags r:id="rId3"/>
             </p:custDataLst>
           </p:nvPr>
         </p:nvSpPr>
@@ -1312,7 +1302,6 @@
               <a:rPr lang="zh-CN" altLang="en-US" dirty="0"/>
               <a:t>单击此处编辑母版文本样式</a:t>
             </a:r>
-            <a:endParaRPr lang="zh-CN" altLang="en-US" dirty="0"/>
           </a:p>
           <a:p>
             <a:pPr lvl="1"/>
@@ -1320,7 +1309,6 @@
               <a:rPr lang="zh-CN" altLang="en-US" dirty="0"/>
               <a:t>第二级</a:t>
             </a:r>
-            <a:endParaRPr lang="zh-CN" altLang="en-US" dirty="0"/>
           </a:p>
           <a:p>
             <a:pPr lvl="2"/>
@@ -1328,7 +1316,6 @@
               <a:rPr lang="zh-CN" altLang="en-US" dirty="0"/>
               <a:t>第三级</a:t>
             </a:r>
-            <a:endParaRPr lang="zh-CN" altLang="en-US" dirty="0"/>
           </a:p>
           <a:p>
             <a:pPr lvl="3"/>
@@ -1336,7 +1323,6 @@
               <a:rPr lang="zh-CN" altLang="en-US" dirty="0"/>
               <a:t>第四级</a:t>
             </a:r>
-            <a:endParaRPr lang="zh-CN" altLang="en-US" dirty="0"/>
           </a:p>
           <a:p>
             <a:pPr lvl="4"/>
@@ -1344,7 +1330,6 @@
               <a:rPr lang="zh-CN" altLang="en-US" dirty="0"/>
               <a:t>第五级</a:t>
             </a:r>
-            <a:endParaRPr lang="zh-CN" altLang="en-US" dirty="0"/>
           </a:p>
         </p:txBody>
       </p:sp>
@@ -1357,7 +1342,7 @@
           <p:nvPr>
             <p:ph type="dt" sz="half" idx="10"/>
             <p:custDataLst>
-              <p:tags r:id="rId5"/>
+              <p:tags r:id="rId4"/>
             </p:custDataLst>
           </p:nvPr>
         </p:nvSpPr>
@@ -1368,6 +1353,7 @@
           <a:p>
             <a:fld id="{760FBDFE-C587-4B4C-A407-44438C67B59E}" type="datetimeFigureOut">
               <a:rPr lang="zh-CN" altLang="en-US" smtClean="0"/>
+              <a:t>2024/7/31</a:t>
             </a:fld>
             <a:endParaRPr lang="zh-CN" altLang="en-US"/>
           </a:p>
@@ -1382,29 +1368,29 @@
           <p:nvPr>
             <p:ph type="ftr" sz="quarter" idx="11"/>
             <p:custDataLst>
+              <p:tags r:id="rId5"/>
+            </p:custDataLst>
+          </p:nvPr>
+        </p:nvSpPr>
+        <p:spPr/>
+        <p:txBody>
+          <a:bodyPr/>
+          <a:lstStyle/>
+          <a:p>
+            <a:endParaRPr lang="zh-CN" altLang="en-US"/>
+          </a:p>
+        </p:txBody>
+      </p:sp>
+      <p:sp>
+        <p:nvSpPr>
+          <p:cNvPr id="7" name="灯片编号占位符 6"/>
+          <p:cNvSpPr>
+            <a:spLocks noGrp="1"/>
+          </p:cNvSpPr>
+          <p:nvPr>
+            <p:ph type="sldNum" sz="quarter" idx="12"/>
+            <p:custDataLst>
               <p:tags r:id="rId6"/>
-            </p:custDataLst>
-          </p:nvPr>
-        </p:nvSpPr>
-        <p:spPr/>
-        <p:txBody>
-          <a:bodyPr/>
-          <a:lstStyle/>
-          <a:p>
-            <a:endParaRPr lang="zh-CN" altLang="en-US"/>
-          </a:p>
-        </p:txBody>
-      </p:sp>
-      <p:sp>
-        <p:nvSpPr>
-          <p:cNvPr id="7" name="灯片编号占位符 6"/>
-          <p:cNvSpPr>
-            <a:spLocks noGrp="1"/>
-          </p:cNvSpPr>
-          <p:nvPr>
-            <p:ph type="sldNum" sz="quarter" idx="12"/>
-            <p:custDataLst>
-              <p:tags r:id="rId7"/>
             </p:custDataLst>
           </p:nvPr>
         </p:nvSpPr>
@@ -1415,6 +1401,7 @@
           <a:p>
             <a:fld id="{49AE70B2-8BF9-45C0-BB95-33D1B9D3A854}" type="slidenum">
               <a:rPr lang="zh-CN" altLang="en-US" smtClean="0"/>
+              <a:t>‹#›</a:t>
             </a:fld>
             <a:endParaRPr lang="zh-CN" altLang="en-US"/>
           </a:p>
@@ -1454,7 +1441,7 @@
           <p:nvPr>
             <p:ph type="title"/>
             <p:custDataLst>
-              <p:tags r:id="rId2"/>
+              <p:tags r:id="rId1"/>
             </p:custDataLst>
           </p:nvPr>
         </p:nvSpPr>
@@ -1472,10 +1459,9 @@
           <a:p>
             <a:pPr lvl="0"/>
             <a:r>
-              <a:rPr lang="zh-CN" altLang="en-US" smtClean="0"/>
+              <a:rPr lang="zh-CN" altLang="en-US"/>
               <a:t>单击此处编辑母版标题样式</a:t>
             </a:r>
-            <a:endParaRPr lang="zh-CN" altLang="en-US"/>
           </a:p>
         </p:txBody>
       </p:sp>
@@ -1488,7 +1474,7 @@
           <p:nvPr>
             <p:ph type="body" idx="1" hasCustomPrompt="1"/>
             <p:custDataLst>
-              <p:tags r:id="rId3"/>
+              <p:tags r:id="rId2"/>
             </p:custDataLst>
           </p:nvPr>
         </p:nvSpPr>
@@ -1556,7 +1542,6 @@
               <a:rPr lang="zh-CN" altLang="en-US" dirty="0"/>
               <a:t>单击此处编辑文本</a:t>
             </a:r>
-            <a:endParaRPr lang="zh-CN" altLang="en-US" dirty="0"/>
           </a:p>
         </p:txBody>
       </p:sp>
@@ -1569,7 +1554,7 @@
           <p:nvPr>
             <p:ph sz="half" idx="2"/>
             <p:custDataLst>
-              <p:tags r:id="rId4"/>
+              <p:tags r:id="rId3"/>
             </p:custDataLst>
           </p:nvPr>
         </p:nvSpPr>
@@ -1587,42 +1572,37 @@
           <a:p>
             <a:pPr lvl="0"/>
             <a:r>
-              <a:rPr lang="zh-CN" altLang="en-US" smtClean="0"/>
+              <a:rPr lang="zh-CN" altLang="en-US"/>
               <a:t>单击此处编辑母版文本样式</a:t>
             </a:r>
-            <a:endParaRPr lang="zh-CN" altLang="en-US" smtClean="0"/>
           </a:p>
           <a:p>
             <a:pPr lvl="1"/>
             <a:r>
-              <a:rPr lang="zh-CN" altLang="en-US" smtClean="0"/>
+              <a:rPr lang="zh-CN" altLang="en-US"/>
               <a:t>第二级</a:t>
             </a:r>
-            <a:endParaRPr lang="zh-CN" altLang="en-US" smtClean="0"/>
           </a:p>
           <a:p>
             <a:pPr lvl="2"/>
             <a:r>
-              <a:rPr lang="zh-CN" altLang="en-US" smtClean="0"/>
+              <a:rPr lang="zh-CN" altLang="en-US"/>
               <a:t>第三级</a:t>
             </a:r>
-            <a:endParaRPr lang="zh-CN" altLang="en-US" smtClean="0"/>
           </a:p>
           <a:p>
             <a:pPr lvl="3"/>
             <a:r>
-              <a:rPr lang="zh-CN" altLang="en-US" smtClean="0"/>
+              <a:rPr lang="zh-CN" altLang="en-US"/>
               <a:t>第四级</a:t>
             </a:r>
-            <a:endParaRPr lang="zh-CN" altLang="en-US" smtClean="0"/>
           </a:p>
           <a:p>
             <a:pPr lvl="4"/>
             <a:r>
-              <a:rPr lang="zh-CN" altLang="en-US" smtClean="0"/>
+              <a:rPr lang="zh-CN" altLang="en-US"/>
               <a:t>第五级</a:t>
             </a:r>
-            <a:endParaRPr lang="zh-CN" altLang="en-US"/>
           </a:p>
         </p:txBody>
       </p:sp>
@@ -1635,7 +1615,7 @@
           <p:nvPr>
             <p:ph type="body" sz="quarter" idx="3" hasCustomPrompt="1"/>
             <p:custDataLst>
-              <p:tags r:id="rId5"/>
+              <p:tags r:id="rId4"/>
             </p:custDataLst>
           </p:nvPr>
         </p:nvSpPr>
@@ -1700,10 +1680,9 @@
           <a:p>
             <a:pPr lvl="0"/>
             <a:r>
-              <a:rPr lang="zh-CN" altLang="en-US" smtClean="0"/>
+              <a:rPr lang="zh-CN" altLang="en-US"/>
               <a:t>单击此处编辑文本</a:t>
             </a:r>
-            <a:endParaRPr lang="zh-CN" altLang="en-US"/>
           </a:p>
         </p:txBody>
       </p:sp>
@@ -1716,7 +1695,7 @@
           <p:nvPr>
             <p:ph sz="quarter" idx="4"/>
             <p:custDataLst>
-              <p:tags r:id="rId6"/>
+              <p:tags r:id="rId5"/>
             </p:custDataLst>
           </p:nvPr>
         </p:nvSpPr>
@@ -1734,42 +1713,37 @@
           <a:p>
             <a:pPr lvl="0"/>
             <a:r>
-              <a:rPr lang="zh-CN" altLang="en-US" smtClean="0"/>
+              <a:rPr lang="zh-CN" altLang="en-US"/>
               <a:t>单击此处编辑母版文本样式</a:t>
             </a:r>
-            <a:endParaRPr lang="zh-CN" altLang="en-US" smtClean="0"/>
           </a:p>
           <a:p>
             <a:pPr lvl="1"/>
             <a:r>
-              <a:rPr lang="zh-CN" altLang="en-US" smtClean="0"/>
+              <a:rPr lang="zh-CN" altLang="en-US"/>
               <a:t>第二级</a:t>
             </a:r>
-            <a:endParaRPr lang="zh-CN" altLang="en-US" smtClean="0"/>
           </a:p>
           <a:p>
             <a:pPr lvl="2"/>
             <a:r>
-              <a:rPr lang="zh-CN" altLang="en-US" smtClean="0"/>
+              <a:rPr lang="zh-CN" altLang="en-US"/>
               <a:t>第三级</a:t>
             </a:r>
-            <a:endParaRPr lang="zh-CN" altLang="en-US" smtClean="0"/>
           </a:p>
           <a:p>
             <a:pPr lvl="3"/>
             <a:r>
-              <a:rPr lang="zh-CN" altLang="en-US" smtClean="0"/>
+              <a:rPr lang="zh-CN" altLang="en-US"/>
               <a:t>第四级</a:t>
             </a:r>
-            <a:endParaRPr lang="zh-CN" altLang="en-US" smtClean="0"/>
           </a:p>
           <a:p>
             <a:pPr lvl="4"/>
             <a:r>
-              <a:rPr lang="zh-CN" altLang="en-US" smtClean="0"/>
+              <a:rPr lang="zh-CN" altLang="en-US"/>
               <a:t>第五级</a:t>
             </a:r>
-            <a:endParaRPr lang="zh-CN" altLang="en-US"/>
           </a:p>
         </p:txBody>
       </p:sp>
@@ -1782,7 +1756,7 @@
           <p:nvPr>
             <p:ph type="dt" sz="half" idx="10"/>
             <p:custDataLst>
-              <p:tags r:id="rId7"/>
+              <p:tags r:id="rId6"/>
             </p:custDataLst>
           </p:nvPr>
         </p:nvSpPr>
@@ -1793,6 +1767,7 @@
           <a:p>
             <a:fld id="{760FBDFE-C587-4B4C-A407-44438C67B59E}" type="datetimeFigureOut">
               <a:rPr lang="zh-CN" altLang="en-US" smtClean="0"/>
+              <a:t>2024/7/31</a:t>
             </a:fld>
             <a:endParaRPr lang="zh-CN" altLang="en-US"/>
           </a:p>
@@ -1807,29 +1782,29 @@
           <p:nvPr>
             <p:ph type="ftr" sz="quarter" idx="11"/>
             <p:custDataLst>
+              <p:tags r:id="rId7"/>
+            </p:custDataLst>
+          </p:nvPr>
+        </p:nvSpPr>
+        <p:spPr/>
+        <p:txBody>
+          <a:bodyPr/>
+          <a:lstStyle/>
+          <a:p>
+            <a:endParaRPr lang="zh-CN" altLang="en-US"/>
+          </a:p>
+        </p:txBody>
+      </p:sp>
+      <p:sp>
+        <p:nvSpPr>
+          <p:cNvPr id="9" name="灯片编号占位符 8"/>
+          <p:cNvSpPr>
+            <a:spLocks noGrp="1"/>
+          </p:cNvSpPr>
+          <p:nvPr>
+            <p:ph type="sldNum" sz="quarter" idx="12"/>
+            <p:custDataLst>
               <p:tags r:id="rId8"/>
-            </p:custDataLst>
-          </p:nvPr>
-        </p:nvSpPr>
-        <p:spPr/>
-        <p:txBody>
-          <a:bodyPr/>
-          <a:lstStyle/>
-          <a:p>
-            <a:endParaRPr lang="zh-CN" altLang="en-US"/>
-          </a:p>
-        </p:txBody>
-      </p:sp>
-      <p:sp>
-        <p:nvSpPr>
-          <p:cNvPr id="9" name="灯片编号占位符 8"/>
-          <p:cNvSpPr>
-            <a:spLocks noGrp="1"/>
-          </p:cNvSpPr>
-          <p:nvPr>
-            <p:ph type="sldNum" sz="quarter" idx="12"/>
-            <p:custDataLst>
-              <p:tags r:id="rId9"/>
             </p:custDataLst>
           </p:nvPr>
         </p:nvSpPr>
@@ -1840,6 +1815,7 @@
           <a:p>
             <a:fld id="{49AE70B2-8BF9-45C0-BB95-33D1B9D3A854}" type="slidenum">
               <a:rPr lang="zh-CN" altLang="en-US" smtClean="0"/>
+              <a:t>‹#›</a:t>
             </a:fld>
             <a:endParaRPr lang="zh-CN" altLang="en-US"/>
           </a:p>
@@ -1879,7 +1855,7 @@
           <p:nvPr>
             <p:ph type="title"/>
             <p:custDataLst>
-              <p:tags r:id="rId2"/>
+              <p:tags r:id="rId1"/>
             </p:custDataLst>
           </p:nvPr>
         </p:nvSpPr>
@@ -1897,10 +1873,9 @@
           <a:p>
             <a:pPr lvl="0"/>
             <a:r>
-              <a:rPr lang="zh-CN" altLang="en-US" smtClean="0"/>
+              <a:rPr lang="zh-CN" altLang="en-US"/>
               <a:t>单击此处编辑母版标题样式</a:t>
             </a:r>
-            <a:endParaRPr lang="zh-CN" altLang="en-US"/>
           </a:p>
         </p:txBody>
       </p:sp>
@@ -1913,7 +1888,7 @@
           <p:nvPr>
             <p:ph type="dt" sz="half" idx="10"/>
             <p:custDataLst>
-              <p:tags r:id="rId3"/>
+              <p:tags r:id="rId2"/>
             </p:custDataLst>
           </p:nvPr>
         </p:nvSpPr>
@@ -1924,6 +1899,7 @@
           <a:p>
             <a:fld id="{760FBDFE-C587-4B4C-A407-44438C67B59E}" type="datetimeFigureOut">
               <a:rPr lang="zh-CN" altLang="en-US" smtClean="0"/>
+              <a:t>2024/7/31</a:t>
             </a:fld>
             <a:endParaRPr lang="zh-CN" altLang="en-US"/>
           </a:p>
@@ -1938,29 +1914,29 @@
           <p:nvPr>
             <p:ph type="ftr" sz="quarter" idx="11"/>
             <p:custDataLst>
+              <p:tags r:id="rId3"/>
+            </p:custDataLst>
+          </p:nvPr>
+        </p:nvSpPr>
+        <p:spPr/>
+        <p:txBody>
+          <a:bodyPr/>
+          <a:lstStyle/>
+          <a:p>
+            <a:endParaRPr lang="zh-CN" altLang="en-US"/>
+          </a:p>
+        </p:txBody>
+      </p:sp>
+      <p:sp>
+        <p:nvSpPr>
+          <p:cNvPr id="5" name="灯片编号占位符 4"/>
+          <p:cNvSpPr>
+            <a:spLocks noGrp="1"/>
+          </p:cNvSpPr>
+          <p:nvPr>
+            <p:ph type="sldNum" sz="quarter" idx="12"/>
+            <p:custDataLst>
               <p:tags r:id="rId4"/>
-            </p:custDataLst>
-          </p:nvPr>
-        </p:nvSpPr>
-        <p:spPr/>
-        <p:txBody>
-          <a:bodyPr/>
-          <a:lstStyle/>
-          <a:p>
-            <a:endParaRPr lang="zh-CN" altLang="en-US"/>
-          </a:p>
-        </p:txBody>
-      </p:sp>
-      <p:sp>
-        <p:nvSpPr>
-          <p:cNvPr id="5" name="灯片编号占位符 4"/>
-          <p:cNvSpPr>
-            <a:spLocks noGrp="1"/>
-          </p:cNvSpPr>
-          <p:nvPr>
-            <p:ph type="sldNum" sz="quarter" idx="12"/>
-            <p:custDataLst>
-              <p:tags r:id="rId5"/>
             </p:custDataLst>
           </p:nvPr>
         </p:nvSpPr>
@@ -1971,6 +1947,7 @@
           <a:p>
             <a:fld id="{49AE70B2-8BF9-45C0-BB95-33D1B9D3A854}" type="slidenum">
               <a:rPr lang="zh-CN" altLang="en-US" smtClean="0"/>
+              <a:t>‹#›</a:t>
             </a:fld>
             <a:endParaRPr lang="zh-CN" altLang="en-US"/>
           </a:p>
@@ -2010,7 +1987,7 @@
           <p:nvPr>
             <p:ph type="dt" sz="half" idx="10"/>
             <p:custDataLst>
-              <p:tags r:id="rId2"/>
+              <p:tags r:id="rId1"/>
             </p:custDataLst>
           </p:nvPr>
         </p:nvSpPr>
@@ -2021,6 +1998,7 @@
           <a:p>
             <a:fld id="{760FBDFE-C587-4B4C-A407-44438C67B59E}" type="datetimeFigureOut">
               <a:rPr lang="zh-CN" altLang="en-US" smtClean="0"/>
+              <a:t>2024/7/31</a:t>
             </a:fld>
             <a:endParaRPr lang="zh-CN" altLang="en-US"/>
           </a:p>
@@ -2035,29 +2013,29 @@
           <p:nvPr>
             <p:ph type="ftr" sz="quarter" idx="11"/>
             <p:custDataLst>
+              <p:tags r:id="rId2"/>
+            </p:custDataLst>
+          </p:nvPr>
+        </p:nvSpPr>
+        <p:spPr/>
+        <p:txBody>
+          <a:bodyPr/>
+          <a:lstStyle/>
+          <a:p>
+            <a:endParaRPr lang="zh-CN" altLang="en-US"/>
+          </a:p>
+        </p:txBody>
+      </p:sp>
+      <p:sp>
+        <p:nvSpPr>
+          <p:cNvPr id="4" name="灯片编号占位符 3"/>
+          <p:cNvSpPr>
+            <a:spLocks noGrp="1"/>
+          </p:cNvSpPr>
+          <p:nvPr>
+            <p:ph type="sldNum" sz="quarter" idx="12"/>
+            <p:custDataLst>
               <p:tags r:id="rId3"/>
-            </p:custDataLst>
-          </p:nvPr>
-        </p:nvSpPr>
-        <p:spPr/>
-        <p:txBody>
-          <a:bodyPr/>
-          <a:lstStyle/>
-          <a:p>
-            <a:endParaRPr lang="zh-CN" altLang="en-US"/>
-          </a:p>
-        </p:txBody>
-      </p:sp>
-      <p:sp>
-        <p:nvSpPr>
-          <p:cNvPr id="4" name="灯片编号占位符 3"/>
-          <p:cNvSpPr>
-            <a:spLocks noGrp="1"/>
-          </p:cNvSpPr>
-          <p:nvPr>
-            <p:ph type="sldNum" sz="quarter" idx="12"/>
-            <p:custDataLst>
-              <p:tags r:id="rId4"/>
             </p:custDataLst>
           </p:nvPr>
         </p:nvSpPr>
@@ -2068,6 +2046,7 @@
           <a:p>
             <a:fld id="{49AE70B2-8BF9-45C0-BB95-33D1B9D3A854}" type="slidenum">
               <a:rPr lang="zh-CN" altLang="en-US" smtClean="0"/>
+              <a:t>‹#›</a:t>
             </a:fld>
             <a:endParaRPr lang="zh-CN" altLang="en-US"/>
           </a:p>
@@ -2107,7 +2086,7 @@
           <p:nvPr>
             <p:ph type="pic" idx="1"/>
             <p:custDataLst>
-              <p:tags r:id="rId2"/>
+              <p:tags r:id="rId1"/>
             </p:custDataLst>
           </p:nvPr>
         </p:nvSpPr>
@@ -2142,7 +2121,7 @@
           <p:nvPr>
             <p:ph type="body" sz="half" idx="2"/>
             <p:custDataLst>
-              <p:tags r:id="rId3"/>
+              <p:tags r:id="rId2"/>
             </p:custDataLst>
           </p:nvPr>
         </p:nvSpPr>
@@ -2165,10 +2144,9 @@
           <a:p>
             <a:pPr lvl="0"/>
             <a:r>
-              <a:rPr lang="zh-CN" altLang="en-US" smtClean="0"/>
+              <a:rPr lang="zh-CN" altLang="en-US"/>
               <a:t>单击此处编辑母版文本样式</a:t>
             </a:r>
-            <a:endParaRPr lang="zh-CN" altLang="en-US"/>
           </a:p>
         </p:txBody>
       </p:sp>
@@ -2181,7 +2159,7 @@
           <p:nvPr>
             <p:ph type="dt" sz="half" idx="10"/>
             <p:custDataLst>
-              <p:tags r:id="rId4"/>
+              <p:tags r:id="rId3"/>
             </p:custDataLst>
           </p:nvPr>
         </p:nvSpPr>
@@ -2192,6 +2170,7 @@
           <a:p>
             <a:fld id="{9EFD9D74-47D9-4702-A33C-335B63B48DBF}" type="datetimeFigureOut">
               <a:rPr lang="zh-CN" altLang="en-US" smtClean="0"/>
+              <a:t>2024/7/31</a:t>
             </a:fld>
             <a:endParaRPr lang="zh-CN" altLang="en-US" dirty="0"/>
           </a:p>
@@ -2206,29 +2185,29 @@
           <p:nvPr>
             <p:ph type="ftr" sz="quarter" idx="11"/>
             <p:custDataLst>
+              <p:tags r:id="rId4"/>
+            </p:custDataLst>
+          </p:nvPr>
+        </p:nvSpPr>
+        <p:spPr/>
+        <p:txBody>
+          <a:bodyPr/>
+          <a:lstStyle/>
+          <a:p>
+            <a:endParaRPr lang="zh-CN" altLang="en-US" dirty="0"/>
+          </a:p>
+        </p:txBody>
+      </p:sp>
+      <p:sp>
+        <p:nvSpPr>
+          <p:cNvPr id="7" name="灯片编号占位符 6"/>
+          <p:cNvSpPr>
+            <a:spLocks noGrp="1"/>
+          </p:cNvSpPr>
+          <p:nvPr>
+            <p:ph type="sldNum" sz="quarter" idx="12"/>
+            <p:custDataLst>
               <p:tags r:id="rId5"/>
-            </p:custDataLst>
-          </p:nvPr>
-        </p:nvSpPr>
-        <p:spPr/>
-        <p:txBody>
-          <a:bodyPr/>
-          <a:lstStyle/>
-          <a:p>
-            <a:endParaRPr lang="zh-CN" altLang="en-US" dirty="0"/>
-          </a:p>
-        </p:txBody>
-      </p:sp>
-      <p:sp>
-        <p:nvSpPr>
-          <p:cNvPr id="7" name="灯片编号占位符 6"/>
-          <p:cNvSpPr>
-            <a:spLocks noGrp="1"/>
-          </p:cNvSpPr>
-          <p:nvPr>
-            <p:ph type="sldNum" sz="quarter" idx="12"/>
-            <p:custDataLst>
-              <p:tags r:id="rId6"/>
             </p:custDataLst>
           </p:nvPr>
         </p:nvSpPr>
@@ -2239,6 +2218,7 @@
           <a:p>
             <a:fld id="{FABC47A4-756D-490B-A52F-7D9E2C9FC05F}" type="slidenum">
               <a:rPr lang="zh-CN" altLang="en-US" smtClean="0"/>
+              <a:t>‹#›</a:t>
             </a:fld>
             <a:endParaRPr lang="zh-CN" altLang="en-US"/>
           </a:p>
@@ -2253,19 +2233,19 @@
           <p:nvPr>
             <p:ph type="title"/>
             <p:custDataLst>
-              <p:tags r:id="rId7"/>
+              <p:tags r:id="rId6"/>
             </p:custDataLst>
           </p:nvPr>
         </p:nvSpPr>
         <p:spPr/>
         <p:txBody>
           <a:bodyPr/>
+          <a:lstStyle/>
           <a:p>
             <a:r>
               <a:rPr lang="zh-CN" altLang="en-US"/>
               <a:t>单击此处编辑母版标题样式</a:t>
             </a:r>
-            <a:endParaRPr lang="zh-CN" altLang="en-US"/>
           </a:p>
         </p:txBody>
       </p:sp>
@@ -2303,7 +2283,7 @@
           <p:nvPr>
             <p:ph type="title" orient="vert" hasCustomPrompt="1"/>
             <p:custDataLst>
-              <p:tags r:id="rId2"/>
+              <p:tags r:id="rId1"/>
             </p:custDataLst>
           </p:nvPr>
         </p:nvSpPr>
@@ -2326,10 +2306,9 @@
           <a:p>
             <a:pPr lvl="0"/>
             <a:r>
-              <a:rPr lang="zh-CN" altLang="en-US" smtClean="0"/>
+              <a:rPr lang="zh-CN" altLang="en-US"/>
               <a:t>单击此处编辑标题</a:t>
             </a:r>
-            <a:endParaRPr lang="zh-CN" altLang="en-US"/>
           </a:p>
         </p:txBody>
       </p:sp>
@@ -2342,7 +2321,7 @@
           <p:nvPr>
             <p:ph type="body" orient="vert" idx="1"/>
             <p:custDataLst>
-              <p:tags r:id="rId3"/>
+              <p:tags r:id="rId2"/>
             </p:custDataLst>
           </p:nvPr>
         </p:nvSpPr>
@@ -2380,7 +2359,6 @@
               <a:rPr lang="zh-CN" altLang="en-US" dirty="0"/>
               <a:t>单击此处编辑母版文本样式</a:t>
             </a:r>
-            <a:endParaRPr lang="zh-CN" altLang="en-US" dirty="0"/>
           </a:p>
           <a:p>
             <a:pPr lvl="1"/>
@@ -2388,7 +2366,6 @@
               <a:rPr lang="zh-CN" altLang="en-US" dirty="0"/>
               <a:t>第二级</a:t>
             </a:r>
-            <a:endParaRPr lang="zh-CN" altLang="en-US" dirty="0"/>
           </a:p>
           <a:p>
             <a:pPr lvl="2"/>
@@ -2396,7 +2373,6 @@
               <a:rPr lang="zh-CN" altLang="en-US" dirty="0"/>
               <a:t>第三级</a:t>
             </a:r>
-            <a:endParaRPr lang="zh-CN" altLang="en-US" dirty="0"/>
           </a:p>
           <a:p>
             <a:pPr lvl="3"/>
@@ -2404,7 +2380,6 @@
               <a:rPr lang="zh-CN" altLang="en-US" dirty="0"/>
               <a:t>第四级</a:t>
             </a:r>
-            <a:endParaRPr lang="zh-CN" altLang="en-US" dirty="0"/>
           </a:p>
           <a:p>
             <a:pPr lvl="4"/>
@@ -2412,7 +2387,6 @@
               <a:rPr lang="zh-CN" altLang="en-US" dirty="0"/>
               <a:t>第五级</a:t>
             </a:r>
-            <a:endParaRPr lang="zh-CN" altLang="en-US" dirty="0"/>
           </a:p>
         </p:txBody>
       </p:sp>
@@ -2425,7 +2399,7 @@
           <p:nvPr>
             <p:ph type="dt" sz="half" idx="10"/>
             <p:custDataLst>
-              <p:tags r:id="rId4"/>
+              <p:tags r:id="rId3"/>
             </p:custDataLst>
           </p:nvPr>
         </p:nvSpPr>
@@ -2436,6 +2410,7 @@
           <a:p>
             <a:fld id="{760FBDFE-C587-4B4C-A407-44438C67B59E}" type="datetimeFigureOut">
               <a:rPr lang="zh-CN" altLang="en-US" smtClean="0"/>
+              <a:t>2024/7/31</a:t>
             </a:fld>
             <a:endParaRPr lang="zh-CN" altLang="en-US"/>
           </a:p>
@@ -2450,29 +2425,29 @@
           <p:nvPr>
             <p:ph type="ftr" sz="quarter" idx="11"/>
             <p:custDataLst>
+              <p:tags r:id="rId4"/>
+            </p:custDataLst>
+          </p:nvPr>
+        </p:nvSpPr>
+        <p:spPr/>
+        <p:txBody>
+          <a:bodyPr/>
+          <a:lstStyle/>
+          <a:p>
+            <a:endParaRPr lang="zh-CN" altLang="en-US"/>
+          </a:p>
+        </p:txBody>
+      </p:sp>
+      <p:sp>
+        <p:nvSpPr>
+          <p:cNvPr id="6" name="灯片编号占位符 5"/>
+          <p:cNvSpPr>
+            <a:spLocks noGrp="1"/>
+          </p:cNvSpPr>
+          <p:nvPr>
+            <p:ph type="sldNum" sz="quarter" idx="12"/>
+            <p:custDataLst>
               <p:tags r:id="rId5"/>
-            </p:custDataLst>
-          </p:nvPr>
-        </p:nvSpPr>
-        <p:spPr/>
-        <p:txBody>
-          <a:bodyPr/>
-          <a:lstStyle/>
-          <a:p>
-            <a:endParaRPr lang="zh-CN" altLang="en-US"/>
-          </a:p>
-        </p:txBody>
-      </p:sp>
-      <p:sp>
-        <p:nvSpPr>
-          <p:cNvPr id="6" name="灯片编号占位符 5"/>
-          <p:cNvSpPr>
-            <a:spLocks noGrp="1"/>
-          </p:cNvSpPr>
-          <p:nvPr>
-            <p:ph type="sldNum" sz="quarter" idx="12"/>
-            <p:custDataLst>
-              <p:tags r:id="rId6"/>
             </p:custDataLst>
           </p:nvPr>
         </p:nvSpPr>
@@ -2483,6 +2458,7 @@
           <a:p>
             <a:fld id="{49AE70B2-8BF9-45C0-BB95-33D1B9D3A854}" type="slidenum">
               <a:rPr lang="zh-CN" altLang="en-US" smtClean="0"/>
+              <a:t>‹#›</a:t>
             </a:fld>
             <a:endParaRPr lang="zh-CN" altLang="en-US"/>
           </a:p>
@@ -2530,7 +2506,7 @@
           <p:nvPr>
             <p:ph type="title"/>
             <p:custDataLst>
-              <p:tags r:id="rId13"/>
+              <p:tags r:id="rId15"/>
             </p:custDataLst>
           </p:nvPr>
         </p:nvSpPr>
@@ -2553,7 +2529,6 @@
               <a:rPr lang="zh-CN" altLang="en-US" dirty="0"/>
               <a:t>单击此处编辑母版标题样式</a:t>
             </a:r>
-            <a:endParaRPr lang="zh-CN" altLang="en-US" dirty="0"/>
           </a:p>
         </p:txBody>
       </p:sp>
@@ -2566,7 +2541,7 @@
           <p:nvPr>
             <p:ph type="body" idx="1"/>
             <p:custDataLst>
-              <p:tags r:id="rId14"/>
+              <p:tags r:id="rId16"/>
             </p:custDataLst>
           </p:nvPr>
         </p:nvSpPr>
@@ -2590,7 +2565,6 @@
               <a:rPr lang="zh-CN" altLang="en-US" dirty="0"/>
               <a:t>单击此处编辑母版文本样式</a:t>
             </a:r>
-            <a:endParaRPr lang="zh-CN" altLang="en-US" dirty="0"/>
           </a:p>
           <a:p>
             <a:pPr lvl="1"/>
@@ -2598,7 +2572,6 @@
               <a:rPr lang="zh-CN" altLang="en-US" dirty="0"/>
               <a:t>第二级</a:t>
             </a:r>
-            <a:endParaRPr lang="zh-CN" altLang="en-US" dirty="0"/>
           </a:p>
           <a:p>
             <a:pPr lvl="2"/>
@@ -2606,7 +2579,6 @@
               <a:rPr lang="zh-CN" altLang="en-US" dirty="0"/>
               <a:t>第三级</a:t>
             </a:r>
-            <a:endParaRPr lang="zh-CN" altLang="en-US" dirty="0"/>
           </a:p>
           <a:p>
             <a:pPr lvl="3"/>
@@ -2614,7 +2586,6 @@
               <a:rPr lang="zh-CN" altLang="en-US" dirty="0"/>
               <a:t>第四级</a:t>
             </a:r>
-            <a:endParaRPr lang="zh-CN" altLang="en-US" dirty="0"/>
           </a:p>
           <a:p>
             <a:pPr lvl="4"/>
@@ -2622,7 +2593,6 @@
               <a:rPr lang="zh-CN" altLang="en-US" dirty="0"/>
               <a:t>第五级</a:t>
             </a:r>
-            <a:endParaRPr lang="zh-CN" altLang="en-US" dirty="0"/>
           </a:p>
         </p:txBody>
       </p:sp>
@@ -2635,7 +2605,7 @@
           <p:nvPr>
             <p:ph type="dt" sz="half" idx="2"/>
             <p:custDataLst>
-              <p:tags r:id="rId15"/>
+              <p:tags r:id="rId17"/>
             </p:custDataLst>
           </p:nvPr>
         </p:nvSpPr>
@@ -2666,6 +2636,7 @@
           <a:p>
             <a:fld id="{760FBDFE-C587-4B4C-A407-44438C67B59E}" type="datetimeFigureOut">
               <a:rPr lang="zh-CN" altLang="en-US" smtClean="0"/>
+              <a:t>2024/7/31</a:t>
             </a:fld>
             <a:endParaRPr lang="zh-CN" altLang="en-US"/>
           </a:p>
@@ -2680,7 +2651,7 @@
           <p:nvPr>
             <p:ph type="ftr" sz="quarter" idx="3"/>
             <p:custDataLst>
-              <p:tags r:id="rId16"/>
+              <p:tags r:id="rId18"/>
             </p:custDataLst>
           </p:nvPr>
         </p:nvSpPr>
@@ -2722,7 +2693,7 @@
           <p:nvPr>
             <p:ph type="sldNum" sz="quarter" idx="4"/>
             <p:custDataLst>
-              <p:tags r:id="rId17"/>
+              <p:tags r:id="rId19"/>
             </p:custDataLst>
           </p:nvPr>
         </p:nvSpPr>
@@ -2753,6 +2724,7 @@
           <a:p>
             <a:fld id="{49AE70B2-8BF9-45C0-BB95-33D1B9D3A854}" type="slidenum">
               <a:rPr lang="zh-CN" altLang="en-US" smtClean="0"/>
+              <a:t>‹#›</a:t>
             </a:fld>
             <a:endParaRPr lang="zh-CN" altLang="en-US" dirty="0"/>
           </a:p>
@@ -2760,7 +2732,7 @@
       </p:sp>
     </p:spTree>
     <p:custDataLst>
-      <p:tags r:id="rId18"/>
+      <p:tags r:id="rId14"/>
     </p:custDataLst>
   </p:cSld>
   <p:clrMap bg1="lt1" tx1="dk1" bg2="lt2" tx2="dk2" accent1="accent1" accent2="accent2" accent3="accent3" accent4="accent4" accent5="accent5" accent6="accent6" hlink="hlink" folHlink="folHlink"/>
@@ -3283,238 +3255,11 @@
       </p:sp>
       <p:sp>
         <p:nvSpPr>
-          <p:cNvPr id="30" name="任意多边形: 形状 29"/>
-          <p:cNvSpPr/>
-          <p:nvPr>
-            <p:custDataLst>
-              <p:tags r:id="rId1"/>
-            </p:custDataLst>
-          </p:nvPr>
-        </p:nvSpPr>
-        <p:spPr>
-          <a:xfrm>
-            <a:off x="2669540" y="2166620"/>
-            <a:ext cx="5033645" cy="606425"/>
-          </a:xfrm>
-          <a:custGeom>
-            <a:avLst/>
-            <a:gdLst>
-              <a:gd name="connsiteX0" fmla="*/ 392746 w 6516687"/>
-              <a:gd name="connsiteY0" fmla="*/ 0 h 785492"/>
-              <a:gd name="connsiteX1" fmla="*/ 612334 w 6516687"/>
-              <a:gd name="connsiteY1" fmla="*/ 67075 h 785492"/>
-              <a:gd name="connsiteX2" fmla="*/ 634024 w 6516687"/>
-              <a:gd name="connsiteY2" fmla="*/ 84970 h 785492"/>
-              <a:gd name="connsiteX3" fmla="*/ 6516687 w 6516687"/>
-              <a:gd name="connsiteY3" fmla="*/ 84970 h 785492"/>
-              <a:gd name="connsiteX4" fmla="*/ 6516687 w 6516687"/>
-              <a:gd name="connsiteY4" fmla="*/ 700523 h 785492"/>
-              <a:gd name="connsiteX5" fmla="*/ 634022 w 6516687"/>
-              <a:gd name="connsiteY5" fmla="*/ 700523 h 785492"/>
-              <a:gd name="connsiteX6" fmla="*/ 612334 w 6516687"/>
-              <a:gd name="connsiteY6" fmla="*/ 718417 h 785492"/>
-              <a:gd name="connsiteX7" fmla="*/ 392746 w 6516687"/>
-              <a:gd name="connsiteY7" fmla="*/ 785492 h 785492"/>
-              <a:gd name="connsiteX8" fmla="*/ 0 w 6516687"/>
-              <a:gd name="connsiteY8" fmla="*/ 392746 h 785492"/>
-              <a:gd name="connsiteX9" fmla="*/ 392746 w 6516687"/>
-              <a:gd name="connsiteY9" fmla="*/ 0 h 785492"/>
-            </a:gdLst>
-            <a:ahLst/>
-            <a:cxnLst>
-              <a:cxn ang="0">
-                <a:pos x="connsiteX0" y="connsiteY0"/>
-              </a:cxn>
-              <a:cxn ang="0">
-                <a:pos x="connsiteX1" y="connsiteY1"/>
-              </a:cxn>
-              <a:cxn ang="0">
-                <a:pos x="connsiteX2" y="connsiteY2"/>
-              </a:cxn>
-              <a:cxn ang="0">
-                <a:pos x="connsiteX3" y="connsiteY3"/>
-              </a:cxn>
-              <a:cxn ang="0">
-                <a:pos x="connsiteX4" y="connsiteY4"/>
-              </a:cxn>
-              <a:cxn ang="0">
-                <a:pos x="connsiteX5" y="connsiteY5"/>
-              </a:cxn>
-              <a:cxn ang="0">
-                <a:pos x="connsiteX6" y="connsiteY6"/>
-              </a:cxn>
-              <a:cxn ang="0">
-                <a:pos x="connsiteX7" y="connsiteY7"/>
-              </a:cxn>
-              <a:cxn ang="0">
-                <a:pos x="connsiteX8" y="connsiteY8"/>
-              </a:cxn>
-              <a:cxn ang="0">
-                <a:pos x="connsiteX9" y="connsiteY9"/>
-              </a:cxn>
-            </a:cxnLst>
-            <a:rect l="l" t="t" r="r" b="b"/>
-            <a:pathLst>
-              <a:path w="6516687" h="785492">
-                <a:moveTo>
-                  <a:pt x="392746" y="0"/>
-                </a:moveTo>
-                <a:cubicBezTo>
-                  <a:pt x="474087" y="0"/>
-                  <a:pt x="549652" y="24727"/>
-                  <a:pt x="612334" y="67075"/>
-                </a:cubicBezTo>
-                <a:lnTo>
-                  <a:pt x="634024" y="84970"/>
-                </a:lnTo>
-                <a:lnTo>
-                  <a:pt x="6516687" y="84970"/>
-                </a:lnTo>
-                <a:lnTo>
-                  <a:pt x="6516687" y="700523"/>
-                </a:lnTo>
-                <a:lnTo>
-                  <a:pt x="634022" y="700523"/>
-                </a:lnTo>
-                <a:lnTo>
-                  <a:pt x="612334" y="718417"/>
-                </a:lnTo>
-                <a:cubicBezTo>
-                  <a:pt x="549652" y="760765"/>
-                  <a:pt x="474087" y="785492"/>
-                  <a:pt x="392746" y="785492"/>
-                </a:cubicBezTo>
-                <a:cubicBezTo>
-                  <a:pt x="175838" y="785492"/>
-                  <a:pt x="0" y="609654"/>
-                  <a:pt x="0" y="392746"/>
-                </a:cubicBezTo>
-                <a:cubicBezTo>
-                  <a:pt x="0" y="175838"/>
-                  <a:pt x="175838" y="0"/>
-                  <a:pt x="392746" y="0"/>
-                </a:cubicBezTo>
-                <a:close/>
-              </a:path>
-            </a:pathLst>
-          </a:custGeom>
-          <a:noFill/>
-          <a:ln w="6350" cap="flat" cmpd="sng" algn="ctr">
-            <a:solidFill>
-              <a:schemeClr val="accent1"/>
-            </a:solidFill>
-            <a:prstDash val="solid"/>
-            <a:miter lim="800000"/>
-          </a:ln>
-          <a:effectLst/>
-        </p:spPr>
-        <p:style>
-          <a:lnRef idx="2">
-            <a:schemeClr val="accent1">
-              <a:shade val="50000"/>
-            </a:schemeClr>
-          </a:lnRef>
-          <a:fillRef idx="1">
-            <a:schemeClr val="accent1"/>
-          </a:fillRef>
-          <a:effectRef idx="0">
-            <a:schemeClr val="accent1"/>
-          </a:effectRef>
-          <a:fontRef idx="minor">
-            <a:schemeClr val="lt1"/>
-          </a:fontRef>
-        </p:style>
-        <p:txBody>
-          <a:bodyPr rot="0" spcFirstLastPara="0" vertOverflow="overflow" horzOverflow="overflow" vert="horz" wrap="square" lIns="91440" tIns="45720" rIns="91440" bIns="45720" numCol="1" spcCol="0" rtlCol="0" fromWordArt="0" anchor="ctr" anchorCtr="0" forceAA="0" compatLnSpc="1">
-            <a:noAutofit/>
-          </a:bodyPr>
-          <a:p>
-            <a:pPr algn="ctr"/>
-            <a:r>
-              <a:rPr lang="zh-CN" altLang="en-US" b="1" spc="300">
-                <a:solidFill>
-                  <a:schemeClr val="accent1"/>
-                </a:solidFill>
-                <a:latin typeface="+mj-ea"/>
-                <a:ea typeface="+mj-ea"/>
-              </a:rPr>
-              <a:t>研究背景</a:t>
-            </a:r>
-            <a:endParaRPr lang="zh-CN" altLang="en-US" b="1" spc="300">
-              <a:solidFill>
-                <a:schemeClr val="accent1"/>
-              </a:solidFill>
-              <a:latin typeface="+mj-ea"/>
-              <a:ea typeface="+mj-ea"/>
-            </a:endParaRPr>
-          </a:p>
-        </p:txBody>
-      </p:sp>
-      <p:sp>
-        <p:nvSpPr>
-          <p:cNvPr id="26" name="椭圆 25"/>
-          <p:cNvSpPr/>
-          <p:nvPr>
-            <p:custDataLst>
-              <p:tags r:id="rId2"/>
-            </p:custDataLst>
-          </p:nvPr>
-        </p:nvSpPr>
-        <p:spPr>
-          <a:xfrm>
-            <a:off x="2697480" y="2193925"/>
-            <a:ext cx="551180" cy="551180"/>
-          </a:xfrm>
-          <a:prstGeom prst="ellipse">
-            <a:avLst/>
-          </a:prstGeom>
-          <a:solidFill>
-            <a:schemeClr val="accent1"/>
-          </a:solidFill>
-          <a:ln w="12700" cap="flat" cmpd="sng" algn="ctr">
-            <a:solidFill>
-              <a:schemeClr val="accent1"/>
-            </a:solidFill>
-            <a:prstDash val="solid"/>
-            <a:miter lim="800000"/>
-          </a:ln>
-          <a:effectLst/>
-        </p:spPr>
-        <p:style>
-          <a:lnRef idx="2">
-            <a:schemeClr val="accent1">
-              <a:shade val="50000"/>
-            </a:schemeClr>
-          </a:lnRef>
-          <a:fillRef idx="1">
-            <a:schemeClr val="accent1"/>
-          </a:fillRef>
-          <a:effectRef idx="0">
-            <a:schemeClr val="accent1"/>
-          </a:effectRef>
-          <a:fontRef idx="minor">
-            <a:schemeClr val="lt1"/>
-          </a:fontRef>
-        </p:style>
-        <p:txBody>
-          <a:bodyPr rtlCol="0" anchor="ctr"/>
-          <a:p>
-            <a:pPr algn="ctr"/>
-            <a:endParaRPr lang="zh-CN" altLang="en-US">
-              <a:solidFill>
-                <a:schemeClr val="bg1"/>
-              </a:solidFill>
-            </a:endParaRPr>
-          </a:p>
-        </p:txBody>
-      </p:sp>
-      <p:sp>
-        <p:nvSpPr>
           <p:cNvPr id="18" name="矩形 17"/>
           <p:cNvSpPr/>
           <p:nvPr>
             <p:custDataLst>
-              <p:tags r:id="rId3"/>
+              <p:tags r:id="rId1"/>
             </p:custDataLst>
           </p:nvPr>
         </p:nvSpPr>
@@ -3552,6 +3297,7 @@
         </p:style>
         <p:txBody>
           <a:bodyPr lIns="0" tIns="0" rIns="0" bIns="0" rtlCol="0" anchor="ctr"/>
+          <a:lstStyle/>
           <a:p>
             <a:pPr algn="ctr"/>
             <a:r>
@@ -3572,234 +3318,11 @@
       </p:sp>
       <p:sp>
         <p:nvSpPr>
-          <p:cNvPr id="33" name="任意多边形: 形状 32"/>
-          <p:cNvSpPr/>
-          <p:nvPr>
-            <p:custDataLst>
-              <p:tags r:id="rId4"/>
-            </p:custDataLst>
-          </p:nvPr>
-        </p:nvSpPr>
-        <p:spPr>
-          <a:xfrm flipH="1">
-            <a:off x="4194175" y="2922905"/>
-            <a:ext cx="5033645" cy="606425"/>
-          </a:xfrm>
-          <a:custGeom>
-            <a:avLst/>
-            <a:gdLst>
-              <a:gd name="connsiteX0" fmla="*/ 392746 w 6516687"/>
-              <a:gd name="connsiteY0" fmla="*/ 0 h 785492"/>
-              <a:gd name="connsiteX1" fmla="*/ 612334 w 6516687"/>
-              <a:gd name="connsiteY1" fmla="*/ 67075 h 785492"/>
-              <a:gd name="connsiteX2" fmla="*/ 634024 w 6516687"/>
-              <a:gd name="connsiteY2" fmla="*/ 84970 h 785492"/>
-              <a:gd name="connsiteX3" fmla="*/ 6516687 w 6516687"/>
-              <a:gd name="connsiteY3" fmla="*/ 84970 h 785492"/>
-              <a:gd name="connsiteX4" fmla="*/ 6516687 w 6516687"/>
-              <a:gd name="connsiteY4" fmla="*/ 700523 h 785492"/>
-              <a:gd name="connsiteX5" fmla="*/ 634022 w 6516687"/>
-              <a:gd name="connsiteY5" fmla="*/ 700523 h 785492"/>
-              <a:gd name="connsiteX6" fmla="*/ 612334 w 6516687"/>
-              <a:gd name="connsiteY6" fmla="*/ 718417 h 785492"/>
-              <a:gd name="connsiteX7" fmla="*/ 392746 w 6516687"/>
-              <a:gd name="connsiteY7" fmla="*/ 785492 h 785492"/>
-              <a:gd name="connsiteX8" fmla="*/ 0 w 6516687"/>
-              <a:gd name="connsiteY8" fmla="*/ 392746 h 785492"/>
-              <a:gd name="connsiteX9" fmla="*/ 392746 w 6516687"/>
-              <a:gd name="connsiteY9" fmla="*/ 0 h 785492"/>
-            </a:gdLst>
-            <a:ahLst/>
-            <a:cxnLst>
-              <a:cxn ang="0">
-                <a:pos x="connsiteX0" y="connsiteY0"/>
-              </a:cxn>
-              <a:cxn ang="0">
-                <a:pos x="connsiteX1" y="connsiteY1"/>
-              </a:cxn>
-              <a:cxn ang="0">
-                <a:pos x="connsiteX2" y="connsiteY2"/>
-              </a:cxn>
-              <a:cxn ang="0">
-                <a:pos x="connsiteX3" y="connsiteY3"/>
-              </a:cxn>
-              <a:cxn ang="0">
-                <a:pos x="connsiteX4" y="connsiteY4"/>
-              </a:cxn>
-              <a:cxn ang="0">
-                <a:pos x="connsiteX5" y="connsiteY5"/>
-              </a:cxn>
-              <a:cxn ang="0">
-                <a:pos x="connsiteX6" y="connsiteY6"/>
-              </a:cxn>
-              <a:cxn ang="0">
-                <a:pos x="connsiteX7" y="connsiteY7"/>
-              </a:cxn>
-              <a:cxn ang="0">
-                <a:pos x="connsiteX8" y="connsiteY8"/>
-              </a:cxn>
-              <a:cxn ang="0">
-                <a:pos x="connsiteX9" y="connsiteY9"/>
-              </a:cxn>
-            </a:cxnLst>
-            <a:rect l="l" t="t" r="r" b="b"/>
-            <a:pathLst>
-              <a:path w="6516687" h="785492">
-                <a:moveTo>
-                  <a:pt x="392746" y="0"/>
-                </a:moveTo>
-                <a:cubicBezTo>
-                  <a:pt x="474087" y="0"/>
-                  <a:pt x="549652" y="24727"/>
-                  <a:pt x="612334" y="67075"/>
-                </a:cubicBezTo>
-                <a:lnTo>
-                  <a:pt x="634024" y="84970"/>
-                </a:lnTo>
-                <a:lnTo>
-                  <a:pt x="6516687" y="84970"/>
-                </a:lnTo>
-                <a:lnTo>
-                  <a:pt x="6516687" y="700523"/>
-                </a:lnTo>
-                <a:lnTo>
-                  <a:pt x="634022" y="700523"/>
-                </a:lnTo>
-                <a:lnTo>
-                  <a:pt x="612334" y="718417"/>
-                </a:lnTo>
-                <a:cubicBezTo>
-                  <a:pt x="549652" y="760765"/>
-                  <a:pt x="474087" y="785492"/>
-                  <a:pt x="392746" y="785492"/>
-                </a:cubicBezTo>
-                <a:cubicBezTo>
-                  <a:pt x="175838" y="785492"/>
-                  <a:pt x="0" y="609654"/>
-                  <a:pt x="0" y="392746"/>
-                </a:cubicBezTo>
-                <a:cubicBezTo>
-                  <a:pt x="0" y="175838"/>
-                  <a:pt x="175838" y="0"/>
-                  <a:pt x="392746" y="0"/>
-                </a:cubicBezTo>
-                <a:close/>
-              </a:path>
-            </a:pathLst>
-          </a:custGeom>
-          <a:noFill/>
-          <a:ln w="6350" cap="flat" cmpd="sng" algn="ctr">
-            <a:solidFill>
-              <a:schemeClr val="accent1"/>
-            </a:solidFill>
-            <a:prstDash val="solid"/>
-            <a:miter lim="800000"/>
-          </a:ln>
-          <a:effectLst/>
-        </p:spPr>
-        <p:style>
-          <a:lnRef idx="2">
-            <a:schemeClr val="accent1">
-              <a:shade val="50000"/>
-            </a:schemeClr>
-          </a:lnRef>
-          <a:fillRef idx="1">
-            <a:schemeClr val="accent1"/>
-          </a:fillRef>
-          <a:effectRef idx="0">
-            <a:schemeClr val="accent1"/>
-          </a:effectRef>
-          <a:fontRef idx="minor">
-            <a:schemeClr val="lt1"/>
-          </a:fontRef>
-        </p:style>
-        <p:txBody>
-          <a:bodyPr rot="0" spcFirstLastPara="0" vertOverflow="overflow" horzOverflow="overflow" vert="horz" wrap="square" lIns="91440" tIns="45720" rIns="91440" bIns="45720" numCol="1" spcCol="0" rtlCol="0" fromWordArt="0" anchor="ctr" anchorCtr="0" forceAA="0" compatLnSpc="1">
-            <a:noAutofit/>
-          </a:bodyPr>
-          <a:p>
-            <a:pPr algn="ctr"/>
-            <a:r>
-              <a:rPr lang="zh-CN" altLang="en-US" b="1" spc="300">
-                <a:solidFill>
-                  <a:schemeClr val="accent1"/>
-                </a:solidFill>
-                <a:latin typeface="+mj-ea"/>
-                <a:ea typeface="+mj-ea"/>
-              </a:rPr>
-              <a:t>研究意义</a:t>
-            </a:r>
-            <a:endParaRPr lang="zh-CN" altLang="en-US" b="1" spc="300">
-              <a:solidFill>
-                <a:schemeClr val="accent1"/>
-              </a:solidFill>
-              <a:latin typeface="+mj-ea"/>
-              <a:ea typeface="+mj-ea"/>
-            </a:endParaRPr>
-          </a:p>
-        </p:txBody>
-      </p:sp>
-      <p:sp>
-        <p:nvSpPr>
-          <p:cNvPr id="34" name="椭圆 33"/>
-          <p:cNvSpPr/>
-          <p:nvPr>
-            <p:custDataLst>
-              <p:tags r:id="rId5"/>
-            </p:custDataLst>
-          </p:nvPr>
-        </p:nvSpPr>
-        <p:spPr>
-          <a:xfrm flipH="1">
-            <a:off x="8648700" y="2950845"/>
-            <a:ext cx="551180" cy="551180"/>
-          </a:xfrm>
-          <a:prstGeom prst="ellipse">
-            <a:avLst/>
-          </a:prstGeom>
-          <a:solidFill>
-            <a:schemeClr val="accent1"/>
-          </a:solidFill>
-          <a:ln w="12700" cap="flat" cmpd="sng" algn="ctr">
-            <a:solidFill>
-              <a:schemeClr val="accent1"/>
-            </a:solidFill>
-            <a:prstDash val="solid"/>
-            <a:miter lim="800000"/>
-          </a:ln>
-          <a:effectLst/>
-        </p:spPr>
-        <p:style>
-          <a:lnRef idx="2">
-            <a:schemeClr val="accent1">
-              <a:shade val="50000"/>
-            </a:schemeClr>
-          </a:lnRef>
-          <a:fillRef idx="1">
-            <a:schemeClr val="accent1"/>
-          </a:fillRef>
-          <a:effectRef idx="0">
-            <a:schemeClr val="accent1"/>
-          </a:effectRef>
-          <a:fontRef idx="minor">
-            <a:schemeClr val="lt1"/>
-          </a:fontRef>
-        </p:style>
-        <p:txBody>
-          <a:bodyPr rtlCol="0" anchor="ctr"/>
-          <a:p>
-            <a:pPr algn="ctr"/>
-            <a:endParaRPr lang="zh-CN" altLang="en-US"/>
-          </a:p>
-        </p:txBody>
-      </p:sp>
-      <p:sp>
-        <p:nvSpPr>
           <p:cNvPr id="35" name="矩形 34"/>
           <p:cNvSpPr/>
           <p:nvPr>
             <p:custDataLst>
-              <p:tags r:id="rId6"/>
+              <p:tags r:id="rId2"/>
             </p:custDataLst>
           </p:nvPr>
         </p:nvSpPr>
@@ -3837,17 +3360,18 @@
         </p:style>
         <p:txBody>
           <a:bodyPr lIns="0" tIns="0" rIns="0" bIns="0" rtlCol="0" anchor="ctr"/>
+          <a:lstStyle/>
           <a:p>
             <a:pPr algn="ctr"/>
             <a:r>
-              <a:rPr lang="en-US" altLang="zh-CN" sz="2000" b="1">
+              <a:rPr lang="en-US" altLang="zh-CN" sz="2000" b="1" dirty="0">
                 <a:solidFill>
                   <a:schemeClr val="bg1"/>
                 </a:solidFill>
               </a:rPr>
               <a:t>02</a:t>
             </a:r>
-            <a:endParaRPr lang="zh-CN" altLang="en-US" sz="2000" b="1">
+            <a:endParaRPr lang="zh-CN" altLang="en-US" sz="2000" b="1" dirty="0">
               <a:solidFill>
                 <a:schemeClr val="bg1"/>
               </a:solidFill>
@@ -3857,238 +3381,11 @@
       </p:sp>
       <p:sp>
         <p:nvSpPr>
-          <p:cNvPr id="37" name="任意多边形: 形状 36"/>
-          <p:cNvSpPr/>
-          <p:nvPr>
-            <p:custDataLst>
-              <p:tags r:id="rId7"/>
-            </p:custDataLst>
-          </p:nvPr>
-        </p:nvSpPr>
-        <p:spPr>
-          <a:xfrm>
-            <a:off x="2669540" y="3679825"/>
-            <a:ext cx="5033645" cy="606425"/>
-          </a:xfrm>
-          <a:custGeom>
-            <a:avLst/>
-            <a:gdLst>
-              <a:gd name="connsiteX0" fmla="*/ 392746 w 6516687"/>
-              <a:gd name="connsiteY0" fmla="*/ 0 h 785492"/>
-              <a:gd name="connsiteX1" fmla="*/ 612334 w 6516687"/>
-              <a:gd name="connsiteY1" fmla="*/ 67075 h 785492"/>
-              <a:gd name="connsiteX2" fmla="*/ 634024 w 6516687"/>
-              <a:gd name="connsiteY2" fmla="*/ 84970 h 785492"/>
-              <a:gd name="connsiteX3" fmla="*/ 6516687 w 6516687"/>
-              <a:gd name="connsiteY3" fmla="*/ 84970 h 785492"/>
-              <a:gd name="connsiteX4" fmla="*/ 6516687 w 6516687"/>
-              <a:gd name="connsiteY4" fmla="*/ 700523 h 785492"/>
-              <a:gd name="connsiteX5" fmla="*/ 634022 w 6516687"/>
-              <a:gd name="connsiteY5" fmla="*/ 700523 h 785492"/>
-              <a:gd name="connsiteX6" fmla="*/ 612334 w 6516687"/>
-              <a:gd name="connsiteY6" fmla="*/ 718417 h 785492"/>
-              <a:gd name="connsiteX7" fmla="*/ 392746 w 6516687"/>
-              <a:gd name="connsiteY7" fmla="*/ 785492 h 785492"/>
-              <a:gd name="connsiteX8" fmla="*/ 0 w 6516687"/>
-              <a:gd name="connsiteY8" fmla="*/ 392746 h 785492"/>
-              <a:gd name="connsiteX9" fmla="*/ 392746 w 6516687"/>
-              <a:gd name="connsiteY9" fmla="*/ 0 h 785492"/>
-            </a:gdLst>
-            <a:ahLst/>
-            <a:cxnLst>
-              <a:cxn ang="0">
-                <a:pos x="connsiteX0" y="connsiteY0"/>
-              </a:cxn>
-              <a:cxn ang="0">
-                <a:pos x="connsiteX1" y="connsiteY1"/>
-              </a:cxn>
-              <a:cxn ang="0">
-                <a:pos x="connsiteX2" y="connsiteY2"/>
-              </a:cxn>
-              <a:cxn ang="0">
-                <a:pos x="connsiteX3" y="connsiteY3"/>
-              </a:cxn>
-              <a:cxn ang="0">
-                <a:pos x="connsiteX4" y="connsiteY4"/>
-              </a:cxn>
-              <a:cxn ang="0">
-                <a:pos x="connsiteX5" y="connsiteY5"/>
-              </a:cxn>
-              <a:cxn ang="0">
-                <a:pos x="connsiteX6" y="connsiteY6"/>
-              </a:cxn>
-              <a:cxn ang="0">
-                <a:pos x="connsiteX7" y="connsiteY7"/>
-              </a:cxn>
-              <a:cxn ang="0">
-                <a:pos x="connsiteX8" y="connsiteY8"/>
-              </a:cxn>
-              <a:cxn ang="0">
-                <a:pos x="connsiteX9" y="connsiteY9"/>
-              </a:cxn>
-            </a:cxnLst>
-            <a:rect l="l" t="t" r="r" b="b"/>
-            <a:pathLst>
-              <a:path w="6516687" h="785492">
-                <a:moveTo>
-                  <a:pt x="392746" y="0"/>
-                </a:moveTo>
-                <a:cubicBezTo>
-                  <a:pt x="474087" y="0"/>
-                  <a:pt x="549652" y="24727"/>
-                  <a:pt x="612334" y="67075"/>
-                </a:cubicBezTo>
-                <a:lnTo>
-                  <a:pt x="634024" y="84970"/>
-                </a:lnTo>
-                <a:lnTo>
-                  <a:pt x="6516687" y="84970"/>
-                </a:lnTo>
-                <a:lnTo>
-                  <a:pt x="6516687" y="700523"/>
-                </a:lnTo>
-                <a:lnTo>
-                  <a:pt x="634022" y="700523"/>
-                </a:lnTo>
-                <a:lnTo>
-                  <a:pt x="612334" y="718417"/>
-                </a:lnTo>
-                <a:cubicBezTo>
-                  <a:pt x="549652" y="760765"/>
-                  <a:pt x="474087" y="785492"/>
-                  <a:pt x="392746" y="785492"/>
-                </a:cubicBezTo>
-                <a:cubicBezTo>
-                  <a:pt x="175838" y="785492"/>
-                  <a:pt x="0" y="609654"/>
-                  <a:pt x="0" y="392746"/>
-                </a:cubicBezTo>
-                <a:cubicBezTo>
-                  <a:pt x="0" y="175838"/>
-                  <a:pt x="175838" y="0"/>
-                  <a:pt x="392746" y="0"/>
-                </a:cubicBezTo>
-                <a:close/>
-              </a:path>
-            </a:pathLst>
-          </a:custGeom>
-          <a:noFill/>
-          <a:ln w="6350" cap="flat" cmpd="sng" algn="ctr">
-            <a:solidFill>
-              <a:schemeClr val="accent1"/>
-            </a:solidFill>
-            <a:prstDash val="solid"/>
-            <a:miter lim="800000"/>
-          </a:ln>
-          <a:effectLst/>
-        </p:spPr>
-        <p:style>
-          <a:lnRef idx="2">
-            <a:schemeClr val="accent1">
-              <a:shade val="50000"/>
-            </a:schemeClr>
-          </a:lnRef>
-          <a:fillRef idx="1">
-            <a:schemeClr val="accent1"/>
-          </a:fillRef>
-          <a:effectRef idx="0">
-            <a:schemeClr val="accent1"/>
-          </a:effectRef>
-          <a:fontRef idx="minor">
-            <a:schemeClr val="lt1"/>
-          </a:fontRef>
-        </p:style>
-        <p:txBody>
-          <a:bodyPr rot="0" spcFirstLastPara="0" vertOverflow="overflow" horzOverflow="overflow" vert="horz" wrap="square" lIns="91440" tIns="45720" rIns="91440" bIns="45720" numCol="1" spcCol="0" rtlCol="0" fromWordArt="0" anchor="ctr" anchorCtr="0" forceAA="0" compatLnSpc="1">
-            <a:noAutofit/>
-          </a:bodyPr>
-          <a:p>
-            <a:pPr algn="ctr"/>
-            <a:r>
-              <a:rPr lang="zh-CN" altLang="en-US" b="1" spc="300">
-                <a:solidFill>
-                  <a:schemeClr val="accent1"/>
-                </a:solidFill>
-                <a:latin typeface="+mj-ea"/>
-                <a:ea typeface="+mj-ea"/>
-              </a:rPr>
-              <a:t>技术路线</a:t>
-            </a:r>
-            <a:endParaRPr lang="zh-CN" altLang="en-US" b="1" spc="300">
-              <a:solidFill>
-                <a:schemeClr val="accent1"/>
-              </a:solidFill>
-              <a:latin typeface="+mj-ea"/>
-              <a:ea typeface="+mj-ea"/>
-            </a:endParaRPr>
-          </a:p>
-        </p:txBody>
-      </p:sp>
-      <p:sp>
-        <p:nvSpPr>
-          <p:cNvPr id="38" name="椭圆 37"/>
-          <p:cNvSpPr/>
-          <p:nvPr>
-            <p:custDataLst>
-              <p:tags r:id="rId8"/>
-            </p:custDataLst>
-          </p:nvPr>
-        </p:nvSpPr>
-        <p:spPr>
-          <a:xfrm>
-            <a:off x="2697480" y="3707765"/>
-            <a:ext cx="551180" cy="551180"/>
-          </a:xfrm>
-          <a:prstGeom prst="ellipse">
-            <a:avLst/>
-          </a:prstGeom>
-          <a:solidFill>
-            <a:schemeClr val="accent1"/>
-          </a:solidFill>
-          <a:ln w="12700" cap="flat" cmpd="sng" algn="ctr">
-            <a:solidFill>
-              <a:schemeClr val="accent1"/>
-            </a:solidFill>
-            <a:prstDash val="solid"/>
-            <a:miter lim="800000"/>
-          </a:ln>
-          <a:effectLst/>
-        </p:spPr>
-        <p:style>
-          <a:lnRef idx="2">
-            <a:schemeClr val="accent1">
-              <a:shade val="50000"/>
-            </a:schemeClr>
-          </a:lnRef>
-          <a:fillRef idx="1">
-            <a:schemeClr val="accent1"/>
-          </a:fillRef>
-          <a:effectRef idx="0">
-            <a:schemeClr val="accent1"/>
-          </a:effectRef>
-          <a:fontRef idx="minor">
-            <a:schemeClr val="lt1"/>
-          </a:fontRef>
-        </p:style>
-        <p:txBody>
-          <a:bodyPr rtlCol="0" anchor="ctr"/>
-          <a:p>
-            <a:pPr algn="ctr"/>
-            <a:endParaRPr lang="zh-CN" altLang="en-US">
-              <a:solidFill>
-                <a:schemeClr val="bg1"/>
-              </a:solidFill>
-            </a:endParaRPr>
-          </a:p>
-        </p:txBody>
-      </p:sp>
-      <p:sp>
-        <p:nvSpPr>
           <p:cNvPr id="39" name="矩形 38"/>
           <p:cNvSpPr/>
           <p:nvPr>
             <p:custDataLst>
-              <p:tags r:id="rId9"/>
+              <p:tags r:id="rId3"/>
             </p:custDataLst>
           </p:nvPr>
         </p:nvSpPr>
@@ -4126,6 +3423,7 @@
         </p:style>
         <p:txBody>
           <a:bodyPr lIns="0" tIns="0" rIns="0" bIns="0" rtlCol="0" anchor="ctr"/>
+          <a:lstStyle/>
           <a:p>
             <a:pPr algn="ctr"/>
             <a:r>
@@ -4146,234 +3444,11 @@
       </p:sp>
       <p:sp>
         <p:nvSpPr>
-          <p:cNvPr id="41" name="任意多边形: 形状 40"/>
-          <p:cNvSpPr/>
-          <p:nvPr>
-            <p:custDataLst>
-              <p:tags r:id="rId10"/>
-            </p:custDataLst>
-          </p:nvPr>
-        </p:nvSpPr>
-        <p:spPr>
-          <a:xfrm flipH="1">
-            <a:off x="4194175" y="4436745"/>
-            <a:ext cx="5033645" cy="606425"/>
-          </a:xfrm>
-          <a:custGeom>
-            <a:avLst/>
-            <a:gdLst>
-              <a:gd name="connsiteX0" fmla="*/ 392746 w 6516687"/>
-              <a:gd name="connsiteY0" fmla="*/ 0 h 785492"/>
-              <a:gd name="connsiteX1" fmla="*/ 612334 w 6516687"/>
-              <a:gd name="connsiteY1" fmla="*/ 67075 h 785492"/>
-              <a:gd name="connsiteX2" fmla="*/ 634024 w 6516687"/>
-              <a:gd name="connsiteY2" fmla="*/ 84970 h 785492"/>
-              <a:gd name="connsiteX3" fmla="*/ 6516687 w 6516687"/>
-              <a:gd name="connsiteY3" fmla="*/ 84970 h 785492"/>
-              <a:gd name="connsiteX4" fmla="*/ 6516687 w 6516687"/>
-              <a:gd name="connsiteY4" fmla="*/ 700523 h 785492"/>
-              <a:gd name="connsiteX5" fmla="*/ 634022 w 6516687"/>
-              <a:gd name="connsiteY5" fmla="*/ 700523 h 785492"/>
-              <a:gd name="connsiteX6" fmla="*/ 612334 w 6516687"/>
-              <a:gd name="connsiteY6" fmla="*/ 718417 h 785492"/>
-              <a:gd name="connsiteX7" fmla="*/ 392746 w 6516687"/>
-              <a:gd name="connsiteY7" fmla="*/ 785492 h 785492"/>
-              <a:gd name="connsiteX8" fmla="*/ 0 w 6516687"/>
-              <a:gd name="connsiteY8" fmla="*/ 392746 h 785492"/>
-              <a:gd name="connsiteX9" fmla="*/ 392746 w 6516687"/>
-              <a:gd name="connsiteY9" fmla="*/ 0 h 785492"/>
-            </a:gdLst>
-            <a:ahLst/>
-            <a:cxnLst>
-              <a:cxn ang="0">
-                <a:pos x="connsiteX0" y="connsiteY0"/>
-              </a:cxn>
-              <a:cxn ang="0">
-                <a:pos x="connsiteX1" y="connsiteY1"/>
-              </a:cxn>
-              <a:cxn ang="0">
-                <a:pos x="connsiteX2" y="connsiteY2"/>
-              </a:cxn>
-              <a:cxn ang="0">
-                <a:pos x="connsiteX3" y="connsiteY3"/>
-              </a:cxn>
-              <a:cxn ang="0">
-                <a:pos x="connsiteX4" y="connsiteY4"/>
-              </a:cxn>
-              <a:cxn ang="0">
-                <a:pos x="connsiteX5" y="connsiteY5"/>
-              </a:cxn>
-              <a:cxn ang="0">
-                <a:pos x="connsiteX6" y="connsiteY6"/>
-              </a:cxn>
-              <a:cxn ang="0">
-                <a:pos x="connsiteX7" y="connsiteY7"/>
-              </a:cxn>
-              <a:cxn ang="0">
-                <a:pos x="connsiteX8" y="connsiteY8"/>
-              </a:cxn>
-              <a:cxn ang="0">
-                <a:pos x="connsiteX9" y="connsiteY9"/>
-              </a:cxn>
-            </a:cxnLst>
-            <a:rect l="l" t="t" r="r" b="b"/>
-            <a:pathLst>
-              <a:path w="6516687" h="785492">
-                <a:moveTo>
-                  <a:pt x="392746" y="0"/>
-                </a:moveTo>
-                <a:cubicBezTo>
-                  <a:pt x="474087" y="0"/>
-                  <a:pt x="549652" y="24727"/>
-                  <a:pt x="612334" y="67075"/>
-                </a:cubicBezTo>
-                <a:lnTo>
-                  <a:pt x="634024" y="84970"/>
-                </a:lnTo>
-                <a:lnTo>
-                  <a:pt x="6516687" y="84970"/>
-                </a:lnTo>
-                <a:lnTo>
-                  <a:pt x="6516687" y="700523"/>
-                </a:lnTo>
-                <a:lnTo>
-                  <a:pt x="634022" y="700523"/>
-                </a:lnTo>
-                <a:lnTo>
-                  <a:pt x="612334" y="718417"/>
-                </a:lnTo>
-                <a:cubicBezTo>
-                  <a:pt x="549652" y="760765"/>
-                  <a:pt x="474087" y="785492"/>
-                  <a:pt x="392746" y="785492"/>
-                </a:cubicBezTo>
-                <a:cubicBezTo>
-                  <a:pt x="175838" y="785492"/>
-                  <a:pt x="0" y="609654"/>
-                  <a:pt x="0" y="392746"/>
-                </a:cubicBezTo>
-                <a:cubicBezTo>
-                  <a:pt x="0" y="175838"/>
-                  <a:pt x="175838" y="0"/>
-                  <a:pt x="392746" y="0"/>
-                </a:cubicBezTo>
-                <a:close/>
-              </a:path>
-            </a:pathLst>
-          </a:custGeom>
-          <a:noFill/>
-          <a:ln w="6350" cap="flat" cmpd="sng" algn="ctr">
-            <a:solidFill>
-              <a:schemeClr val="accent1"/>
-            </a:solidFill>
-            <a:prstDash val="solid"/>
-            <a:miter lim="800000"/>
-          </a:ln>
-          <a:effectLst/>
-        </p:spPr>
-        <p:style>
-          <a:lnRef idx="2">
-            <a:schemeClr val="accent1">
-              <a:shade val="50000"/>
-            </a:schemeClr>
-          </a:lnRef>
-          <a:fillRef idx="1">
-            <a:schemeClr val="accent1"/>
-          </a:fillRef>
-          <a:effectRef idx="0">
-            <a:schemeClr val="accent1"/>
-          </a:effectRef>
-          <a:fontRef idx="minor">
-            <a:schemeClr val="lt1"/>
-          </a:fontRef>
-        </p:style>
-        <p:txBody>
-          <a:bodyPr rot="0" spcFirstLastPara="0" vertOverflow="overflow" horzOverflow="overflow" vert="horz" wrap="square" lIns="91440" tIns="45720" rIns="91440" bIns="45720" numCol="1" spcCol="0" rtlCol="0" fromWordArt="0" anchor="ctr" anchorCtr="0" forceAA="0" compatLnSpc="1">
-            <a:noAutofit/>
-          </a:bodyPr>
-          <a:p>
-            <a:pPr algn="ctr"/>
-            <a:r>
-              <a:rPr lang="zh-CN" altLang="en-US" b="1" spc="300">
-                <a:solidFill>
-                  <a:schemeClr val="accent1"/>
-                </a:solidFill>
-                <a:latin typeface="+mj-ea"/>
-                <a:ea typeface="+mj-ea"/>
-              </a:rPr>
-              <a:t>计划安排</a:t>
-            </a:r>
-            <a:endParaRPr lang="zh-CN" altLang="en-US" b="1" spc="300">
-              <a:solidFill>
-                <a:schemeClr val="accent1"/>
-              </a:solidFill>
-              <a:latin typeface="+mj-ea"/>
-              <a:ea typeface="+mj-ea"/>
-            </a:endParaRPr>
-          </a:p>
-        </p:txBody>
-      </p:sp>
-      <p:sp>
-        <p:nvSpPr>
-          <p:cNvPr id="42" name="椭圆 41"/>
-          <p:cNvSpPr/>
-          <p:nvPr>
-            <p:custDataLst>
-              <p:tags r:id="rId11"/>
-            </p:custDataLst>
-          </p:nvPr>
-        </p:nvSpPr>
-        <p:spPr>
-          <a:xfrm flipH="1">
-            <a:off x="8648700" y="4464685"/>
-            <a:ext cx="551180" cy="551180"/>
-          </a:xfrm>
-          <a:prstGeom prst="ellipse">
-            <a:avLst/>
-          </a:prstGeom>
-          <a:solidFill>
-            <a:schemeClr val="accent1"/>
-          </a:solidFill>
-          <a:ln w="12700" cap="flat" cmpd="sng" algn="ctr">
-            <a:solidFill>
-              <a:schemeClr val="accent1"/>
-            </a:solidFill>
-            <a:prstDash val="solid"/>
-            <a:miter lim="800000"/>
-          </a:ln>
-          <a:effectLst/>
-        </p:spPr>
-        <p:style>
-          <a:lnRef idx="2">
-            <a:schemeClr val="accent1">
-              <a:shade val="50000"/>
-            </a:schemeClr>
-          </a:lnRef>
-          <a:fillRef idx="1">
-            <a:schemeClr val="accent1"/>
-          </a:fillRef>
-          <a:effectRef idx="0">
-            <a:schemeClr val="accent1"/>
-          </a:effectRef>
-          <a:fontRef idx="minor">
-            <a:schemeClr val="lt1"/>
-          </a:fontRef>
-        </p:style>
-        <p:txBody>
-          <a:bodyPr rtlCol="0" anchor="ctr"/>
-          <a:p>
-            <a:pPr algn="ctr"/>
-            <a:endParaRPr lang="zh-CN" altLang="en-US"/>
-          </a:p>
-        </p:txBody>
-      </p:sp>
-      <p:sp>
-        <p:nvSpPr>
           <p:cNvPr id="43" name="矩形 42"/>
           <p:cNvSpPr/>
           <p:nvPr>
             <p:custDataLst>
-              <p:tags r:id="rId12"/>
+              <p:tags r:id="rId4"/>
             </p:custDataLst>
           </p:nvPr>
         </p:nvSpPr>
@@ -4411,17 +3486,18 @@
         </p:style>
         <p:txBody>
           <a:bodyPr lIns="0" tIns="0" rIns="0" bIns="0" rtlCol="0" anchor="ctr"/>
+          <a:lstStyle/>
           <a:p>
             <a:pPr algn="ctr"/>
             <a:r>
-              <a:rPr lang="en-US" altLang="zh-CN" sz="2000" b="1">
+              <a:rPr lang="en-US" altLang="zh-CN" sz="2000" b="1" dirty="0">
                 <a:solidFill>
                   <a:schemeClr val="bg1"/>
                 </a:solidFill>
               </a:rPr>
               <a:t>04</a:t>
             </a:r>
-            <a:endParaRPr lang="zh-CN" altLang="en-US" sz="2000" b="1">
+            <a:endParaRPr lang="zh-CN" altLang="en-US" sz="2000" b="1" dirty="0">
               <a:solidFill>
                 <a:schemeClr val="bg1"/>
               </a:solidFill>
@@ -4434,13 +3510,13 @@
   <p:clrMapOvr>
     <a:masterClrMapping/>
   </p:clrMapOvr>
-  <mc:AlternateContent xmlns:mc="http://schemas.openxmlformats.org/markup-compatibility/2006">
-    <mc:Choice xmlns:p14="http://schemas.microsoft.com/office/powerpoint/2010/main" Requires="p14">
+  <mc:AlternateContent xmlns:mc="http://schemas.openxmlformats.org/markup-compatibility/2006" xmlns:p14="http://schemas.microsoft.com/office/powerpoint/2010/main">
+    <mc:Choice Requires="p14">
       <p:transition spd="med" p14:dur="700">
         <p:fade/>
       </p:transition>
     </mc:Choice>
-    <mc:Fallback>
+    <mc:Fallback xmlns="">
       <p:transition spd="med">
         <p:fade/>
       </p:transition>
@@ -4450,7 +3526,14 @@
 </file>
 
 <file path=ppt/tags/tag1.xml><?xml version="1.0" encoding="utf-8"?>
-<p:tagLst xmlns:p="http://schemas.openxmlformats.org/presentationml/2006/main">
+<p:tagLst xmlns:a="http://schemas.openxmlformats.org/drawingml/2006/main" xmlns:r="http://schemas.openxmlformats.org/officeDocument/2006/relationships" xmlns:p="http://schemas.openxmlformats.org/presentationml/2006/main">
+  <p:tag name="COMMONDATA" val="eyJoZGlkIjoiYjMzNDVlOTc5MDI2NjU2YTAzZGY5NTQ4OWY0NTNmYjQifQ=="/>
+  <p:tag name="KSO_WPP_MARK_KEY" val="7bcbf374-e385-4899-a45a-8b994815240c"/>
+</p:tagLst>
+</file>
+
+<file path=ppt/tags/tag10.xml><?xml version="1.0" encoding="utf-8"?>
+<p:tagLst xmlns:a="http://schemas.openxmlformats.org/drawingml/2006/main" xmlns:r="http://schemas.openxmlformats.org/officeDocument/2006/relationships" xmlns:p="http://schemas.openxmlformats.org/presentationml/2006/main">
   <p:tag name="KSO_WM_UNIT_HIGHLIGHT" val="0"/>
   <p:tag name="KSO_WM_UNIT_COMPATIBLE" val="0"/>
   <p:tag name="KSO_WM_UNIT_DIAGRAM_ISNUMVISUAL" val="0"/>
@@ -4462,8 +3545,34 @@
 </p:tagLst>
 </file>
 
-<file path=ppt/tags/tag10.xml><?xml version="1.0" encoding="utf-8"?>
-<p:tagLst xmlns:p="http://schemas.openxmlformats.org/presentationml/2006/main">
+<file path=ppt/tags/tag11.xml><?xml version="1.0" encoding="utf-8"?>
+<p:tagLst xmlns:a="http://schemas.openxmlformats.org/drawingml/2006/main" xmlns:r="http://schemas.openxmlformats.org/officeDocument/2006/relationships" xmlns:p="http://schemas.openxmlformats.org/presentationml/2006/main">
+  <p:tag name="KSO_WM_UNIT_HIGHLIGHT" val="0"/>
+  <p:tag name="KSO_WM_UNIT_COMPATIBLE" val="0"/>
+  <p:tag name="KSO_WM_UNIT_DIAGRAM_ISNUMVISUAL" val="0"/>
+  <p:tag name="KSO_WM_UNIT_DIAGRAM_ISREFERUNIT" val="0"/>
+  <p:tag name="KSO_WM_UNIT_ID" val="_1**"/>
+  <p:tag name="KSO_WM_UNIT_LAYERLEVEL" val="1"/>
+  <p:tag name="KSO_WM_TAG_VERSION" val="1.0"/>
+  <p:tag name="KSO_WM_BEAUTIFY_FLAG" val="#wm#"/>
+</p:tagLst>
+</file>
+
+<file path=ppt/tags/tag12.xml><?xml version="1.0" encoding="utf-8"?>
+<p:tagLst xmlns:a="http://schemas.openxmlformats.org/drawingml/2006/main" xmlns:r="http://schemas.openxmlformats.org/officeDocument/2006/relationships" xmlns:p="http://schemas.openxmlformats.org/presentationml/2006/main">
+  <p:tag name="KSO_WM_UNIT_HIGHLIGHT" val="0"/>
+  <p:tag name="KSO_WM_UNIT_COMPATIBLE" val="0"/>
+  <p:tag name="KSO_WM_UNIT_DIAGRAM_ISNUMVISUAL" val="0"/>
+  <p:tag name="KSO_WM_UNIT_DIAGRAM_ISREFERUNIT" val="0"/>
+  <p:tag name="KSO_WM_UNIT_ID" val="_1**"/>
+  <p:tag name="KSO_WM_UNIT_LAYERLEVEL" val="1"/>
+  <p:tag name="KSO_WM_TAG_VERSION" val="1.0"/>
+  <p:tag name="KSO_WM_BEAUTIFY_FLAG" val="#wm#"/>
+</p:tagLst>
+</file>
+
+<file path=ppt/tags/tag13.xml><?xml version="1.0" encoding="utf-8"?>
+<p:tagLst xmlns:a="http://schemas.openxmlformats.org/drawingml/2006/main" xmlns:r="http://schemas.openxmlformats.org/officeDocument/2006/relationships" xmlns:p="http://schemas.openxmlformats.org/presentationml/2006/main">
   <p:tag name="KSO_WM_UNIT_HIGHLIGHT" val="0"/>
   <p:tag name="KSO_WM_UNIT_COMPATIBLE" val="0"/>
   <p:tag name="KSO_WM_UNIT_DIAGRAM_ISNUMVISUAL" val="0"/>
@@ -4475,8 +3584,60 @@
 </p:tagLst>
 </file>
 
-<file path=ppt/tags/tag11.xml><?xml version="1.0" encoding="utf-8"?>
-<p:tagLst xmlns:p="http://schemas.openxmlformats.org/presentationml/2006/main">
+<file path=ppt/tags/tag14.xml><?xml version="1.0" encoding="utf-8"?>
+<p:tagLst xmlns:a="http://schemas.openxmlformats.org/drawingml/2006/main" xmlns:r="http://schemas.openxmlformats.org/officeDocument/2006/relationships" xmlns:p="http://schemas.openxmlformats.org/presentationml/2006/main">
+  <p:tag name="KSO_WM_UNIT_HIGHLIGHT" val="0"/>
+  <p:tag name="KSO_WM_UNIT_COMPATIBLE" val="0"/>
+  <p:tag name="KSO_WM_UNIT_DIAGRAM_ISNUMVISUAL" val="0"/>
+  <p:tag name="KSO_WM_UNIT_DIAGRAM_ISREFERUNIT" val="0"/>
+  <p:tag name="KSO_WM_UNIT_ID" val="_2**"/>
+  <p:tag name="KSO_WM_UNIT_LAYERLEVEL" val="1"/>
+  <p:tag name="KSO_WM_TAG_VERSION" val="1.0"/>
+  <p:tag name="KSO_WM_BEAUTIFY_FLAG" val="#wm#"/>
+</p:tagLst>
+</file>
+
+<file path=ppt/tags/tag15.xml><?xml version="1.0" encoding="utf-8"?>
+<p:tagLst xmlns:a="http://schemas.openxmlformats.org/drawingml/2006/main" xmlns:r="http://schemas.openxmlformats.org/officeDocument/2006/relationships" xmlns:p="http://schemas.openxmlformats.org/presentationml/2006/main">
+  <p:tag name="KSO_WM_UNIT_HIGHLIGHT" val="0"/>
+  <p:tag name="KSO_WM_UNIT_COMPATIBLE" val="0"/>
+  <p:tag name="KSO_WM_UNIT_DIAGRAM_ISNUMVISUAL" val="0"/>
+  <p:tag name="KSO_WM_UNIT_DIAGRAM_ISREFERUNIT" val="0"/>
+  <p:tag name="KSO_WM_UNIT_ID" val="_2**"/>
+  <p:tag name="KSO_WM_UNIT_LAYERLEVEL" val="1"/>
+  <p:tag name="KSO_WM_TAG_VERSION" val="1.0"/>
+  <p:tag name="KSO_WM_BEAUTIFY_FLAG" val="#wm#"/>
+</p:tagLst>
+</file>
+
+<file path=ppt/tags/tag16.xml><?xml version="1.0" encoding="utf-8"?>
+<p:tagLst xmlns:a="http://schemas.openxmlformats.org/drawingml/2006/main" xmlns:r="http://schemas.openxmlformats.org/officeDocument/2006/relationships" xmlns:p="http://schemas.openxmlformats.org/presentationml/2006/main">
+  <p:tag name="KSO_WM_UNIT_HIGHLIGHT" val="0"/>
+  <p:tag name="KSO_WM_UNIT_COMPATIBLE" val="0"/>
+  <p:tag name="KSO_WM_UNIT_DIAGRAM_ISNUMVISUAL" val="0"/>
+  <p:tag name="KSO_WM_UNIT_DIAGRAM_ISREFERUNIT" val="0"/>
+  <p:tag name="KSO_WM_UNIT_ID" val="_2**"/>
+  <p:tag name="KSO_WM_UNIT_LAYERLEVEL" val="1"/>
+  <p:tag name="KSO_WM_TAG_VERSION" val="1.0"/>
+  <p:tag name="KSO_WM_BEAUTIFY_FLAG" val="#wm#"/>
+</p:tagLst>
+</file>
+
+<file path=ppt/tags/tag17.xml><?xml version="1.0" encoding="utf-8"?>
+<p:tagLst xmlns:a="http://schemas.openxmlformats.org/drawingml/2006/main" xmlns:r="http://schemas.openxmlformats.org/officeDocument/2006/relationships" xmlns:p="http://schemas.openxmlformats.org/presentationml/2006/main">
+  <p:tag name="KSO_WM_UNIT_HIGHLIGHT" val="0"/>
+  <p:tag name="KSO_WM_UNIT_COMPATIBLE" val="0"/>
+  <p:tag name="KSO_WM_UNIT_DIAGRAM_ISNUMVISUAL" val="0"/>
+  <p:tag name="KSO_WM_UNIT_DIAGRAM_ISREFERUNIT" val="0"/>
+  <p:tag name="KSO_WM_UNIT_ID" val="_2**"/>
+  <p:tag name="KSO_WM_UNIT_LAYERLEVEL" val="1"/>
+  <p:tag name="KSO_WM_TAG_VERSION" val="1.0"/>
+  <p:tag name="KSO_WM_BEAUTIFY_FLAG" val="#wm#"/>
+</p:tagLst>
+</file>
+
+<file path=ppt/tags/tag18.xml><?xml version="1.0" encoding="utf-8"?>
+<p:tagLst xmlns:a="http://schemas.openxmlformats.org/drawingml/2006/main" xmlns:r="http://schemas.openxmlformats.org/officeDocument/2006/relationships" xmlns:p="http://schemas.openxmlformats.org/presentationml/2006/main">
   <p:tag name="KSO_WM_UNIT_HIGHLIGHT" val="0"/>
   <p:tag name="KSO_WM_UNIT_COMPATIBLE" val="0"/>
   <p:tag name="KSO_WM_UNIT_DIAGRAM_ISNUMVISUAL" val="0"/>
@@ -4488,8 +3649,8 @@
 </p:tagLst>
 </file>
 
-<file path=ppt/tags/tag12.xml><?xml version="1.0" encoding="utf-8"?>
-<p:tagLst xmlns:p="http://schemas.openxmlformats.org/presentationml/2006/main">
+<file path=ppt/tags/tag19.xml><?xml version="1.0" encoding="utf-8"?>
+<p:tagLst xmlns:a="http://schemas.openxmlformats.org/drawingml/2006/main" xmlns:r="http://schemas.openxmlformats.org/officeDocument/2006/relationships" xmlns:p="http://schemas.openxmlformats.org/presentationml/2006/main">
   <p:tag name="KSO_WM_UNIT_HIGHLIGHT" val="0"/>
   <p:tag name="KSO_WM_UNIT_COMPATIBLE" val="0"/>
   <p:tag name="KSO_WM_UNIT_DIAGRAM_ISNUMVISUAL" val="0"/>
@@ -4501,714 +3662,8 @@
 </p:tagLst>
 </file>
 
-<file path=ppt/tags/tag13.xml><?xml version="1.0" encoding="utf-8"?>
-<p:tagLst xmlns:p="http://schemas.openxmlformats.org/presentationml/2006/main">
-  <p:tag name="KSO_WM_UNIT_HIGHLIGHT" val="0"/>
-  <p:tag name="KSO_WM_UNIT_COMPATIBLE" val="0"/>
-  <p:tag name="KSO_WM_UNIT_DIAGRAM_ISNUMVISUAL" val="0"/>
-  <p:tag name="KSO_WM_UNIT_DIAGRAM_ISREFERUNIT" val="0"/>
-  <p:tag name="KSO_WM_UNIT_ID" val="_3**"/>
-  <p:tag name="KSO_WM_UNIT_LAYERLEVEL" val="1"/>
-  <p:tag name="KSO_WM_TAG_VERSION" val="1.0"/>
-  <p:tag name="KSO_WM_BEAUTIFY_FLAG" val="#wm#"/>
-</p:tagLst>
-</file>
-
-<file path=ppt/tags/tag14.xml><?xml version="1.0" encoding="utf-8"?>
-<p:tagLst xmlns:p="http://schemas.openxmlformats.org/presentationml/2006/main">
-  <p:tag name="KSO_WM_UNIT_HIGHLIGHT" val="0"/>
-  <p:tag name="KSO_WM_UNIT_COMPATIBLE" val="0"/>
-  <p:tag name="KSO_WM_UNIT_DIAGRAM_ISNUMVISUAL" val="0"/>
-  <p:tag name="KSO_WM_UNIT_DIAGRAM_ISREFERUNIT" val="0"/>
-  <p:tag name="KSO_WM_UNIT_ID" val="_3**"/>
-  <p:tag name="KSO_WM_UNIT_LAYERLEVEL" val="1"/>
-  <p:tag name="KSO_WM_TAG_VERSION" val="1.0"/>
-  <p:tag name="KSO_WM_BEAUTIFY_FLAG" val="#wm#"/>
-</p:tagLst>
-</file>
-
-<file path=ppt/tags/tag15.xml><?xml version="1.0" encoding="utf-8"?>
-<p:tagLst xmlns:p="http://schemas.openxmlformats.org/presentationml/2006/main">
-  <p:tag name="KSO_WM_UNIT_HIGHLIGHT" val="0"/>
-  <p:tag name="KSO_WM_UNIT_COMPATIBLE" val="0"/>
-  <p:tag name="KSO_WM_UNIT_DIAGRAM_ISNUMVISUAL" val="0"/>
-  <p:tag name="KSO_WM_UNIT_DIAGRAM_ISREFERUNIT" val="0"/>
-  <p:tag name="KSO_WM_UNIT_ID" val="_3**"/>
-  <p:tag name="KSO_WM_UNIT_LAYERLEVEL" val="1"/>
-  <p:tag name="KSO_WM_TAG_VERSION" val="1.0"/>
-  <p:tag name="KSO_WM_BEAUTIFY_FLAG" val="#wm#"/>
-</p:tagLst>
-</file>
-
-<file path=ppt/tags/tag16.xml><?xml version="1.0" encoding="utf-8"?>
-<p:tagLst xmlns:p="http://schemas.openxmlformats.org/presentationml/2006/main">
-  <p:tag name="KSO_WM_UNIT_HIGHLIGHT" val="0"/>
-  <p:tag name="KSO_WM_UNIT_COMPATIBLE" val="0"/>
-  <p:tag name="KSO_WM_UNIT_DIAGRAM_ISNUMVISUAL" val="0"/>
-  <p:tag name="KSO_WM_UNIT_DIAGRAM_ISREFERUNIT" val="0"/>
-  <p:tag name="KSO_WM_UNIT_ID" val="_4**"/>
-  <p:tag name="KSO_WM_UNIT_LAYERLEVEL" val="1"/>
-  <p:tag name="KSO_WM_TAG_VERSION" val="1.0"/>
-  <p:tag name="KSO_WM_BEAUTIFY_FLAG" val="#wm#"/>
-</p:tagLst>
-</file>
-
-<file path=ppt/tags/tag17.xml><?xml version="1.0" encoding="utf-8"?>
-<p:tagLst xmlns:p="http://schemas.openxmlformats.org/presentationml/2006/main">
-  <p:tag name="KSO_WM_UNIT_HIGHLIGHT" val="0"/>
-  <p:tag name="KSO_WM_UNIT_COMPATIBLE" val="0"/>
-  <p:tag name="KSO_WM_UNIT_DIAGRAM_ISNUMVISUAL" val="0"/>
-  <p:tag name="KSO_WM_UNIT_DIAGRAM_ISREFERUNIT" val="0"/>
-  <p:tag name="KSO_WM_UNIT_ID" val="_4**"/>
-  <p:tag name="KSO_WM_UNIT_LAYERLEVEL" val="1"/>
-  <p:tag name="KSO_WM_TAG_VERSION" val="1.0"/>
-  <p:tag name="KSO_WM_BEAUTIFY_FLAG" val="#wm#"/>
-</p:tagLst>
-</file>
-
-<file path=ppt/tags/tag18.xml><?xml version="1.0" encoding="utf-8"?>
-<p:tagLst xmlns:p="http://schemas.openxmlformats.org/presentationml/2006/main">
-  <p:tag name="KSO_WM_UNIT_HIGHLIGHT" val="0"/>
-  <p:tag name="KSO_WM_UNIT_COMPATIBLE" val="0"/>
-  <p:tag name="KSO_WM_UNIT_DIAGRAM_ISNUMVISUAL" val="0"/>
-  <p:tag name="KSO_WM_UNIT_DIAGRAM_ISREFERUNIT" val="0"/>
-  <p:tag name="KSO_WM_UNIT_ID" val="_4**"/>
-  <p:tag name="KSO_WM_UNIT_LAYERLEVEL" val="1"/>
-  <p:tag name="KSO_WM_TAG_VERSION" val="1.0"/>
-  <p:tag name="KSO_WM_BEAUTIFY_FLAG" val="#wm#"/>
-</p:tagLst>
-</file>
-
-<file path=ppt/tags/tag19.xml><?xml version="1.0" encoding="utf-8"?>
-<p:tagLst xmlns:p="http://schemas.openxmlformats.org/presentationml/2006/main">
-  <p:tag name="KSO_WM_UNIT_HIGHLIGHT" val="0"/>
-  <p:tag name="KSO_WM_UNIT_COMPATIBLE" val="0"/>
-  <p:tag name="KSO_WM_UNIT_DIAGRAM_ISNUMVISUAL" val="0"/>
-  <p:tag name="KSO_WM_UNIT_DIAGRAM_ISREFERUNIT" val="0"/>
-  <p:tag name="KSO_WM_UNIT_ID" val="_4**"/>
-  <p:tag name="KSO_WM_UNIT_LAYERLEVEL" val="1"/>
-  <p:tag name="KSO_WM_TAG_VERSION" val="1.0"/>
-  <p:tag name="KSO_WM_BEAUTIFY_FLAG" val="#wm#"/>
-</p:tagLst>
-</file>
-
 <file path=ppt/tags/tag2.xml><?xml version="1.0" encoding="utf-8"?>
-<p:tagLst xmlns:p="http://schemas.openxmlformats.org/presentationml/2006/main">
-  <p:tag name="KSO_WM_UNIT_HIGHLIGHT" val="0"/>
-  <p:tag name="KSO_WM_UNIT_COMPATIBLE" val="0"/>
-  <p:tag name="KSO_WM_UNIT_DIAGRAM_ISNUMVISUAL" val="0"/>
-  <p:tag name="KSO_WM_UNIT_DIAGRAM_ISREFERUNIT" val="0"/>
-  <p:tag name="KSO_WM_UNIT_ID" val="_1**"/>
-  <p:tag name="KSO_WM_UNIT_LAYERLEVEL" val="1"/>
-  <p:tag name="KSO_WM_TAG_VERSION" val="1.0"/>
-  <p:tag name="KSO_WM_BEAUTIFY_FLAG" val="#wm#"/>
-</p:tagLst>
-</file>
-
-<file path=ppt/tags/tag20.xml><?xml version="1.0" encoding="utf-8"?>
-<p:tagLst xmlns:p="http://schemas.openxmlformats.org/presentationml/2006/main">
-  <p:tag name="KSO_WM_UNIT_HIGHLIGHT" val="0"/>
-  <p:tag name="KSO_WM_UNIT_COMPATIBLE" val="0"/>
-  <p:tag name="KSO_WM_UNIT_DIAGRAM_ISNUMVISUAL" val="0"/>
-  <p:tag name="KSO_WM_UNIT_DIAGRAM_ISREFERUNIT" val="0"/>
-  <p:tag name="KSO_WM_UNIT_ID" val="_4**"/>
-  <p:tag name="KSO_WM_UNIT_LAYERLEVEL" val="1"/>
-  <p:tag name="KSO_WM_TAG_VERSION" val="1.0"/>
-  <p:tag name="KSO_WM_BEAUTIFY_FLAG" val="#wm#"/>
-</p:tagLst>
-</file>
-
-<file path=ppt/tags/tag21.xml><?xml version="1.0" encoding="utf-8"?>
-<p:tagLst xmlns:p="http://schemas.openxmlformats.org/presentationml/2006/main">
-  <p:tag name="KSO_WM_UNIT_HIGHLIGHT" val="0"/>
-  <p:tag name="KSO_WM_UNIT_COMPATIBLE" val="0"/>
-  <p:tag name="KSO_WM_UNIT_DIAGRAM_ISNUMVISUAL" val="0"/>
-  <p:tag name="KSO_WM_UNIT_DIAGRAM_ISREFERUNIT" val="0"/>
-  <p:tag name="KSO_WM_UNIT_ID" val="_4**"/>
-  <p:tag name="KSO_WM_UNIT_LAYERLEVEL" val="1"/>
-  <p:tag name="KSO_WM_TAG_VERSION" val="1.0"/>
-  <p:tag name="KSO_WM_BEAUTIFY_FLAG" val="#wm#"/>
-</p:tagLst>
-</file>
-
-<file path=ppt/tags/tag22.xml><?xml version="1.0" encoding="utf-8"?>
-<p:tagLst xmlns:p="http://schemas.openxmlformats.org/presentationml/2006/main">
-  <p:tag name="KSO_WM_UNIT_HIGHLIGHT" val="0"/>
-  <p:tag name="KSO_WM_UNIT_COMPATIBLE" val="0"/>
-  <p:tag name="KSO_WM_UNIT_DIAGRAM_ISNUMVISUAL" val="0"/>
-  <p:tag name="KSO_WM_UNIT_DIAGRAM_ISREFERUNIT" val="0"/>
-  <p:tag name="KSO_WM_UNIT_ID" val="_5**"/>
-  <p:tag name="KSO_WM_UNIT_LAYERLEVEL" val="1"/>
-  <p:tag name="KSO_WM_TAG_VERSION" val="1.0"/>
-  <p:tag name="KSO_WM_BEAUTIFY_FLAG" val="#wm#"/>
-</p:tagLst>
-</file>
-
-<file path=ppt/tags/tag23.xml><?xml version="1.0" encoding="utf-8"?>
-<p:tagLst xmlns:p="http://schemas.openxmlformats.org/presentationml/2006/main">
-  <p:tag name="KSO_WM_UNIT_HIGHLIGHT" val="0"/>
-  <p:tag name="KSO_WM_UNIT_COMPATIBLE" val="0"/>
-  <p:tag name="KSO_WM_UNIT_DIAGRAM_ISNUMVISUAL" val="0"/>
-  <p:tag name="KSO_WM_UNIT_DIAGRAM_ISREFERUNIT" val="0"/>
-  <p:tag name="KSO_WM_UNIT_ID" val="_5**"/>
-  <p:tag name="KSO_WM_UNIT_LAYERLEVEL" val="1"/>
-  <p:tag name="KSO_WM_TAG_VERSION" val="1.0"/>
-  <p:tag name="KSO_WM_BEAUTIFY_FLAG" val="#wm#"/>
-</p:tagLst>
-</file>
-
-<file path=ppt/tags/tag24.xml><?xml version="1.0" encoding="utf-8"?>
-<p:tagLst xmlns:p="http://schemas.openxmlformats.org/presentationml/2006/main">
-  <p:tag name="KSO_WM_UNIT_HIGHLIGHT" val="0"/>
-  <p:tag name="KSO_WM_UNIT_COMPATIBLE" val="0"/>
-  <p:tag name="KSO_WM_UNIT_DIAGRAM_ISNUMVISUAL" val="0"/>
-  <p:tag name="KSO_WM_UNIT_DIAGRAM_ISREFERUNIT" val="0"/>
-  <p:tag name="KSO_WM_UNIT_ID" val="_5**"/>
-  <p:tag name="KSO_WM_UNIT_LAYERLEVEL" val="1"/>
-  <p:tag name="KSO_WM_TAG_VERSION" val="1.0"/>
-  <p:tag name="KSO_WM_BEAUTIFY_FLAG" val="#wm#"/>
-</p:tagLst>
-</file>
-
-<file path=ppt/tags/tag25.xml><?xml version="1.0" encoding="utf-8"?>
-<p:tagLst xmlns:p="http://schemas.openxmlformats.org/presentationml/2006/main">
-  <p:tag name="KSO_WM_UNIT_HIGHLIGHT" val="0"/>
-  <p:tag name="KSO_WM_UNIT_COMPATIBLE" val="0"/>
-  <p:tag name="KSO_WM_UNIT_DIAGRAM_ISNUMVISUAL" val="0"/>
-  <p:tag name="KSO_WM_UNIT_DIAGRAM_ISREFERUNIT" val="0"/>
-  <p:tag name="KSO_WM_UNIT_ID" val="_5**"/>
-  <p:tag name="KSO_WM_UNIT_LAYERLEVEL" val="1"/>
-  <p:tag name="KSO_WM_TAG_VERSION" val="1.0"/>
-  <p:tag name="KSO_WM_BEAUTIFY_FLAG" val="#wm#"/>
-</p:tagLst>
-</file>
-
-<file path=ppt/tags/tag26.xml><?xml version="1.0" encoding="utf-8"?>
-<p:tagLst xmlns:p="http://schemas.openxmlformats.org/presentationml/2006/main">
-  <p:tag name="KSO_WM_UNIT_HIGHLIGHT" val="0"/>
-  <p:tag name="KSO_WM_UNIT_COMPATIBLE" val="0"/>
-  <p:tag name="KSO_WM_UNIT_DIAGRAM_ISNUMVISUAL" val="0"/>
-  <p:tag name="KSO_WM_UNIT_DIAGRAM_ISREFERUNIT" val="0"/>
-  <p:tag name="KSO_WM_UNIT_ID" val="_5**"/>
-  <p:tag name="KSO_WM_UNIT_LAYERLEVEL" val="1"/>
-  <p:tag name="KSO_WM_TAG_VERSION" val="1.0"/>
-  <p:tag name="KSO_WM_BEAUTIFY_FLAG" val="#wm#"/>
-</p:tagLst>
-</file>
-
-<file path=ppt/tags/tag27.xml><?xml version="1.0" encoding="utf-8"?>
-<p:tagLst xmlns:p="http://schemas.openxmlformats.org/presentationml/2006/main">
-  <p:tag name="KSO_WM_UNIT_HIGHLIGHT" val="0"/>
-  <p:tag name="KSO_WM_UNIT_COMPATIBLE" val="0"/>
-  <p:tag name="KSO_WM_UNIT_DIAGRAM_ISNUMVISUAL" val="0"/>
-  <p:tag name="KSO_WM_UNIT_DIAGRAM_ISREFERUNIT" val="0"/>
-  <p:tag name="KSO_WM_UNIT_ID" val="_5**"/>
-  <p:tag name="KSO_WM_UNIT_LAYERLEVEL" val="1"/>
-  <p:tag name="KSO_WM_TAG_VERSION" val="1.0"/>
-  <p:tag name="KSO_WM_BEAUTIFY_FLAG" val="#wm#"/>
-</p:tagLst>
-</file>
-
-<file path=ppt/tags/tag28.xml><?xml version="1.0" encoding="utf-8"?>
-<p:tagLst xmlns:p="http://schemas.openxmlformats.org/presentationml/2006/main">
-  <p:tag name="KSO_WM_UNIT_HIGHLIGHT" val="0"/>
-  <p:tag name="KSO_WM_UNIT_COMPATIBLE" val="0"/>
-  <p:tag name="KSO_WM_UNIT_DIAGRAM_ISNUMVISUAL" val="0"/>
-  <p:tag name="KSO_WM_UNIT_DIAGRAM_ISREFERUNIT" val="0"/>
-  <p:tag name="KSO_WM_UNIT_ID" val="_5**"/>
-  <p:tag name="KSO_WM_UNIT_LAYERLEVEL" val="1"/>
-  <p:tag name="KSO_WM_TAG_VERSION" val="1.0"/>
-  <p:tag name="KSO_WM_BEAUTIFY_FLAG" val="#wm#"/>
-</p:tagLst>
-</file>
-
-<file path=ppt/tags/tag29.xml><?xml version="1.0" encoding="utf-8"?>
-<p:tagLst xmlns:p="http://schemas.openxmlformats.org/presentationml/2006/main">
-  <p:tag name="KSO_WM_UNIT_HIGHLIGHT" val="0"/>
-  <p:tag name="KSO_WM_UNIT_COMPATIBLE" val="0"/>
-  <p:tag name="KSO_WM_UNIT_DIAGRAM_ISNUMVISUAL" val="0"/>
-  <p:tag name="KSO_WM_UNIT_DIAGRAM_ISREFERUNIT" val="0"/>
-  <p:tag name="KSO_WM_UNIT_ID" val="_5**"/>
-  <p:tag name="KSO_WM_UNIT_LAYERLEVEL" val="1"/>
-  <p:tag name="KSO_WM_TAG_VERSION" val="1.0"/>
-  <p:tag name="KSO_WM_BEAUTIFY_FLAG" val="#wm#"/>
-</p:tagLst>
-</file>
-
-<file path=ppt/tags/tag3.xml><?xml version="1.0" encoding="utf-8"?>
-<p:tagLst xmlns:p="http://schemas.openxmlformats.org/presentationml/2006/main">
-  <p:tag name="KSO_WM_UNIT_HIGHLIGHT" val="0"/>
-  <p:tag name="KSO_WM_UNIT_COMPATIBLE" val="0"/>
-  <p:tag name="KSO_WM_UNIT_DIAGRAM_ISNUMVISUAL" val="0"/>
-  <p:tag name="KSO_WM_UNIT_DIAGRAM_ISREFERUNIT" val="0"/>
-  <p:tag name="KSO_WM_UNIT_ID" val="_1**"/>
-  <p:tag name="KSO_WM_UNIT_LAYERLEVEL" val="1"/>
-  <p:tag name="KSO_WM_TAG_VERSION" val="1.0"/>
-  <p:tag name="KSO_WM_BEAUTIFY_FLAG" val="#wm#"/>
-</p:tagLst>
-</file>
-
-<file path=ppt/tags/tag30.xml><?xml version="1.0" encoding="utf-8"?>
-<p:tagLst xmlns:p="http://schemas.openxmlformats.org/presentationml/2006/main">
-  <p:tag name="KSO_WM_UNIT_HIGHLIGHT" val="0"/>
-  <p:tag name="KSO_WM_UNIT_COMPATIBLE" val="0"/>
-  <p:tag name="KSO_WM_UNIT_DIAGRAM_ISNUMVISUAL" val="0"/>
-  <p:tag name="KSO_WM_UNIT_DIAGRAM_ISREFERUNIT" val="0"/>
-  <p:tag name="KSO_WM_UNIT_ID" val="_6**"/>
-  <p:tag name="KSO_WM_UNIT_LAYERLEVEL" val="1"/>
-  <p:tag name="KSO_WM_TAG_VERSION" val="1.0"/>
-  <p:tag name="KSO_WM_BEAUTIFY_FLAG" val="#wm#"/>
-</p:tagLst>
-</file>
-
-<file path=ppt/tags/tag31.xml><?xml version="1.0" encoding="utf-8"?>
-<p:tagLst xmlns:p="http://schemas.openxmlformats.org/presentationml/2006/main">
-  <p:tag name="KSO_WM_UNIT_HIGHLIGHT" val="0"/>
-  <p:tag name="KSO_WM_UNIT_COMPATIBLE" val="0"/>
-  <p:tag name="KSO_WM_UNIT_DIAGRAM_ISNUMVISUAL" val="0"/>
-  <p:tag name="KSO_WM_UNIT_DIAGRAM_ISREFERUNIT" val="0"/>
-  <p:tag name="KSO_WM_UNIT_ID" val="_6**"/>
-  <p:tag name="KSO_WM_UNIT_LAYERLEVEL" val="1"/>
-  <p:tag name="KSO_WM_TAG_VERSION" val="1.0"/>
-  <p:tag name="KSO_WM_BEAUTIFY_FLAG" val="#wm#"/>
-</p:tagLst>
-</file>
-
-<file path=ppt/tags/tag32.xml><?xml version="1.0" encoding="utf-8"?>
-<p:tagLst xmlns:p="http://schemas.openxmlformats.org/presentationml/2006/main">
-  <p:tag name="KSO_WM_UNIT_HIGHLIGHT" val="0"/>
-  <p:tag name="KSO_WM_UNIT_COMPATIBLE" val="0"/>
-  <p:tag name="KSO_WM_UNIT_DIAGRAM_ISNUMVISUAL" val="0"/>
-  <p:tag name="KSO_WM_UNIT_DIAGRAM_ISREFERUNIT" val="0"/>
-  <p:tag name="KSO_WM_UNIT_ID" val="_6**"/>
-  <p:tag name="KSO_WM_UNIT_LAYERLEVEL" val="1"/>
-  <p:tag name="KSO_WM_TAG_VERSION" val="1.0"/>
-  <p:tag name="KSO_WM_BEAUTIFY_FLAG" val="#wm#"/>
-</p:tagLst>
-</file>
-
-<file path=ppt/tags/tag33.xml><?xml version="1.0" encoding="utf-8"?>
-<p:tagLst xmlns:p="http://schemas.openxmlformats.org/presentationml/2006/main">
-  <p:tag name="KSO_WM_UNIT_HIGHLIGHT" val="0"/>
-  <p:tag name="KSO_WM_UNIT_COMPATIBLE" val="0"/>
-  <p:tag name="KSO_WM_UNIT_DIAGRAM_ISNUMVISUAL" val="0"/>
-  <p:tag name="KSO_WM_UNIT_DIAGRAM_ISREFERUNIT" val="0"/>
-  <p:tag name="KSO_WM_UNIT_ID" val="_6**"/>
-  <p:tag name="KSO_WM_UNIT_LAYERLEVEL" val="1"/>
-  <p:tag name="KSO_WM_TAG_VERSION" val="1.0"/>
-  <p:tag name="KSO_WM_BEAUTIFY_FLAG" val="#wm#"/>
-</p:tagLst>
-</file>
-
-<file path=ppt/tags/tag34.xml><?xml version="1.0" encoding="utf-8"?>
-<p:tagLst xmlns:p="http://schemas.openxmlformats.org/presentationml/2006/main">
-  <p:tag name="KSO_WM_UNIT_HIGHLIGHT" val="0"/>
-  <p:tag name="KSO_WM_UNIT_COMPATIBLE" val="0"/>
-  <p:tag name="KSO_WM_UNIT_DIAGRAM_ISNUMVISUAL" val="0"/>
-  <p:tag name="KSO_WM_UNIT_DIAGRAM_ISREFERUNIT" val="0"/>
-  <p:tag name="KSO_WM_UNIT_ID" val="_7**"/>
-  <p:tag name="KSO_WM_UNIT_LAYERLEVEL" val="1"/>
-  <p:tag name="KSO_WM_TAG_VERSION" val="1.0"/>
-  <p:tag name="KSO_WM_BEAUTIFY_FLAG" val="#wm#"/>
-</p:tagLst>
-</file>
-
-<file path=ppt/tags/tag35.xml><?xml version="1.0" encoding="utf-8"?>
-<p:tagLst xmlns:p="http://schemas.openxmlformats.org/presentationml/2006/main">
-  <p:tag name="KSO_WM_UNIT_HIGHLIGHT" val="0"/>
-  <p:tag name="KSO_WM_UNIT_COMPATIBLE" val="0"/>
-  <p:tag name="KSO_WM_UNIT_DIAGRAM_ISNUMVISUAL" val="0"/>
-  <p:tag name="KSO_WM_UNIT_DIAGRAM_ISREFERUNIT" val="0"/>
-  <p:tag name="KSO_WM_UNIT_ID" val="_7**"/>
-  <p:tag name="KSO_WM_UNIT_LAYERLEVEL" val="1"/>
-  <p:tag name="KSO_WM_TAG_VERSION" val="1.0"/>
-  <p:tag name="KSO_WM_BEAUTIFY_FLAG" val="#wm#"/>
-</p:tagLst>
-</file>
-
-<file path=ppt/tags/tag36.xml><?xml version="1.0" encoding="utf-8"?>
-<p:tagLst xmlns:p="http://schemas.openxmlformats.org/presentationml/2006/main">
-  <p:tag name="KSO_WM_UNIT_HIGHLIGHT" val="0"/>
-  <p:tag name="KSO_WM_UNIT_COMPATIBLE" val="0"/>
-  <p:tag name="KSO_WM_UNIT_DIAGRAM_ISNUMVISUAL" val="0"/>
-  <p:tag name="KSO_WM_UNIT_DIAGRAM_ISREFERUNIT" val="0"/>
-  <p:tag name="KSO_WM_UNIT_ID" val="_7**"/>
-  <p:tag name="KSO_WM_UNIT_LAYERLEVEL" val="1"/>
-  <p:tag name="KSO_WM_TAG_VERSION" val="1.0"/>
-  <p:tag name="KSO_WM_BEAUTIFY_FLAG" val="#wm#"/>
-</p:tagLst>
-</file>
-
-<file path=ppt/tags/tag37.xml><?xml version="1.0" encoding="utf-8"?>
-<p:tagLst xmlns:p="http://schemas.openxmlformats.org/presentationml/2006/main">
-  <p:tag name="KSO_WM_UNIT_HIGHLIGHT" val="0"/>
-  <p:tag name="KSO_WM_UNIT_COMPATIBLE" val="0"/>
-  <p:tag name="KSO_WM_UNIT_DIAGRAM_ISNUMVISUAL" val="0"/>
-  <p:tag name="KSO_WM_UNIT_DIAGRAM_ISREFERUNIT" val="0"/>
-  <p:tag name="KSO_WM_UNIT_ID" val="_8**"/>
-  <p:tag name="KSO_WM_UNIT_LAYERLEVEL" val="1"/>
-  <p:tag name="KSO_WM_TAG_VERSION" val="1.0"/>
-  <p:tag name="KSO_WM_BEAUTIFY_FLAG" val="#wm#"/>
-</p:tagLst>
-</file>
-
-<file path=ppt/tags/tag38.xml><?xml version="1.0" encoding="utf-8"?>
-<p:tagLst xmlns:p="http://schemas.openxmlformats.org/presentationml/2006/main">
-  <p:tag name="KSO_WM_UNIT_HIGHLIGHT" val="0"/>
-  <p:tag name="KSO_WM_UNIT_COMPATIBLE" val="0"/>
-  <p:tag name="KSO_WM_UNIT_DIAGRAM_ISNUMVISUAL" val="0"/>
-  <p:tag name="KSO_WM_UNIT_DIAGRAM_ISREFERUNIT" val="0"/>
-  <p:tag name="KSO_WM_UNIT_ID" val="_8**"/>
-  <p:tag name="KSO_WM_UNIT_LAYERLEVEL" val="1"/>
-  <p:tag name="KSO_WM_TAG_VERSION" val="1.0"/>
-  <p:tag name="KSO_WM_BEAUTIFY_FLAG" val="#wm#"/>
-</p:tagLst>
-</file>
-
-<file path=ppt/tags/tag39.xml><?xml version="1.0" encoding="utf-8"?>
-<p:tagLst xmlns:p="http://schemas.openxmlformats.org/presentationml/2006/main">
-  <p:tag name="KSO_WM_UNIT_HIGHLIGHT" val="0"/>
-  <p:tag name="KSO_WM_UNIT_COMPATIBLE" val="0"/>
-  <p:tag name="KSO_WM_UNIT_DIAGRAM_ISNUMVISUAL" val="0"/>
-  <p:tag name="KSO_WM_UNIT_DIAGRAM_ISREFERUNIT" val="0"/>
-  <p:tag name="KSO_WM_UNIT_ID" val="_8**"/>
-  <p:tag name="KSO_WM_UNIT_LAYERLEVEL" val="1"/>
-  <p:tag name="KSO_WM_TAG_VERSION" val="1.0"/>
-  <p:tag name="KSO_WM_BEAUTIFY_FLAG" val="#wm#"/>
-</p:tagLst>
-</file>
-
-<file path=ppt/tags/tag4.xml><?xml version="1.0" encoding="utf-8"?>
-<p:tagLst xmlns:p="http://schemas.openxmlformats.org/presentationml/2006/main">
-  <p:tag name="KSO_WM_UNIT_HIGHLIGHT" val="0"/>
-  <p:tag name="KSO_WM_UNIT_COMPATIBLE" val="0"/>
-  <p:tag name="KSO_WM_UNIT_DIAGRAM_ISNUMVISUAL" val="0"/>
-  <p:tag name="KSO_WM_UNIT_DIAGRAM_ISREFERUNIT" val="0"/>
-  <p:tag name="KSO_WM_UNIT_ID" val="_1**"/>
-  <p:tag name="KSO_WM_UNIT_LAYERLEVEL" val="1"/>
-  <p:tag name="KSO_WM_TAG_VERSION" val="1.0"/>
-  <p:tag name="KSO_WM_BEAUTIFY_FLAG" val="#wm#"/>
-</p:tagLst>
-</file>
-
-<file path=ppt/tags/tag40.xml><?xml version="1.0" encoding="utf-8"?>
-<p:tagLst xmlns:p="http://schemas.openxmlformats.org/presentationml/2006/main">
-  <p:tag name="KSO_WM_UNIT_HIGHLIGHT" val="0"/>
-  <p:tag name="KSO_WM_UNIT_COMPATIBLE" val="0"/>
-  <p:tag name="KSO_WM_UNIT_DIAGRAM_ISNUMVISUAL" val="0"/>
-  <p:tag name="KSO_WM_UNIT_DIAGRAM_ISREFERUNIT" val="0"/>
-  <p:tag name="KSO_WM_UNIT_ID" val="_8**"/>
-  <p:tag name="KSO_WM_UNIT_LAYERLEVEL" val="1"/>
-  <p:tag name="KSO_WM_TAG_VERSION" val="1.0"/>
-  <p:tag name="KSO_WM_BEAUTIFY_FLAG" val="#wm#"/>
-</p:tagLst>
-</file>
-
-<file path=ppt/tags/tag41.xml><?xml version="1.0" encoding="utf-8"?>
-<p:tagLst xmlns:p="http://schemas.openxmlformats.org/presentationml/2006/main">
-  <p:tag name="KSO_WM_UNIT_HIGHLIGHT" val="0"/>
-  <p:tag name="KSO_WM_UNIT_COMPATIBLE" val="0"/>
-  <p:tag name="KSO_WM_UNIT_DIAGRAM_ISNUMVISUAL" val="0"/>
-  <p:tag name="KSO_WM_UNIT_DIAGRAM_ISREFERUNIT" val="0"/>
-  <p:tag name="KSO_WM_UNIT_ID" val="_8**"/>
-  <p:tag name="KSO_WM_UNIT_LAYERLEVEL" val="1"/>
-  <p:tag name="KSO_WM_TAG_VERSION" val="1.0"/>
-  <p:tag name="KSO_WM_BEAUTIFY_FLAG" val="#wm#"/>
-</p:tagLst>
-</file>
-
-<file path=ppt/tags/tag42.xml><?xml version="1.0" encoding="utf-8"?>
-<p:tagLst xmlns:p="http://schemas.openxmlformats.org/presentationml/2006/main">
-  <p:tag name="KSO_WM_UNIT_HIGHLIGHT" val="0"/>
-  <p:tag name="KSO_WM_UNIT_COMPATIBLE" val="0"/>
-  <p:tag name="KSO_WM_UNIT_DIAGRAM_ISNUMVISUAL" val="0"/>
-  <p:tag name="KSO_WM_UNIT_DIAGRAM_ISREFERUNIT" val="0"/>
-  <p:tag name="KSO_WM_UNIT_ID" val="_8**"/>
-  <p:tag name="KSO_WM_UNIT_LAYERLEVEL" val="1"/>
-  <p:tag name="KSO_WM_TAG_VERSION" val="1.0"/>
-  <p:tag name="KSO_WM_BEAUTIFY_FLAG" val="#wm#"/>
-</p:tagLst>
-</file>
-
-<file path=ppt/tags/tag43.xml><?xml version="1.0" encoding="utf-8"?>
-<p:tagLst xmlns:p="http://schemas.openxmlformats.org/presentationml/2006/main">
-  <p:tag name="KSO_WM_UNIT_HIGHLIGHT" val="0"/>
-  <p:tag name="KSO_WM_UNIT_COMPATIBLE" val="0"/>
-  <p:tag name="KSO_WM_UNIT_DIAGRAM_ISNUMVISUAL" val="0"/>
-  <p:tag name="KSO_WM_UNIT_DIAGRAM_ISREFERUNIT" val="0"/>
-  <p:tag name="KSO_WM_UNIT_ID" val="_9**"/>
-  <p:tag name="KSO_WM_UNIT_LAYERLEVEL" val="1"/>
-  <p:tag name="KSO_WM_TAG_VERSION" val="1.0"/>
-  <p:tag name="KSO_WM_BEAUTIFY_FLAG" val="#wm#"/>
-</p:tagLst>
-</file>
-
-<file path=ppt/tags/tag44.xml><?xml version="1.0" encoding="utf-8"?>
-<p:tagLst xmlns:p="http://schemas.openxmlformats.org/presentationml/2006/main">
-  <p:tag name="KSO_WM_UNIT_HIGHLIGHT" val="0"/>
-  <p:tag name="KSO_WM_UNIT_COMPATIBLE" val="0"/>
-  <p:tag name="KSO_WM_UNIT_DIAGRAM_ISNUMVISUAL" val="0"/>
-  <p:tag name="KSO_WM_UNIT_DIAGRAM_ISREFERUNIT" val="0"/>
-  <p:tag name="KSO_WM_UNIT_ID" val="_9**"/>
-  <p:tag name="KSO_WM_UNIT_LAYERLEVEL" val="1"/>
-  <p:tag name="KSO_WM_TAG_VERSION" val="1.0"/>
-  <p:tag name="KSO_WM_BEAUTIFY_FLAG" val="#wm#"/>
-</p:tagLst>
-</file>
-
-<file path=ppt/tags/tag45.xml><?xml version="1.0" encoding="utf-8"?>
-<p:tagLst xmlns:p="http://schemas.openxmlformats.org/presentationml/2006/main">
-  <p:tag name="KSO_WM_UNIT_HIGHLIGHT" val="0"/>
-  <p:tag name="KSO_WM_UNIT_COMPATIBLE" val="0"/>
-  <p:tag name="KSO_WM_UNIT_DIAGRAM_ISNUMVISUAL" val="0"/>
-  <p:tag name="KSO_WM_UNIT_DIAGRAM_ISREFERUNIT" val="0"/>
-  <p:tag name="KSO_WM_UNIT_ID" val="_9**"/>
-  <p:tag name="KSO_WM_UNIT_LAYERLEVEL" val="1"/>
-  <p:tag name="KSO_WM_TAG_VERSION" val="1.0"/>
-  <p:tag name="KSO_WM_BEAUTIFY_FLAG" val="#wm#"/>
-</p:tagLst>
-</file>
-
-<file path=ppt/tags/tag46.xml><?xml version="1.0" encoding="utf-8"?>
-<p:tagLst xmlns:p="http://schemas.openxmlformats.org/presentationml/2006/main">
-  <p:tag name="KSO_WM_UNIT_HIGHLIGHT" val="0"/>
-  <p:tag name="KSO_WM_UNIT_COMPATIBLE" val="0"/>
-  <p:tag name="KSO_WM_UNIT_DIAGRAM_ISNUMVISUAL" val="0"/>
-  <p:tag name="KSO_WM_UNIT_DIAGRAM_ISREFERUNIT" val="0"/>
-  <p:tag name="KSO_WM_UNIT_ID" val="_9**"/>
-  <p:tag name="KSO_WM_UNIT_LAYERLEVEL" val="1"/>
-  <p:tag name="KSO_WM_TAG_VERSION" val="1.0"/>
-  <p:tag name="KSO_WM_BEAUTIFY_FLAG" val="#wm#"/>
-</p:tagLst>
-</file>
-
-<file path=ppt/tags/tag47.xml><?xml version="1.0" encoding="utf-8"?>
-<p:tagLst xmlns:p="http://schemas.openxmlformats.org/presentationml/2006/main">
-  <p:tag name="KSO_WM_UNIT_HIGHLIGHT" val="0"/>
-  <p:tag name="KSO_WM_UNIT_COMPATIBLE" val="0"/>
-  <p:tag name="KSO_WM_UNIT_DIAGRAM_ISNUMVISUAL" val="0"/>
-  <p:tag name="KSO_WM_UNIT_DIAGRAM_ISREFERUNIT" val="0"/>
-  <p:tag name="KSO_WM_UNIT_ID" val="_9**"/>
-  <p:tag name="KSO_WM_UNIT_LAYERLEVEL" val="1"/>
-  <p:tag name="KSO_WM_TAG_VERSION" val="1.0"/>
-  <p:tag name="KSO_WM_BEAUTIFY_FLAG" val="#wm#"/>
-</p:tagLst>
-</file>
-
-<file path=ppt/tags/tag48.xml><?xml version="1.0" encoding="utf-8"?>
-<p:tagLst xmlns:p="http://schemas.openxmlformats.org/presentationml/2006/main">
-  <p:tag name="KSO_WM_UNIT_HIGHLIGHT" val="0"/>
-  <p:tag name="KSO_WM_UNIT_COMPATIBLE" val="0"/>
-  <p:tag name="KSO_WM_UNIT_DIAGRAM_ISNUMVISUAL" val="0"/>
-  <p:tag name="KSO_WM_UNIT_DIAGRAM_ISREFERUNIT" val="0"/>
-  <p:tag name="KSO_WM_UNIT_ID" val="_10**"/>
-  <p:tag name="KSO_WM_UNIT_LAYERLEVEL" val="1"/>
-  <p:tag name="KSO_WM_TAG_VERSION" val="1.0"/>
-  <p:tag name="KSO_WM_BEAUTIFY_FLAG" val="#wm#"/>
-</p:tagLst>
-</file>
-
-<file path=ppt/tags/tag49.xml><?xml version="1.0" encoding="utf-8"?>
-<p:tagLst xmlns:p="http://schemas.openxmlformats.org/presentationml/2006/main">
-  <p:tag name="KSO_WM_UNIT_HIGHLIGHT" val="0"/>
-  <p:tag name="KSO_WM_UNIT_COMPATIBLE" val="0"/>
-  <p:tag name="KSO_WM_UNIT_DIAGRAM_ISNUMVISUAL" val="0"/>
-  <p:tag name="KSO_WM_UNIT_DIAGRAM_ISREFERUNIT" val="0"/>
-  <p:tag name="KSO_WM_UNIT_ID" val="_10**"/>
-  <p:tag name="KSO_WM_UNIT_LAYERLEVEL" val="1"/>
-  <p:tag name="KSO_WM_TAG_VERSION" val="1.0"/>
-  <p:tag name="KSO_WM_BEAUTIFY_FLAG" val="#wm#"/>
-</p:tagLst>
-</file>
-
-<file path=ppt/tags/tag5.xml><?xml version="1.0" encoding="utf-8"?>
-<p:tagLst xmlns:p="http://schemas.openxmlformats.org/presentationml/2006/main">
-  <p:tag name="KSO_WM_UNIT_HIGHLIGHT" val="0"/>
-  <p:tag name="KSO_WM_UNIT_COMPATIBLE" val="0"/>
-  <p:tag name="KSO_WM_UNIT_DIAGRAM_ISNUMVISUAL" val="0"/>
-  <p:tag name="KSO_WM_UNIT_DIAGRAM_ISREFERUNIT" val="0"/>
-  <p:tag name="KSO_WM_UNIT_ID" val="_1**"/>
-  <p:tag name="KSO_WM_UNIT_LAYERLEVEL" val="1"/>
-  <p:tag name="KSO_WM_TAG_VERSION" val="1.0"/>
-  <p:tag name="KSO_WM_BEAUTIFY_FLAG" val="#wm#"/>
-</p:tagLst>
-</file>
-
-<file path=ppt/tags/tag50.xml><?xml version="1.0" encoding="utf-8"?>
-<p:tagLst xmlns:p="http://schemas.openxmlformats.org/presentationml/2006/main">
-  <p:tag name="KSO_WM_UNIT_HIGHLIGHT" val="0"/>
-  <p:tag name="KSO_WM_UNIT_COMPATIBLE" val="0"/>
-  <p:tag name="KSO_WM_UNIT_DIAGRAM_ISNUMVISUAL" val="0"/>
-  <p:tag name="KSO_WM_UNIT_DIAGRAM_ISREFERUNIT" val="0"/>
-  <p:tag name="KSO_WM_UNIT_ID" val="_10**"/>
-  <p:tag name="KSO_WM_UNIT_LAYERLEVEL" val="1"/>
-  <p:tag name="KSO_WM_TAG_VERSION" val="1.0"/>
-  <p:tag name="KSO_WM_BEAUTIFY_FLAG" val="#wm#"/>
-</p:tagLst>
-</file>
-
-<file path=ppt/tags/tag51.xml><?xml version="1.0" encoding="utf-8"?>
-<p:tagLst xmlns:p="http://schemas.openxmlformats.org/presentationml/2006/main">
-  <p:tag name="KSO_WM_UNIT_HIGHLIGHT" val="0"/>
-  <p:tag name="KSO_WM_UNIT_COMPATIBLE" val="0"/>
-  <p:tag name="KSO_WM_UNIT_DIAGRAM_ISNUMVISUAL" val="0"/>
-  <p:tag name="KSO_WM_UNIT_DIAGRAM_ISREFERUNIT" val="0"/>
-  <p:tag name="KSO_WM_UNIT_ID" val="_10**"/>
-  <p:tag name="KSO_WM_UNIT_LAYERLEVEL" val="1"/>
-  <p:tag name="KSO_WM_TAG_VERSION" val="1.0"/>
-  <p:tag name="KSO_WM_BEAUTIFY_FLAG" val="#wm#"/>
-</p:tagLst>
-</file>
-
-<file path=ppt/tags/tag52.xml><?xml version="1.0" encoding="utf-8"?>
-<p:tagLst xmlns:p="http://schemas.openxmlformats.org/presentationml/2006/main">
-  <p:tag name="KSO_WM_UNIT_HIGHLIGHT" val="0"/>
-  <p:tag name="KSO_WM_UNIT_COMPATIBLE" val="0"/>
-  <p:tag name="KSO_WM_UNIT_DIAGRAM_ISNUMVISUAL" val="0"/>
-  <p:tag name="KSO_WM_UNIT_DIAGRAM_ISREFERUNIT" val="0"/>
-  <p:tag name="KSO_WM_UNIT_ID" val="_11**"/>
-  <p:tag name="KSO_WM_UNIT_LAYERLEVEL" val="1"/>
-  <p:tag name="KSO_WM_TAG_VERSION" val="1.0"/>
-  <p:tag name="KSO_WM_BEAUTIFY_FLAG" val="#wm#"/>
-</p:tagLst>
-</file>
-
-<file path=ppt/tags/tag53.xml><?xml version="1.0" encoding="utf-8"?>
-<p:tagLst xmlns:p="http://schemas.openxmlformats.org/presentationml/2006/main">
-  <p:tag name="KSO_WM_UNIT_HIGHLIGHT" val="0"/>
-  <p:tag name="KSO_WM_UNIT_COMPATIBLE" val="0"/>
-  <p:tag name="KSO_WM_UNIT_DIAGRAM_ISNUMVISUAL" val="0"/>
-  <p:tag name="KSO_WM_UNIT_DIAGRAM_ISREFERUNIT" val="0"/>
-  <p:tag name="KSO_WM_UNIT_ID" val="_11**"/>
-  <p:tag name="KSO_WM_UNIT_LAYERLEVEL" val="1"/>
-  <p:tag name="KSO_WM_TAG_VERSION" val="1.0"/>
-  <p:tag name="KSO_WM_BEAUTIFY_FLAG" val="#wm#"/>
-</p:tagLst>
-</file>
-
-<file path=ppt/tags/tag54.xml><?xml version="1.0" encoding="utf-8"?>
-<p:tagLst xmlns:p="http://schemas.openxmlformats.org/presentationml/2006/main">
-  <p:tag name="KSO_WM_UNIT_HIGHLIGHT" val="0"/>
-  <p:tag name="KSO_WM_UNIT_COMPATIBLE" val="0"/>
-  <p:tag name="KSO_WM_UNIT_DIAGRAM_ISNUMVISUAL" val="0"/>
-  <p:tag name="KSO_WM_UNIT_DIAGRAM_ISREFERUNIT" val="0"/>
-  <p:tag name="KSO_WM_UNIT_ID" val="_11**"/>
-  <p:tag name="KSO_WM_UNIT_LAYERLEVEL" val="1"/>
-  <p:tag name="KSO_WM_TAG_VERSION" val="1.0"/>
-  <p:tag name="KSO_WM_BEAUTIFY_FLAG" val="#wm#"/>
-</p:tagLst>
-</file>
-
-<file path=ppt/tags/tag55.xml><?xml version="1.0" encoding="utf-8"?>
-<p:tagLst xmlns:p="http://schemas.openxmlformats.org/presentationml/2006/main">
-  <p:tag name="KSO_WM_UNIT_HIGHLIGHT" val="0"/>
-  <p:tag name="KSO_WM_UNIT_COMPATIBLE" val="0"/>
-  <p:tag name="KSO_WM_UNIT_DIAGRAM_ISNUMVISUAL" val="0"/>
-  <p:tag name="KSO_WM_UNIT_DIAGRAM_ISREFERUNIT" val="0"/>
-  <p:tag name="KSO_WM_UNIT_ID" val="_11**"/>
-  <p:tag name="KSO_WM_UNIT_LAYERLEVEL" val="1"/>
-  <p:tag name="KSO_WM_TAG_VERSION" val="1.0"/>
-  <p:tag name="KSO_WM_BEAUTIFY_FLAG" val="#wm#"/>
-</p:tagLst>
-</file>
-
-<file path=ppt/tags/tag56.xml><?xml version="1.0" encoding="utf-8"?>
-<p:tagLst xmlns:p="http://schemas.openxmlformats.org/presentationml/2006/main">
-  <p:tag name="KSO_WM_UNIT_HIGHLIGHT" val="0"/>
-  <p:tag name="KSO_WM_UNIT_COMPATIBLE" val="0"/>
-  <p:tag name="KSO_WM_UNIT_DIAGRAM_ISNUMVISUAL" val="0"/>
-  <p:tag name="KSO_WM_UNIT_DIAGRAM_ISREFERUNIT" val="0"/>
-  <p:tag name="KSO_WM_UNIT_ID" val="_11**"/>
-  <p:tag name="KSO_WM_UNIT_LAYERLEVEL" val="1"/>
-  <p:tag name="KSO_WM_TAG_VERSION" val="1.0"/>
-  <p:tag name="KSO_WM_BEAUTIFY_FLAG" val="#wm#"/>
-</p:tagLst>
-</file>
-
-<file path=ppt/tags/tag57.xml><?xml version="1.0" encoding="utf-8"?>
-<p:tagLst xmlns:p="http://schemas.openxmlformats.org/presentationml/2006/main">
-  <p:tag name="KSO_WM_UNIT_HIGHLIGHT" val="0"/>
-  <p:tag name="KSO_WM_UNIT_COMPATIBLE" val="0"/>
-  <p:tag name="KSO_WM_UNIT_DIAGRAM_ISNUMVISUAL" val="0"/>
-  <p:tag name="KSO_WM_UNIT_DIAGRAM_ISREFERUNIT" val="0"/>
-  <p:tag name="KSO_WM_UNIT_ID" val="_0**"/>
-  <p:tag name="KSO_WM_UNIT_LAYERLEVEL" val="1"/>
-  <p:tag name="KSO_WM_TAG_VERSION" val="1.0"/>
-  <p:tag name="KSO_WM_BEAUTIFY_FLAG" val="#wm#"/>
-  <p:tag name="KSO_WM_TEMPLATE_CATEGORY" val="custom"/>
-  <p:tag name="KSO_WM_TEMPLATE_INDEX" val="20205081"/>
-</p:tagLst>
-</file>
-
-<file path=ppt/tags/tag58.xml><?xml version="1.0" encoding="utf-8"?>
-<p:tagLst xmlns:p="http://schemas.openxmlformats.org/presentationml/2006/main">
-  <p:tag name="KSO_WM_UNIT_HIGHLIGHT" val="0"/>
-  <p:tag name="KSO_WM_UNIT_COMPATIBLE" val="0"/>
-  <p:tag name="KSO_WM_UNIT_DIAGRAM_ISNUMVISUAL" val="0"/>
-  <p:tag name="KSO_WM_UNIT_DIAGRAM_ISREFERUNIT" val="0"/>
-  <p:tag name="KSO_WM_UNIT_ID" val="_0**"/>
-  <p:tag name="KSO_WM_UNIT_LAYERLEVEL" val="1"/>
-  <p:tag name="KSO_WM_TAG_VERSION" val="1.0"/>
-  <p:tag name="KSO_WM_BEAUTIFY_FLAG" val="#wm#"/>
-  <p:tag name="KSO_WM_TEMPLATE_CATEGORY" val="custom"/>
-  <p:tag name="KSO_WM_TEMPLATE_INDEX" val="20205081"/>
-</p:tagLst>
-</file>
-
-<file path=ppt/tags/tag59.xml><?xml version="1.0" encoding="utf-8"?>
-<p:tagLst xmlns:p="http://schemas.openxmlformats.org/presentationml/2006/main">
-  <p:tag name="KSO_WM_UNIT_HIGHLIGHT" val="0"/>
-  <p:tag name="KSO_WM_UNIT_COMPATIBLE" val="0"/>
-  <p:tag name="KSO_WM_UNIT_DIAGRAM_ISNUMVISUAL" val="0"/>
-  <p:tag name="KSO_WM_UNIT_DIAGRAM_ISREFERUNIT" val="0"/>
-  <p:tag name="KSO_WM_UNIT_ID" val="_0**"/>
-  <p:tag name="KSO_WM_UNIT_LAYERLEVEL" val="1"/>
-  <p:tag name="KSO_WM_TAG_VERSION" val="1.0"/>
-  <p:tag name="KSO_WM_BEAUTIFY_FLAG" val="#wm#"/>
-</p:tagLst>
-</file>
-
-<file path=ppt/tags/tag6.xml><?xml version="1.0" encoding="utf-8"?>
-<p:tagLst xmlns:p="http://schemas.openxmlformats.org/presentationml/2006/main">
-  <p:tag name="KSO_WM_UNIT_HIGHLIGHT" val="0"/>
-  <p:tag name="KSO_WM_UNIT_COMPATIBLE" val="0"/>
-  <p:tag name="KSO_WM_UNIT_DIAGRAM_ISNUMVISUAL" val="0"/>
-  <p:tag name="KSO_WM_UNIT_DIAGRAM_ISREFERUNIT" val="0"/>
-  <p:tag name="KSO_WM_UNIT_ID" val="_2**"/>
-  <p:tag name="KSO_WM_UNIT_LAYERLEVEL" val="1"/>
-  <p:tag name="KSO_WM_TAG_VERSION" val="1.0"/>
-  <p:tag name="KSO_WM_BEAUTIFY_FLAG" val="#wm#"/>
-</p:tagLst>
-</file>
-
-<file path=ppt/tags/tag60.xml><?xml version="1.0" encoding="utf-8"?>
-<p:tagLst xmlns:p="http://schemas.openxmlformats.org/presentationml/2006/main">
-  <p:tag name="KSO_WM_UNIT_HIGHLIGHT" val="0"/>
-  <p:tag name="KSO_WM_UNIT_COMPATIBLE" val="0"/>
-  <p:tag name="KSO_WM_UNIT_DIAGRAM_ISNUMVISUAL" val="0"/>
-  <p:tag name="KSO_WM_UNIT_DIAGRAM_ISREFERUNIT" val="0"/>
-  <p:tag name="KSO_WM_UNIT_ID" val="_0**"/>
-  <p:tag name="KSO_WM_UNIT_LAYERLEVEL" val="1"/>
-  <p:tag name="KSO_WM_TAG_VERSION" val="1.0"/>
-  <p:tag name="KSO_WM_BEAUTIFY_FLAG" val="#wm#"/>
-</p:tagLst>
-</file>
-
-<file path=ppt/tags/tag61.xml><?xml version="1.0" encoding="utf-8"?>
-<p:tagLst xmlns:p="http://schemas.openxmlformats.org/presentationml/2006/main">
-  <p:tag name="KSO_WM_UNIT_HIGHLIGHT" val="0"/>
-  <p:tag name="KSO_WM_UNIT_COMPATIBLE" val="0"/>
-  <p:tag name="KSO_WM_UNIT_DIAGRAM_ISNUMVISUAL" val="0"/>
-  <p:tag name="KSO_WM_UNIT_DIAGRAM_ISREFERUNIT" val="0"/>
-  <p:tag name="KSO_WM_UNIT_ID" val="_0**"/>
-  <p:tag name="KSO_WM_UNIT_LAYERLEVEL" val="1"/>
-  <p:tag name="KSO_WM_TAG_VERSION" val="1.0"/>
-  <p:tag name="KSO_WM_BEAUTIFY_FLAG" val="#wm#"/>
-</p:tagLst>
-</file>
-
-<file path=ppt/tags/tag62.xml><?xml version="1.0" encoding="utf-8"?>
-<p:tagLst xmlns:p="http://schemas.openxmlformats.org/presentationml/2006/main">
+<p:tagLst xmlns:a="http://schemas.openxmlformats.org/drawingml/2006/main" xmlns:r="http://schemas.openxmlformats.org/officeDocument/2006/relationships" xmlns:p="http://schemas.openxmlformats.org/presentationml/2006/main">
   <p:tag name="KSO_WM_TEMPLATE_THUMBS_INDEX" val="1、4、7、12、13、14、15、16、17、18、20、24、25、28、33、36、40、43、44"/>
   <p:tag name="KSO_WM_TEMPLATE_SUBCATEGORY" val="19"/>
   <p:tag name="KSO_WM_TAG_VERSION" val="1.0"/>
@@ -5221,105 +3676,678 @@
 </p:tagLst>
 </file>
 
+<file path=ppt/tags/tag20.xml><?xml version="1.0" encoding="utf-8"?>
+<p:tagLst xmlns:a="http://schemas.openxmlformats.org/drawingml/2006/main" xmlns:r="http://schemas.openxmlformats.org/officeDocument/2006/relationships" xmlns:p="http://schemas.openxmlformats.org/presentationml/2006/main">
+  <p:tag name="KSO_WM_UNIT_HIGHLIGHT" val="0"/>
+  <p:tag name="KSO_WM_UNIT_COMPATIBLE" val="0"/>
+  <p:tag name="KSO_WM_UNIT_DIAGRAM_ISNUMVISUAL" val="0"/>
+  <p:tag name="KSO_WM_UNIT_DIAGRAM_ISREFERUNIT" val="0"/>
+  <p:tag name="KSO_WM_UNIT_ID" val="_3**"/>
+  <p:tag name="KSO_WM_UNIT_LAYERLEVEL" val="1"/>
+  <p:tag name="KSO_WM_TAG_VERSION" val="1.0"/>
+  <p:tag name="KSO_WM_BEAUTIFY_FLAG" val="#wm#"/>
+</p:tagLst>
+</file>
+
+<file path=ppt/tags/tag21.xml><?xml version="1.0" encoding="utf-8"?>
+<p:tagLst xmlns:a="http://schemas.openxmlformats.org/drawingml/2006/main" xmlns:r="http://schemas.openxmlformats.org/officeDocument/2006/relationships" xmlns:p="http://schemas.openxmlformats.org/presentationml/2006/main">
+  <p:tag name="KSO_WM_UNIT_HIGHLIGHT" val="0"/>
+  <p:tag name="KSO_WM_UNIT_COMPATIBLE" val="0"/>
+  <p:tag name="KSO_WM_UNIT_DIAGRAM_ISNUMVISUAL" val="0"/>
+  <p:tag name="KSO_WM_UNIT_DIAGRAM_ISREFERUNIT" val="0"/>
+  <p:tag name="KSO_WM_UNIT_ID" val="_3**"/>
+  <p:tag name="KSO_WM_UNIT_LAYERLEVEL" val="1"/>
+  <p:tag name="KSO_WM_TAG_VERSION" val="1.0"/>
+  <p:tag name="KSO_WM_BEAUTIFY_FLAG" val="#wm#"/>
+</p:tagLst>
+</file>
+
+<file path=ppt/tags/tag22.xml><?xml version="1.0" encoding="utf-8"?>
+<p:tagLst xmlns:a="http://schemas.openxmlformats.org/drawingml/2006/main" xmlns:r="http://schemas.openxmlformats.org/officeDocument/2006/relationships" xmlns:p="http://schemas.openxmlformats.org/presentationml/2006/main">
+  <p:tag name="KSO_WM_UNIT_HIGHLIGHT" val="0"/>
+  <p:tag name="KSO_WM_UNIT_COMPATIBLE" val="0"/>
+  <p:tag name="KSO_WM_UNIT_DIAGRAM_ISNUMVISUAL" val="0"/>
+  <p:tag name="KSO_WM_UNIT_DIAGRAM_ISREFERUNIT" val="0"/>
+  <p:tag name="KSO_WM_UNIT_ID" val="_3**"/>
+  <p:tag name="KSO_WM_UNIT_LAYERLEVEL" val="1"/>
+  <p:tag name="KSO_WM_TAG_VERSION" val="1.0"/>
+  <p:tag name="KSO_WM_BEAUTIFY_FLAG" val="#wm#"/>
+</p:tagLst>
+</file>
+
+<file path=ppt/tags/tag23.xml><?xml version="1.0" encoding="utf-8"?>
+<p:tagLst xmlns:a="http://schemas.openxmlformats.org/drawingml/2006/main" xmlns:r="http://schemas.openxmlformats.org/officeDocument/2006/relationships" xmlns:p="http://schemas.openxmlformats.org/presentationml/2006/main">
+  <p:tag name="KSO_WM_UNIT_HIGHLIGHT" val="0"/>
+  <p:tag name="KSO_WM_UNIT_COMPATIBLE" val="0"/>
+  <p:tag name="KSO_WM_UNIT_DIAGRAM_ISNUMVISUAL" val="0"/>
+  <p:tag name="KSO_WM_UNIT_DIAGRAM_ISREFERUNIT" val="0"/>
+  <p:tag name="KSO_WM_UNIT_ID" val="_4**"/>
+  <p:tag name="KSO_WM_UNIT_LAYERLEVEL" val="1"/>
+  <p:tag name="KSO_WM_TAG_VERSION" val="1.0"/>
+  <p:tag name="KSO_WM_BEAUTIFY_FLAG" val="#wm#"/>
+</p:tagLst>
+</file>
+
+<file path=ppt/tags/tag24.xml><?xml version="1.0" encoding="utf-8"?>
+<p:tagLst xmlns:a="http://schemas.openxmlformats.org/drawingml/2006/main" xmlns:r="http://schemas.openxmlformats.org/officeDocument/2006/relationships" xmlns:p="http://schemas.openxmlformats.org/presentationml/2006/main">
+  <p:tag name="KSO_WM_UNIT_HIGHLIGHT" val="0"/>
+  <p:tag name="KSO_WM_UNIT_COMPATIBLE" val="0"/>
+  <p:tag name="KSO_WM_UNIT_DIAGRAM_ISNUMVISUAL" val="0"/>
+  <p:tag name="KSO_WM_UNIT_DIAGRAM_ISREFERUNIT" val="0"/>
+  <p:tag name="KSO_WM_UNIT_ID" val="_4**"/>
+  <p:tag name="KSO_WM_UNIT_LAYERLEVEL" val="1"/>
+  <p:tag name="KSO_WM_TAG_VERSION" val="1.0"/>
+  <p:tag name="KSO_WM_BEAUTIFY_FLAG" val="#wm#"/>
+</p:tagLst>
+</file>
+
+<file path=ppt/tags/tag25.xml><?xml version="1.0" encoding="utf-8"?>
+<p:tagLst xmlns:a="http://schemas.openxmlformats.org/drawingml/2006/main" xmlns:r="http://schemas.openxmlformats.org/officeDocument/2006/relationships" xmlns:p="http://schemas.openxmlformats.org/presentationml/2006/main">
+  <p:tag name="KSO_WM_UNIT_HIGHLIGHT" val="0"/>
+  <p:tag name="KSO_WM_UNIT_COMPATIBLE" val="0"/>
+  <p:tag name="KSO_WM_UNIT_DIAGRAM_ISNUMVISUAL" val="0"/>
+  <p:tag name="KSO_WM_UNIT_DIAGRAM_ISREFERUNIT" val="0"/>
+  <p:tag name="KSO_WM_UNIT_ID" val="_4**"/>
+  <p:tag name="KSO_WM_UNIT_LAYERLEVEL" val="1"/>
+  <p:tag name="KSO_WM_TAG_VERSION" val="1.0"/>
+  <p:tag name="KSO_WM_BEAUTIFY_FLAG" val="#wm#"/>
+</p:tagLst>
+</file>
+
+<file path=ppt/tags/tag26.xml><?xml version="1.0" encoding="utf-8"?>
+<p:tagLst xmlns:a="http://schemas.openxmlformats.org/drawingml/2006/main" xmlns:r="http://schemas.openxmlformats.org/officeDocument/2006/relationships" xmlns:p="http://schemas.openxmlformats.org/presentationml/2006/main">
+  <p:tag name="KSO_WM_UNIT_HIGHLIGHT" val="0"/>
+  <p:tag name="KSO_WM_UNIT_COMPATIBLE" val="0"/>
+  <p:tag name="KSO_WM_UNIT_DIAGRAM_ISNUMVISUAL" val="0"/>
+  <p:tag name="KSO_WM_UNIT_DIAGRAM_ISREFERUNIT" val="0"/>
+  <p:tag name="KSO_WM_UNIT_ID" val="_4**"/>
+  <p:tag name="KSO_WM_UNIT_LAYERLEVEL" val="1"/>
+  <p:tag name="KSO_WM_TAG_VERSION" val="1.0"/>
+  <p:tag name="KSO_WM_BEAUTIFY_FLAG" val="#wm#"/>
+</p:tagLst>
+</file>
+
+<file path=ppt/tags/tag27.xml><?xml version="1.0" encoding="utf-8"?>
+<p:tagLst xmlns:a="http://schemas.openxmlformats.org/drawingml/2006/main" xmlns:r="http://schemas.openxmlformats.org/officeDocument/2006/relationships" xmlns:p="http://schemas.openxmlformats.org/presentationml/2006/main">
+  <p:tag name="KSO_WM_UNIT_HIGHLIGHT" val="0"/>
+  <p:tag name="KSO_WM_UNIT_COMPATIBLE" val="0"/>
+  <p:tag name="KSO_WM_UNIT_DIAGRAM_ISNUMVISUAL" val="0"/>
+  <p:tag name="KSO_WM_UNIT_DIAGRAM_ISREFERUNIT" val="0"/>
+  <p:tag name="KSO_WM_UNIT_ID" val="_4**"/>
+  <p:tag name="KSO_WM_UNIT_LAYERLEVEL" val="1"/>
+  <p:tag name="KSO_WM_TAG_VERSION" val="1.0"/>
+  <p:tag name="KSO_WM_BEAUTIFY_FLAG" val="#wm#"/>
+</p:tagLst>
+</file>
+
+<file path=ppt/tags/tag28.xml><?xml version="1.0" encoding="utf-8"?>
+<p:tagLst xmlns:a="http://schemas.openxmlformats.org/drawingml/2006/main" xmlns:r="http://schemas.openxmlformats.org/officeDocument/2006/relationships" xmlns:p="http://schemas.openxmlformats.org/presentationml/2006/main">
+  <p:tag name="KSO_WM_UNIT_HIGHLIGHT" val="0"/>
+  <p:tag name="KSO_WM_UNIT_COMPATIBLE" val="0"/>
+  <p:tag name="KSO_WM_UNIT_DIAGRAM_ISNUMVISUAL" val="0"/>
+  <p:tag name="KSO_WM_UNIT_DIAGRAM_ISREFERUNIT" val="0"/>
+  <p:tag name="KSO_WM_UNIT_ID" val="_4**"/>
+  <p:tag name="KSO_WM_UNIT_LAYERLEVEL" val="1"/>
+  <p:tag name="KSO_WM_TAG_VERSION" val="1.0"/>
+  <p:tag name="KSO_WM_BEAUTIFY_FLAG" val="#wm#"/>
+</p:tagLst>
+</file>
+
+<file path=ppt/tags/tag29.xml><?xml version="1.0" encoding="utf-8"?>
+<p:tagLst xmlns:a="http://schemas.openxmlformats.org/drawingml/2006/main" xmlns:r="http://schemas.openxmlformats.org/officeDocument/2006/relationships" xmlns:p="http://schemas.openxmlformats.org/presentationml/2006/main">
+  <p:tag name="KSO_WM_UNIT_HIGHLIGHT" val="0"/>
+  <p:tag name="KSO_WM_UNIT_COMPATIBLE" val="0"/>
+  <p:tag name="KSO_WM_UNIT_DIAGRAM_ISNUMVISUAL" val="0"/>
+  <p:tag name="KSO_WM_UNIT_DIAGRAM_ISREFERUNIT" val="0"/>
+  <p:tag name="KSO_WM_UNIT_ID" val="_5**"/>
+  <p:tag name="KSO_WM_UNIT_LAYERLEVEL" val="1"/>
+  <p:tag name="KSO_WM_TAG_VERSION" val="1.0"/>
+  <p:tag name="KSO_WM_BEAUTIFY_FLAG" val="#wm#"/>
+</p:tagLst>
+</file>
+
+<file path=ppt/tags/tag3.xml><?xml version="1.0" encoding="utf-8"?>
+<p:tagLst xmlns:a="http://schemas.openxmlformats.org/drawingml/2006/main" xmlns:r="http://schemas.openxmlformats.org/officeDocument/2006/relationships" xmlns:p="http://schemas.openxmlformats.org/presentationml/2006/main">
+  <p:tag name="KSO_WM_UNIT_HIGHLIGHT" val="0"/>
+  <p:tag name="KSO_WM_UNIT_COMPATIBLE" val="0"/>
+  <p:tag name="KSO_WM_UNIT_DIAGRAM_ISNUMVISUAL" val="0"/>
+  <p:tag name="KSO_WM_UNIT_DIAGRAM_ISREFERUNIT" val="0"/>
+  <p:tag name="KSO_WM_UNIT_ID" val="_0**"/>
+  <p:tag name="KSO_WM_UNIT_LAYERLEVEL" val="1"/>
+  <p:tag name="KSO_WM_TAG_VERSION" val="1.0"/>
+  <p:tag name="KSO_WM_BEAUTIFY_FLAG" val="#wm#"/>
+  <p:tag name="KSO_WM_TEMPLATE_CATEGORY" val="custom"/>
+  <p:tag name="KSO_WM_TEMPLATE_INDEX" val="20205081"/>
+</p:tagLst>
+</file>
+
+<file path=ppt/tags/tag30.xml><?xml version="1.0" encoding="utf-8"?>
+<p:tagLst xmlns:a="http://schemas.openxmlformats.org/drawingml/2006/main" xmlns:r="http://schemas.openxmlformats.org/officeDocument/2006/relationships" xmlns:p="http://schemas.openxmlformats.org/presentationml/2006/main">
+  <p:tag name="KSO_WM_UNIT_HIGHLIGHT" val="0"/>
+  <p:tag name="KSO_WM_UNIT_COMPATIBLE" val="0"/>
+  <p:tag name="KSO_WM_UNIT_DIAGRAM_ISNUMVISUAL" val="0"/>
+  <p:tag name="KSO_WM_UNIT_DIAGRAM_ISREFERUNIT" val="0"/>
+  <p:tag name="KSO_WM_UNIT_ID" val="_5**"/>
+  <p:tag name="KSO_WM_UNIT_LAYERLEVEL" val="1"/>
+  <p:tag name="KSO_WM_TAG_VERSION" val="1.0"/>
+  <p:tag name="KSO_WM_BEAUTIFY_FLAG" val="#wm#"/>
+</p:tagLst>
+</file>
+
+<file path=ppt/tags/tag31.xml><?xml version="1.0" encoding="utf-8"?>
+<p:tagLst xmlns:a="http://schemas.openxmlformats.org/drawingml/2006/main" xmlns:r="http://schemas.openxmlformats.org/officeDocument/2006/relationships" xmlns:p="http://schemas.openxmlformats.org/presentationml/2006/main">
+  <p:tag name="KSO_WM_UNIT_HIGHLIGHT" val="0"/>
+  <p:tag name="KSO_WM_UNIT_COMPATIBLE" val="0"/>
+  <p:tag name="KSO_WM_UNIT_DIAGRAM_ISNUMVISUAL" val="0"/>
+  <p:tag name="KSO_WM_UNIT_DIAGRAM_ISREFERUNIT" val="0"/>
+  <p:tag name="KSO_WM_UNIT_ID" val="_5**"/>
+  <p:tag name="KSO_WM_UNIT_LAYERLEVEL" val="1"/>
+  <p:tag name="KSO_WM_TAG_VERSION" val="1.0"/>
+  <p:tag name="KSO_WM_BEAUTIFY_FLAG" val="#wm#"/>
+</p:tagLst>
+</file>
+
+<file path=ppt/tags/tag32.xml><?xml version="1.0" encoding="utf-8"?>
+<p:tagLst xmlns:a="http://schemas.openxmlformats.org/drawingml/2006/main" xmlns:r="http://schemas.openxmlformats.org/officeDocument/2006/relationships" xmlns:p="http://schemas.openxmlformats.org/presentationml/2006/main">
+  <p:tag name="KSO_WM_UNIT_HIGHLIGHT" val="0"/>
+  <p:tag name="KSO_WM_UNIT_COMPATIBLE" val="0"/>
+  <p:tag name="KSO_WM_UNIT_DIAGRAM_ISNUMVISUAL" val="0"/>
+  <p:tag name="KSO_WM_UNIT_DIAGRAM_ISREFERUNIT" val="0"/>
+  <p:tag name="KSO_WM_UNIT_ID" val="_5**"/>
+  <p:tag name="KSO_WM_UNIT_LAYERLEVEL" val="1"/>
+  <p:tag name="KSO_WM_TAG_VERSION" val="1.0"/>
+  <p:tag name="KSO_WM_BEAUTIFY_FLAG" val="#wm#"/>
+</p:tagLst>
+</file>
+
+<file path=ppt/tags/tag33.xml><?xml version="1.0" encoding="utf-8"?>
+<p:tagLst xmlns:a="http://schemas.openxmlformats.org/drawingml/2006/main" xmlns:r="http://schemas.openxmlformats.org/officeDocument/2006/relationships" xmlns:p="http://schemas.openxmlformats.org/presentationml/2006/main">
+  <p:tag name="KSO_WM_UNIT_HIGHLIGHT" val="0"/>
+  <p:tag name="KSO_WM_UNIT_COMPATIBLE" val="0"/>
+  <p:tag name="KSO_WM_UNIT_DIAGRAM_ISNUMVISUAL" val="0"/>
+  <p:tag name="KSO_WM_UNIT_DIAGRAM_ISREFERUNIT" val="0"/>
+  <p:tag name="KSO_WM_UNIT_ID" val="_5**"/>
+  <p:tag name="KSO_WM_UNIT_LAYERLEVEL" val="1"/>
+  <p:tag name="KSO_WM_TAG_VERSION" val="1.0"/>
+  <p:tag name="KSO_WM_BEAUTIFY_FLAG" val="#wm#"/>
+</p:tagLst>
+</file>
+
+<file path=ppt/tags/tag34.xml><?xml version="1.0" encoding="utf-8"?>
+<p:tagLst xmlns:a="http://schemas.openxmlformats.org/drawingml/2006/main" xmlns:r="http://schemas.openxmlformats.org/officeDocument/2006/relationships" xmlns:p="http://schemas.openxmlformats.org/presentationml/2006/main">
+  <p:tag name="KSO_WM_UNIT_HIGHLIGHT" val="0"/>
+  <p:tag name="KSO_WM_UNIT_COMPATIBLE" val="0"/>
+  <p:tag name="KSO_WM_UNIT_DIAGRAM_ISNUMVISUAL" val="0"/>
+  <p:tag name="KSO_WM_UNIT_DIAGRAM_ISREFERUNIT" val="0"/>
+  <p:tag name="KSO_WM_UNIT_ID" val="_5**"/>
+  <p:tag name="KSO_WM_UNIT_LAYERLEVEL" val="1"/>
+  <p:tag name="KSO_WM_TAG_VERSION" val="1.0"/>
+  <p:tag name="KSO_WM_BEAUTIFY_FLAG" val="#wm#"/>
+</p:tagLst>
+</file>
+
+<file path=ppt/tags/tag35.xml><?xml version="1.0" encoding="utf-8"?>
+<p:tagLst xmlns:a="http://schemas.openxmlformats.org/drawingml/2006/main" xmlns:r="http://schemas.openxmlformats.org/officeDocument/2006/relationships" xmlns:p="http://schemas.openxmlformats.org/presentationml/2006/main">
+  <p:tag name="KSO_WM_UNIT_HIGHLIGHT" val="0"/>
+  <p:tag name="KSO_WM_UNIT_COMPATIBLE" val="0"/>
+  <p:tag name="KSO_WM_UNIT_DIAGRAM_ISNUMVISUAL" val="0"/>
+  <p:tag name="KSO_WM_UNIT_DIAGRAM_ISREFERUNIT" val="0"/>
+  <p:tag name="KSO_WM_UNIT_ID" val="_5**"/>
+  <p:tag name="KSO_WM_UNIT_LAYERLEVEL" val="1"/>
+  <p:tag name="KSO_WM_TAG_VERSION" val="1.0"/>
+  <p:tag name="KSO_WM_BEAUTIFY_FLAG" val="#wm#"/>
+</p:tagLst>
+</file>
+
+<file path=ppt/tags/tag36.xml><?xml version="1.0" encoding="utf-8"?>
+<p:tagLst xmlns:a="http://schemas.openxmlformats.org/drawingml/2006/main" xmlns:r="http://schemas.openxmlformats.org/officeDocument/2006/relationships" xmlns:p="http://schemas.openxmlformats.org/presentationml/2006/main">
+  <p:tag name="KSO_WM_UNIT_HIGHLIGHT" val="0"/>
+  <p:tag name="KSO_WM_UNIT_COMPATIBLE" val="0"/>
+  <p:tag name="KSO_WM_UNIT_DIAGRAM_ISNUMVISUAL" val="0"/>
+  <p:tag name="KSO_WM_UNIT_DIAGRAM_ISREFERUNIT" val="0"/>
+  <p:tag name="KSO_WM_UNIT_ID" val="_5**"/>
+  <p:tag name="KSO_WM_UNIT_LAYERLEVEL" val="1"/>
+  <p:tag name="KSO_WM_TAG_VERSION" val="1.0"/>
+  <p:tag name="KSO_WM_BEAUTIFY_FLAG" val="#wm#"/>
+</p:tagLst>
+</file>
+
+<file path=ppt/tags/tag37.xml><?xml version="1.0" encoding="utf-8"?>
+<p:tagLst xmlns:a="http://schemas.openxmlformats.org/drawingml/2006/main" xmlns:r="http://schemas.openxmlformats.org/officeDocument/2006/relationships" xmlns:p="http://schemas.openxmlformats.org/presentationml/2006/main">
+  <p:tag name="KSO_WM_UNIT_HIGHLIGHT" val="0"/>
+  <p:tag name="KSO_WM_UNIT_COMPATIBLE" val="0"/>
+  <p:tag name="KSO_WM_UNIT_DIAGRAM_ISNUMVISUAL" val="0"/>
+  <p:tag name="KSO_WM_UNIT_DIAGRAM_ISREFERUNIT" val="0"/>
+  <p:tag name="KSO_WM_UNIT_ID" val="_6**"/>
+  <p:tag name="KSO_WM_UNIT_LAYERLEVEL" val="1"/>
+  <p:tag name="KSO_WM_TAG_VERSION" val="1.0"/>
+  <p:tag name="KSO_WM_BEAUTIFY_FLAG" val="#wm#"/>
+</p:tagLst>
+</file>
+
+<file path=ppt/tags/tag38.xml><?xml version="1.0" encoding="utf-8"?>
+<p:tagLst xmlns:a="http://schemas.openxmlformats.org/drawingml/2006/main" xmlns:r="http://schemas.openxmlformats.org/officeDocument/2006/relationships" xmlns:p="http://schemas.openxmlformats.org/presentationml/2006/main">
+  <p:tag name="KSO_WM_UNIT_HIGHLIGHT" val="0"/>
+  <p:tag name="KSO_WM_UNIT_COMPATIBLE" val="0"/>
+  <p:tag name="KSO_WM_UNIT_DIAGRAM_ISNUMVISUAL" val="0"/>
+  <p:tag name="KSO_WM_UNIT_DIAGRAM_ISREFERUNIT" val="0"/>
+  <p:tag name="KSO_WM_UNIT_ID" val="_6**"/>
+  <p:tag name="KSO_WM_UNIT_LAYERLEVEL" val="1"/>
+  <p:tag name="KSO_WM_TAG_VERSION" val="1.0"/>
+  <p:tag name="KSO_WM_BEAUTIFY_FLAG" val="#wm#"/>
+</p:tagLst>
+</file>
+
+<file path=ppt/tags/tag39.xml><?xml version="1.0" encoding="utf-8"?>
+<p:tagLst xmlns:a="http://schemas.openxmlformats.org/drawingml/2006/main" xmlns:r="http://schemas.openxmlformats.org/officeDocument/2006/relationships" xmlns:p="http://schemas.openxmlformats.org/presentationml/2006/main">
+  <p:tag name="KSO_WM_UNIT_HIGHLIGHT" val="0"/>
+  <p:tag name="KSO_WM_UNIT_COMPATIBLE" val="0"/>
+  <p:tag name="KSO_WM_UNIT_DIAGRAM_ISNUMVISUAL" val="0"/>
+  <p:tag name="KSO_WM_UNIT_DIAGRAM_ISREFERUNIT" val="0"/>
+  <p:tag name="KSO_WM_UNIT_ID" val="_6**"/>
+  <p:tag name="KSO_WM_UNIT_LAYERLEVEL" val="1"/>
+  <p:tag name="KSO_WM_TAG_VERSION" val="1.0"/>
+  <p:tag name="KSO_WM_BEAUTIFY_FLAG" val="#wm#"/>
+</p:tagLst>
+</file>
+
+<file path=ppt/tags/tag4.xml><?xml version="1.0" encoding="utf-8"?>
+<p:tagLst xmlns:a="http://schemas.openxmlformats.org/drawingml/2006/main" xmlns:r="http://schemas.openxmlformats.org/officeDocument/2006/relationships" xmlns:p="http://schemas.openxmlformats.org/presentationml/2006/main">
+  <p:tag name="KSO_WM_UNIT_HIGHLIGHT" val="0"/>
+  <p:tag name="KSO_WM_UNIT_COMPATIBLE" val="0"/>
+  <p:tag name="KSO_WM_UNIT_DIAGRAM_ISNUMVISUAL" val="0"/>
+  <p:tag name="KSO_WM_UNIT_DIAGRAM_ISREFERUNIT" val="0"/>
+  <p:tag name="KSO_WM_UNIT_ID" val="_0**"/>
+  <p:tag name="KSO_WM_UNIT_LAYERLEVEL" val="1"/>
+  <p:tag name="KSO_WM_TAG_VERSION" val="1.0"/>
+  <p:tag name="KSO_WM_BEAUTIFY_FLAG" val="#wm#"/>
+  <p:tag name="KSO_WM_TEMPLATE_CATEGORY" val="custom"/>
+  <p:tag name="KSO_WM_TEMPLATE_INDEX" val="20205081"/>
+</p:tagLst>
+</file>
+
+<file path=ppt/tags/tag40.xml><?xml version="1.0" encoding="utf-8"?>
+<p:tagLst xmlns:a="http://schemas.openxmlformats.org/drawingml/2006/main" xmlns:r="http://schemas.openxmlformats.org/officeDocument/2006/relationships" xmlns:p="http://schemas.openxmlformats.org/presentationml/2006/main">
+  <p:tag name="KSO_WM_UNIT_HIGHLIGHT" val="0"/>
+  <p:tag name="KSO_WM_UNIT_COMPATIBLE" val="0"/>
+  <p:tag name="KSO_WM_UNIT_DIAGRAM_ISNUMVISUAL" val="0"/>
+  <p:tag name="KSO_WM_UNIT_DIAGRAM_ISREFERUNIT" val="0"/>
+  <p:tag name="KSO_WM_UNIT_ID" val="_6**"/>
+  <p:tag name="KSO_WM_UNIT_LAYERLEVEL" val="1"/>
+  <p:tag name="KSO_WM_TAG_VERSION" val="1.0"/>
+  <p:tag name="KSO_WM_BEAUTIFY_FLAG" val="#wm#"/>
+</p:tagLst>
+</file>
+
+<file path=ppt/tags/tag41.xml><?xml version="1.0" encoding="utf-8"?>
+<p:tagLst xmlns:a="http://schemas.openxmlformats.org/drawingml/2006/main" xmlns:r="http://schemas.openxmlformats.org/officeDocument/2006/relationships" xmlns:p="http://schemas.openxmlformats.org/presentationml/2006/main">
+  <p:tag name="KSO_WM_UNIT_HIGHLIGHT" val="0"/>
+  <p:tag name="KSO_WM_UNIT_COMPATIBLE" val="0"/>
+  <p:tag name="KSO_WM_UNIT_DIAGRAM_ISNUMVISUAL" val="0"/>
+  <p:tag name="KSO_WM_UNIT_DIAGRAM_ISREFERUNIT" val="0"/>
+  <p:tag name="KSO_WM_UNIT_ID" val="_7**"/>
+  <p:tag name="KSO_WM_UNIT_LAYERLEVEL" val="1"/>
+  <p:tag name="KSO_WM_TAG_VERSION" val="1.0"/>
+  <p:tag name="KSO_WM_BEAUTIFY_FLAG" val="#wm#"/>
+</p:tagLst>
+</file>
+
+<file path=ppt/tags/tag42.xml><?xml version="1.0" encoding="utf-8"?>
+<p:tagLst xmlns:a="http://schemas.openxmlformats.org/drawingml/2006/main" xmlns:r="http://schemas.openxmlformats.org/officeDocument/2006/relationships" xmlns:p="http://schemas.openxmlformats.org/presentationml/2006/main">
+  <p:tag name="KSO_WM_UNIT_HIGHLIGHT" val="0"/>
+  <p:tag name="KSO_WM_UNIT_COMPATIBLE" val="0"/>
+  <p:tag name="KSO_WM_UNIT_DIAGRAM_ISNUMVISUAL" val="0"/>
+  <p:tag name="KSO_WM_UNIT_DIAGRAM_ISREFERUNIT" val="0"/>
+  <p:tag name="KSO_WM_UNIT_ID" val="_7**"/>
+  <p:tag name="KSO_WM_UNIT_LAYERLEVEL" val="1"/>
+  <p:tag name="KSO_WM_TAG_VERSION" val="1.0"/>
+  <p:tag name="KSO_WM_BEAUTIFY_FLAG" val="#wm#"/>
+</p:tagLst>
+</file>
+
+<file path=ppt/tags/tag43.xml><?xml version="1.0" encoding="utf-8"?>
+<p:tagLst xmlns:a="http://schemas.openxmlformats.org/drawingml/2006/main" xmlns:r="http://schemas.openxmlformats.org/officeDocument/2006/relationships" xmlns:p="http://schemas.openxmlformats.org/presentationml/2006/main">
+  <p:tag name="KSO_WM_UNIT_HIGHLIGHT" val="0"/>
+  <p:tag name="KSO_WM_UNIT_COMPATIBLE" val="0"/>
+  <p:tag name="KSO_WM_UNIT_DIAGRAM_ISNUMVISUAL" val="0"/>
+  <p:tag name="KSO_WM_UNIT_DIAGRAM_ISREFERUNIT" val="0"/>
+  <p:tag name="KSO_WM_UNIT_ID" val="_7**"/>
+  <p:tag name="KSO_WM_UNIT_LAYERLEVEL" val="1"/>
+  <p:tag name="KSO_WM_TAG_VERSION" val="1.0"/>
+  <p:tag name="KSO_WM_BEAUTIFY_FLAG" val="#wm#"/>
+</p:tagLst>
+</file>
+
+<file path=ppt/tags/tag44.xml><?xml version="1.0" encoding="utf-8"?>
+<p:tagLst xmlns:a="http://schemas.openxmlformats.org/drawingml/2006/main" xmlns:r="http://schemas.openxmlformats.org/officeDocument/2006/relationships" xmlns:p="http://schemas.openxmlformats.org/presentationml/2006/main">
+  <p:tag name="KSO_WM_UNIT_HIGHLIGHT" val="0"/>
+  <p:tag name="KSO_WM_UNIT_COMPATIBLE" val="0"/>
+  <p:tag name="KSO_WM_UNIT_DIAGRAM_ISNUMVISUAL" val="0"/>
+  <p:tag name="KSO_WM_UNIT_DIAGRAM_ISREFERUNIT" val="0"/>
+  <p:tag name="KSO_WM_UNIT_ID" val="_8**"/>
+  <p:tag name="KSO_WM_UNIT_LAYERLEVEL" val="1"/>
+  <p:tag name="KSO_WM_TAG_VERSION" val="1.0"/>
+  <p:tag name="KSO_WM_BEAUTIFY_FLAG" val="#wm#"/>
+</p:tagLst>
+</file>
+
+<file path=ppt/tags/tag45.xml><?xml version="1.0" encoding="utf-8"?>
+<p:tagLst xmlns:a="http://schemas.openxmlformats.org/drawingml/2006/main" xmlns:r="http://schemas.openxmlformats.org/officeDocument/2006/relationships" xmlns:p="http://schemas.openxmlformats.org/presentationml/2006/main">
+  <p:tag name="KSO_WM_UNIT_HIGHLIGHT" val="0"/>
+  <p:tag name="KSO_WM_UNIT_COMPATIBLE" val="0"/>
+  <p:tag name="KSO_WM_UNIT_DIAGRAM_ISNUMVISUAL" val="0"/>
+  <p:tag name="KSO_WM_UNIT_DIAGRAM_ISREFERUNIT" val="0"/>
+  <p:tag name="KSO_WM_UNIT_ID" val="_8**"/>
+  <p:tag name="KSO_WM_UNIT_LAYERLEVEL" val="1"/>
+  <p:tag name="KSO_WM_TAG_VERSION" val="1.0"/>
+  <p:tag name="KSO_WM_BEAUTIFY_FLAG" val="#wm#"/>
+</p:tagLst>
+</file>
+
+<file path=ppt/tags/tag46.xml><?xml version="1.0" encoding="utf-8"?>
+<p:tagLst xmlns:a="http://schemas.openxmlformats.org/drawingml/2006/main" xmlns:r="http://schemas.openxmlformats.org/officeDocument/2006/relationships" xmlns:p="http://schemas.openxmlformats.org/presentationml/2006/main">
+  <p:tag name="KSO_WM_UNIT_HIGHLIGHT" val="0"/>
+  <p:tag name="KSO_WM_UNIT_COMPATIBLE" val="0"/>
+  <p:tag name="KSO_WM_UNIT_DIAGRAM_ISNUMVISUAL" val="0"/>
+  <p:tag name="KSO_WM_UNIT_DIAGRAM_ISREFERUNIT" val="0"/>
+  <p:tag name="KSO_WM_UNIT_ID" val="_8**"/>
+  <p:tag name="KSO_WM_UNIT_LAYERLEVEL" val="1"/>
+  <p:tag name="KSO_WM_TAG_VERSION" val="1.0"/>
+  <p:tag name="KSO_WM_BEAUTIFY_FLAG" val="#wm#"/>
+</p:tagLst>
+</file>
+
+<file path=ppt/tags/tag47.xml><?xml version="1.0" encoding="utf-8"?>
+<p:tagLst xmlns:a="http://schemas.openxmlformats.org/drawingml/2006/main" xmlns:r="http://schemas.openxmlformats.org/officeDocument/2006/relationships" xmlns:p="http://schemas.openxmlformats.org/presentationml/2006/main">
+  <p:tag name="KSO_WM_UNIT_HIGHLIGHT" val="0"/>
+  <p:tag name="KSO_WM_UNIT_COMPATIBLE" val="0"/>
+  <p:tag name="KSO_WM_UNIT_DIAGRAM_ISNUMVISUAL" val="0"/>
+  <p:tag name="KSO_WM_UNIT_DIAGRAM_ISREFERUNIT" val="0"/>
+  <p:tag name="KSO_WM_UNIT_ID" val="_8**"/>
+  <p:tag name="KSO_WM_UNIT_LAYERLEVEL" val="1"/>
+  <p:tag name="KSO_WM_TAG_VERSION" val="1.0"/>
+  <p:tag name="KSO_WM_BEAUTIFY_FLAG" val="#wm#"/>
+</p:tagLst>
+</file>
+
+<file path=ppt/tags/tag48.xml><?xml version="1.0" encoding="utf-8"?>
+<p:tagLst xmlns:a="http://schemas.openxmlformats.org/drawingml/2006/main" xmlns:r="http://schemas.openxmlformats.org/officeDocument/2006/relationships" xmlns:p="http://schemas.openxmlformats.org/presentationml/2006/main">
+  <p:tag name="KSO_WM_UNIT_HIGHLIGHT" val="0"/>
+  <p:tag name="KSO_WM_UNIT_COMPATIBLE" val="0"/>
+  <p:tag name="KSO_WM_UNIT_DIAGRAM_ISNUMVISUAL" val="0"/>
+  <p:tag name="KSO_WM_UNIT_DIAGRAM_ISREFERUNIT" val="0"/>
+  <p:tag name="KSO_WM_UNIT_ID" val="_8**"/>
+  <p:tag name="KSO_WM_UNIT_LAYERLEVEL" val="1"/>
+  <p:tag name="KSO_WM_TAG_VERSION" val="1.0"/>
+  <p:tag name="KSO_WM_BEAUTIFY_FLAG" val="#wm#"/>
+</p:tagLst>
+</file>
+
+<file path=ppt/tags/tag49.xml><?xml version="1.0" encoding="utf-8"?>
+<p:tagLst xmlns:a="http://schemas.openxmlformats.org/drawingml/2006/main" xmlns:r="http://schemas.openxmlformats.org/officeDocument/2006/relationships" xmlns:p="http://schemas.openxmlformats.org/presentationml/2006/main">
+  <p:tag name="KSO_WM_UNIT_HIGHLIGHT" val="0"/>
+  <p:tag name="KSO_WM_UNIT_COMPATIBLE" val="0"/>
+  <p:tag name="KSO_WM_UNIT_DIAGRAM_ISNUMVISUAL" val="0"/>
+  <p:tag name="KSO_WM_UNIT_DIAGRAM_ISREFERUNIT" val="0"/>
+  <p:tag name="KSO_WM_UNIT_ID" val="_8**"/>
+  <p:tag name="KSO_WM_UNIT_LAYERLEVEL" val="1"/>
+  <p:tag name="KSO_WM_TAG_VERSION" val="1.0"/>
+  <p:tag name="KSO_WM_BEAUTIFY_FLAG" val="#wm#"/>
+</p:tagLst>
+</file>
+
+<file path=ppt/tags/tag5.xml><?xml version="1.0" encoding="utf-8"?>
+<p:tagLst xmlns:a="http://schemas.openxmlformats.org/drawingml/2006/main" xmlns:r="http://schemas.openxmlformats.org/officeDocument/2006/relationships" xmlns:p="http://schemas.openxmlformats.org/presentationml/2006/main">
+  <p:tag name="KSO_WM_UNIT_HIGHLIGHT" val="0"/>
+  <p:tag name="KSO_WM_UNIT_COMPATIBLE" val="0"/>
+  <p:tag name="KSO_WM_UNIT_DIAGRAM_ISNUMVISUAL" val="0"/>
+  <p:tag name="KSO_WM_UNIT_DIAGRAM_ISREFERUNIT" val="0"/>
+  <p:tag name="KSO_WM_UNIT_ID" val="_0**"/>
+  <p:tag name="KSO_WM_UNIT_LAYERLEVEL" val="1"/>
+  <p:tag name="KSO_WM_TAG_VERSION" val="1.0"/>
+  <p:tag name="KSO_WM_BEAUTIFY_FLAG" val="#wm#"/>
+</p:tagLst>
+</file>
+
+<file path=ppt/tags/tag50.xml><?xml version="1.0" encoding="utf-8"?>
+<p:tagLst xmlns:a="http://schemas.openxmlformats.org/drawingml/2006/main" xmlns:r="http://schemas.openxmlformats.org/officeDocument/2006/relationships" xmlns:p="http://schemas.openxmlformats.org/presentationml/2006/main">
+  <p:tag name="KSO_WM_UNIT_HIGHLIGHT" val="0"/>
+  <p:tag name="KSO_WM_UNIT_COMPATIBLE" val="0"/>
+  <p:tag name="KSO_WM_UNIT_DIAGRAM_ISNUMVISUAL" val="0"/>
+  <p:tag name="KSO_WM_UNIT_DIAGRAM_ISREFERUNIT" val="0"/>
+  <p:tag name="KSO_WM_UNIT_ID" val="_9**"/>
+  <p:tag name="KSO_WM_UNIT_LAYERLEVEL" val="1"/>
+  <p:tag name="KSO_WM_TAG_VERSION" val="1.0"/>
+  <p:tag name="KSO_WM_BEAUTIFY_FLAG" val="#wm#"/>
+</p:tagLst>
+</file>
+
+<file path=ppt/tags/tag51.xml><?xml version="1.0" encoding="utf-8"?>
+<p:tagLst xmlns:a="http://schemas.openxmlformats.org/drawingml/2006/main" xmlns:r="http://schemas.openxmlformats.org/officeDocument/2006/relationships" xmlns:p="http://schemas.openxmlformats.org/presentationml/2006/main">
+  <p:tag name="KSO_WM_UNIT_HIGHLIGHT" val="0"/>
+  <p:tag name="KSO_WM_UNIT_COMPATIBLE" val="0"/>
+  <p:tag name="KSO_WM_UNIT_DIAGRAM_ISNUMVISUAL" val="0"/>
+  <p:tag name="KSO_WM_UNIT_DIAGRAM_ISREFERUNIT" val="0"/>
+  <p:tag name="KSO_WM_UNIT_ID" val="_9**"/>
+  <p:tag name="KSO_WM_UNIT_LAYERLEVEL" val="1"/>
+  <p:tag name="KSO_WM_TAG_VERSION" val="1.0"/>
+  <p:tag name="KSO_WM_BEAUTIFY_FLAG" val="#wm#"/>
+</p:tagLst>
+</file>
+
+<file path=ppt/tags/tag52.xml><?xml version="1.0" encoding="utf-8"?>
+<p:tagLst xmlns:a="http://schemas.openxmlformats.org/drawingml/2006/main" xmlns:r="http://schemas.openxmlformats.org/officeDocument/2006/relationships" xmlns:p="http://schemas.openxmlformats.org/presentationml/2006/main">
+  <p:tag name="KSO_WM_UNIT_HIGHLIGHT" val="0"/>
+  <p:tag name="KSO_WM_UNIT_COMPATIBLE" val="0"/>
+  <p:tag name="KSO_WM_UNIT_DIAGRAM_ISNUMVISUAL" val="0"/>
+  <p:tag name="KSO_WM_UNIT_DIAGRAM_ISREFERUNIT" val="0"/>
+  <p:tag name="KSO_WM_UNIT_ID" val="_9**"/>
+  <p:tag name="KSO_WM_UNIT_LAYERLEVEL" val="1"/>
+  <p:tag name="KSO_WM_TAG_VERSION" val="1.0"/>
+  <p:tag name="KSO_WM_BEAUTIFY_FLAG" val="#wm#"/>
+</p:tagLst>
+</file>
+
+<file path=ppt/tags/tag53.xml><?xml version="1.0" encoding="utf-8"?>
+<p:tagLst xmlns:a="http://schemas.openxmlformats.org/drawingml/2006/main" xmlns:r="http://schemas.openxmlformats.org/officeDocument/2006/relationships" xmlns:p="http://schemas.openxmlformats.org/presentationml/2006/main">
+  <p:tag name="KSO_WM_UNIT_HIGHLIGHT" val="0"/>
+  <p:tag name="KSO_WM_UNIT_COMPATIBLE" val="0"/>
+  <p:tag name="KSO_WM_UNIT_DIAGRAM_ISNUMVISUAL" val="0"/>
+  <p:tag name="KSO_WM_UNIT_DIAGRAM_ISREFERUNIT" val="0"/>
+  <p:tag name="KSO_WM_UNIT_ID" val="_9**"/>
+  <p:tag name="KSO_WM_UNIT_LAYERLEVEL" val="1"/>
+  <p:tag name="KSO_WM_TAG_VERSION" val="1.0"/>
+  <p:tag name="KSO_WM_BEAUTIFY_FLAG" val="#wm#"/>
+</p:tagLst>
+</file>
+
+<file path=ppt/tags/tag54.xml><?xml version="1.0" encoding="utf-8"?>
+<p:tagLst xmlns:a="http://schemas.openxmlformats.org/drawingml/2006/main" xmlns:r="http://schemas.openxmlformats.org/officeDocument/2006/relationships" xmlns:p="http://schemas.openxmlformats.org/presentationml/2006/main">
+  <p:tag name="KSO_WM_UNIT_HIGHLIGHT" val="0"/>
+  <p:tag name="KSO_WM_UNIT_COMPATIBLE" val="0"/>
+  <p:tag name="KSO_WM_UNIT_DIAGRAM_ISNUMVISUAL" val="0"/>
+  <p:tag name="KSO_WM_UNIT_DIAGRAM_ISREFERUNIT" val="0"/>
+  <p:tag name="KSO_WM_UNIT_ID" val="_9**"/>
+  <p:tag name="KSO_WM_UNIT_LAYERLEVEL" val="1"/>
+  <p:tag name="KSO_WM_TAG_VERSION" val="1.0"/>
+  <p:tag name="KSO_WM_BEAUTIFY_FLAG" val="#wm#"/>
+</p:tagLst>
+</file>
+
+<file path=ppt/tags/tag55.xml><?xml version="1.0" encoding="utf-8"?>
+<p:tagLst xmlns:a="http://schemas.openxmlformats.org/drawingml/2006/main" xmlns:r="http://schemas.openxmlformats.org/officeDocument/2006/relationships" xmlns:p="http://schemas.openxmlformats.org/presentationml/2006/main">
+  <p:tag name="KSO_WM_UNIT_HIGHLIGHT" val="0"/>
+  <p:tag name="KSO_WM_UNIT_COMPATIBLE" val="0"/>
+  <p:tag name="KSO_WM_UNIT_DIAGRAM_ISNUMVISUAL" val="0"/>
+  <p:tag name="KSO_WM_UNIT_DIAGRAM_ISREFERUNIT" val="0"/>
+  <p:tag name="KSO_WM_UNIT_ID" val="_10**"/>
+  <p:tag name="KSO_WM_UNIT_LAYERLEVEL" val="1"/>
+  <p:tag name="KSO_WM_TAG_VERSION" val="1.0"/>
+  <p:tag name="KSO_WM_BEAUTIFY_FLAG" val="#wm#"/>
+</p:tagLst>
+</file>
+
+<file path=ppt/tags/tag56.xml><?xml version="1.0" encoding="utf-8"?>
+<p:tagLst xmlns:a="http://schemas.openxmlformats.org/drawingml/2006/main" xmlns:r="http://schemas.openxmlformats.org/officeDocument/2006/relationships" xmlns:p="http://schemas.openxmlformats.org/presentationml/2006/main">
+  <p:tag name="KSO_WM_UNIT_HIGHLIGHT" val="0"/>
+  <p:tag name="KSO_WM_UNIT_COMPATIBLE" val="0"/>
+  <p:tag name="KSO_WM_UNIT_DIAGRAM_ISNUMVISUAL" val="0"/>
+  <p:tag name="KSO_WM_UNIT_DIAGRAM_ISREFERUNIT" val="0"/>
+  <p:tag name="KSO_WM_UNIT_ID" val="_10**"/>
+  <p:tag name="KSO_WM_UNIT_LAYERLEVEL" val="1"/>
+  <p:tag name="KSO_WM_TAG_VERSION" val="1.0"/>
+  <p:tag name="KSO_WM_BEAUTIFY_FLAG" val="#wm#"/>
+</p:tagLst>
+</file>
+
+<file path=ppt/tags/tag57.xml><?xml version="1.0" encoding="utf-8"?>
+<p:tagLst xmlns:a="http://schemas.openxmlformats.org/drawingml/2006/main" xmlns:r="http://schemas.openxmlformats.org/officeDocument/2006/relationships" xmlns:p="http://schemas.openxmlformats.org/presentationml/2006/main">
+  <p:tag name="KSO_WM_UNIT_HIGHLIGHT" val="0"/>
+  <p:tag name="KSO_WM_UNIT_COMPATIBLE" val="0"/>
+  <p:tag name="KSO_WM_UNIT_DIAGRAM_ISNUMVISUAL" val="0"/>
+  <p:tag name="KSO_WM_UNIT_DIAGRAM_ISREFERUNIT" val="0"/>
+  <p:tag name="KSO_WM_UNIT_ID" val="_10**"/>
+  <p:tag name="KSO_WM_UNIT_LAYERLEVEL" val="1"/>
+  <p:tag name="KSO_WM_TAG_VERSION" val="1.0"/>
+  <p:tag name="KSO_WM_BEAUTIFY_FLAG" val="#wm#"/>
+</p:tagLst>
+</file>
+
+<file path=ppt/tags/tag58.xml><?xml version="1.0" encoding="utf-8"?>
+<p:tagLst xmlns:a="http://schemas.openxmlformats.org/drawingml/2006/main" xmlns:r="http://schemas.openxmlformats.org/officeDocument/2006/relationships" xmlns:p="http://schemas.openxmlformats.org/presentationml/2006/main">
+  <p:tag name="KSO_WM_UNIT_HIGHLIGHT" val="0"/>
+  <p:tag name="KSO_WM_UNIT_COMPATIBLE" val="0"/>
+  <p:tag name="KSO_WM_UNIT_DIAGRAM_ISNUMVISUAL" val="0"/>
+  <p:tag name="KSO_WM_UNIT_DIAGRAM_ISREFERUNIT" val="0"/>
+  <p:tag name="KSO_WM_UNIT_ID" val="_10**"/>
+  <p:tag name="KSO_WM_UNIT_LAYERLEVEL" val="1"/>
+  <p:tag name="KSO_WM_TAG_VERSION" val="1.0"/>
+  <p:tag name="KSO_WM_BEAUTIFY_FLAG" val="#wm#"/>
+</p:tagLst>
+</file>
+
+<file path=ppt/tags/tag59.xml><?xml version="1.0" encoding="utf-8"?>
+<p:tagLst xmlns:a="http://schemas.openxmlformats.org/drawingml/2006/main" xmlns:r="http://schemas.openxmlformats.org/officeDocument/2006/relationships" xmlns:p="http://schemas.openxmlformats.org/presentationml/2006/main">
+  <p:tag name="KSO_WM_UNIT_HIGHLIGHT" val="0"/>
+  <p:tag name="KSO_WM_UNIT_COMPATIBLE" val="0"/>
+  <p:tag name="KSO_WM_UNIT_DIAGRAM_ISNUMVISUAL" val="0"/>
+  <p:tag name="KSO_WM_UNIT_DIAGRAM_ISREFERUNIT" val="0"/>
+  <p:tag name="KSO_WM_UNIT_ID" val="_11**"/>
+  <p:tag name="KSO_WM_UNIT_LAYERLEVEL" val="1"/>
+  <p:tag name="KSO_WM_TAG_VERSION" val="1.0"/>
+  <p:tag name="KSO_WM_BEAUTIFY_FLAG" val="#wm#"/>
+</p:tagLst>
+</file>
+
+<file path=ppt/tags/tag6.xml><?xml version="1.0" encoding="utf-8"?>
+<p:tagLst xmlns:a="http://schemas.openxmlformats.org/drawingml/2006/main" xmlns:r="http://schemas.openxmlformats.org/officeDocument/2006/relationships" xmlns:p="http://schemas.openxmlformats.org/presentationml/2006/main">
+  <p:tag name="KSO_WM_UNIT_HIGHLIGHT" val="0"/>
+  <p:tag name="KSO_WM_UNIT_COMPATIBLE" val="0"/>
+  <p:tag name="KSO_WM_UNIT_DIAGRAM_ISNUMVISUAL" val="0"/>
+  <p:tag name="KSO_WM_UNIT_DIAGRAM_ISREFERUNIT" val="0"/>
+  <p:tag name="KSO_WM_UNIT_ID" val="_0**"/>
+  <p:tag name="KSO_WM_UNIT_LAYERLEVEL" val="1"/>
+  <p:tag name="KSO_WM_TAG_VERSION" val="1.0"/>
+  <p:tag name="KSO_WM_BEAUTIFY_FLAG" val="#wm#"/>
+</p:tagLst>
+</file>
+
+<file path=ppt/tags/tag60.xml><?xml version="1.0" encoding="utf-8"?>
+<p:tagLst xmlns:a="http://schemas.openxmlformats.org/drawingml/2006/main" xmlns:r="http://schemas.openxmlformats.org/officeDocument/2006/relationships" xmlns:p="http://schemas.openxmlformats.org/presentationml/2006/main">
+  <p:tag name="KSO_WM_UNIT_HIGHLIGHT" val="0"/>
+  <p:tag name="KSO_WM_UNIT_COMPATIBLE" val="0"/>
+  <p:tag name="KSO_WM_UNIT_DIAGRAM_ISNUMVISUAL" val="0"/>
+  <p:tag name="KSO_WM_UNIT_DIAGRAM_ISREFERUNIT" val="0"/>
+  <p:tag name="KSO_WM_UNIT_ID" val="_11**"/>
+  <p:tag name="KSO_WM_UNIT_LAYERLEVEL" val="1"/>
+  <p:tag name="KSO_WM_TAG_VERSION" val="1.0"/>
+  <p:tag name="KSO_WM_BEAUTIFY_FLAG" val="#wm#"/>
+</p:tagLst>
+</file>
+
+<file path=ppt/tags/tag61.xml><?xml version="1.0" encoding="utf-8"?>
+<p:tagLst xmlns:a="http://schemas.openxmlformats.org/drawingml/2006/main" xmlns:r="http://schemas.openxmlformats.org/officeDocument/2006/relationships" xmlns:p="http://schemas.openxmlformats.org/presentationml/2006/main">
+  <p:tag name="KSO_WM_UNIT_HIGHLIGHT" val="0"/>
+  <p:tag name="KSO_WM_UNIT_COMPATIBLE" val="0"/>
+  <p:tag name="KSO_WM_UNIT_DIAGRAM_ISNUMVISUAL" val="0"/>
+  <p:tag name="KSO_WM_UNIT_DIAGRAM_ISREFERUNIT" val="0"/>
+  <p:tag name="KSO_WM_UNIT_ID" val="_11**"/>
+  <p:tag name="KSO_WM_UNIT_LAYERLEVEL" val="1"/>
+  <p:tag name="KSO_WM_TAG_VERSION" val="1.0"/>
+  <p:tag name="KSO_WM_BEAUTIFY_FLAG" val="#wm#"/>
+</p:tagLst>
+</file>
+
+<file path=ppt/tags/tag62.xml><?xml version="1.0" encoding="utf-8"?>
+<p:tagLst xmlns:a="http://schemas.openxmlformats.org/drawingml/2006/main" xmlns:r="http://schemas.openxmlformats.org/officeDocument/2006/relationships" xmlns:p="http://schemas.openxmlformats.org/presentationml/2006/main">
+  <p:tag name="KSO_WM_UNIT_HIGHLIGHT" val="0"/>
+  <p:tag name="KSO_WM_UNIT_COMPATIBLE" val="0"/>
+  <p:tag name="KSO_WM_UNIT_DIAGRAM_ISNUMVISUAL" val="0"/>
+  <p:tag name="KSO_WM_UNIT_DIAGRAM_ISREFERUNIT" val="0"/>
+  <p:tag name="KSO_WM_UNIT_ID" val="_11**"/>
+  <p:tag name="KSO_WM_UNIT_LAYERLEVEL" val="1"/>
+  <p:tag name="KSO_WM_TAG_VERSION" val="1.0"/>
+  <p:tag name="KSO_WM_BEAUTIFY_FLAG" val="#wm#"/>
+</p:tagLst>
+</file>
+
 <file path=ppt/tags/tag63.xml><?xml version="1.0" encoding="utf-8"?>
-<p:tagLst xmlns:p="http://schemas.openxmlformats.org/presentationml/2006/main">
+<p:tagLst xmlns:a="http://schemas.openxmlformats.org/drawingml/2006/main" xmlns:r="http://schemas.openxmlformats.org/officeDocument/2006/relationships" xmlns:p="http://schemas.openxmlformats.org/presentationml/2006/main">
+  <p:tag name="KSO_WM_UNIT_HIGHLIGHT" val="0"/>
+  <p:tag name="KSO_WM_UNIT_COMPATIBLE" val="0"/>
+  <p:tag name="KSO_WM_UNIT_DIAGRAM_ISNUMVISUAL" val="0"/>
+  <p:tag name="KSO_WM_UNIT_DIAGRAM_ISREFERUNIT" val="0"/>
+  <p:tag name="KSO_WM_UNIT_ID" val="_11**"/>
+  <p:tag name="KSO_WM_UNIT_LAYERLEVEL" val="1"/>
+  <p:tag name="KSO_WM_TAG_VERSION" val="1.0"/>
+  <p:tag name="KSO_WM_BEAUTIFY_FLAG" val="#wm#"/>
+</p:tagLst>
+</file>
+
+<file path=ppt/tags/tag64.xml><?xml version="1.0" encoding="utf-8"?>
+<p:tagLst xmlns:a="http://schemas.openxmlformats.org/drawingml/2006/main" xmlns:r="http://schemas.openxmlformats.org/officeDocument/2006/relationships" xmlns:p="http://schemas.openxmlformats.org/presentationml/2006/main">
   <p:tag name="KSO_WM_BEAUTIFY_FLAG" val=""/>
 </p:tagLst>
 </file>
 
-<file path=ppt/tags/tag64.xml><?xml version="1.0" encoding="utf-8"?>
-<p:tagLst xmlns:p="http://schemas.openxmlformats.org/presentationml/2006/main">
+<file path=ppt/tags/tag65.xml><?xml version="1.0" encoding="utf-8"?>
+<p:tagLst xmlns:a="http://schemas.openxmlformats.org/drawingml/2006/main" xmlns:r="http://schemas.openxmlformats.org/officeDocument/2006/relationships" xmlns:p="http://schemas.openxmlformats.org/presentationml/2006/main">
   <p:tag name="KSO_WM_BEAUTIFY_FLAG" val=""/>
 </p:tagLst>
 </file>
 
-<file path=ppt/tags/tag65.xml><?xml version="1.0" encoding="utf-8"?>
-<p:tagLst xmlns:p="http://schemas.openxmlformats.org/presentationml/2006/main">
+<file path=ppt/tags/tag66.xml><?xml version="1.0" encoding="utf-8"?>
+<p:tagLst xmlns:a="http://schemas.openxmlformats.org/drawingml/2006/main" xmlns:r="http://schemas.openxmlformats.org/officeDocument/2006/relationships" xmlns:p="http://schemas.openxmlformats.org/presentationml/2006/main">
   <p:tag name="KSO_WM_BEAUTIFY_FLAG" val=""/>
 </p:tagLst>
 </file>
 
-<file path=ppt/tags/tag66.xml><?xml version="1.0" encoding="utf-8"?>
-<p:tagLst xmlns:p="http://schemas.openxmlformats.org/presentationml/2006/main">
+<file path=ppt/tags/tag67.xml><?xml version="1.0" encoding="utf-8"?>
+<p:tagLst xmlns:a="http://schemas.openxmlformats.org/drawingml/2006/main" xmlns:r="http://schemas.openxmlformats.org/officeDocument/2006/relationships" xmlns:p="http://schemas.openxmlformats.org/presentationml/2006/main">
   <p:tag name="KSO_WM_BEAUTIFY_FLAG" val=""/>
 </p:tagLst>
 </file>
 
-<file path=ppt/tags/tag67.xml><?xml version="1.0" encoding="utf-8"?>
-<p:tagLst xmlns:p="http://schemas.openxmlformats.org/presentationml/2006/main">
-  <p:tag name="KSO_WM_BEAUTIFY_FLAG" val=""/>
-</p:tagLst>
-</file>
-
-<file path=ppt/tags/tag68.xml><?xml version="1.0" encoding="utf-8"?>
-<p:tagLst xmlns:p="http://schemas.openxmlformats.org/presentationml/2006/main">
-  <p:tag name="KSO_WM_BEAUTIFY_FLAG" val=""/>
-</p:tagLst>
-</file>
-
-<file path=ppt/tags/tag69.xml><?xml version="1.0" encoding="utf-8"?>
-<p:tagLst xmlns:p="http://schemas.openxmlformats.org/presentationml/2006/main">
-  <p:tag name="KSO_WM_BEAUTIFY_FLAG" val=""/>
-</p:tagLst>
-</file>
-
 <file path=ppt/tags/tag7.xml><?xml version="1.0" encoding="utf-8"?>
-<p:tagLst xmlns:p="http://schemas.openxmlformats.org/presentationml/2006/main">
-  <p:tag name="KSO_WM_UNIT_HIGHLIGHT" val="0"/>
-  <p:tag name="KSO_WM_UNIT_COMPATIBLE" val="0"/>
-  <p:tag name="KSO_WM_UNIT_DIAGRAM_ISNUMVISUAL" val="0"/>
-  <p:tag name="KSO_WM_UNIT_DIAGRAM_ISREFERUNIT" val="0"/>
-  <p:tag name="KSO_WM_UNIT_ID" val="_2**"/>
-  <p:tag name="KSO_WM_UNIT_LAYERLEVEL" val="1"/>
-  <p:tag name="KSO_WM_TAG_VERSION" val="1.0"/>
-  <p:tag name="KSO_WM_BEAUTIFY_FLAG" val="#wm#"/>
-</p:tagLst>
-</file>
-
-<file path=ppt/tags/tag70.xml><?xml version="1.0" encoding="utf-8"?>
-<p:tagLst xmlns:p="http://schemas.openxmlformats.org/presentationml/2006/main">
-  <p:tag name="KSO_WM_BEAUTIFY_FLAG" val=""/>
-</p:tagLst>
-</file>
-
-<file path=ppt/tags/tag71.xml><?xml version="1.0" encoding="utf-8"?>
-<p:tagLst xmlns:p="http://schemas.openxmlformats.org/presentationml/2006/main">
-  <p:tag name="KSO_WM_BEAUTIFY_FLAG" val=""/>
-</p:tagLst>
-</file>
-
-<file path=ppt/tags/tag72.xml><?xml version="1.0" encoding="utf-8"?>
-<p:tagLst xmlns:p="http://schemas.openxmlformats.org/presentationml/2006/main">
-  <p:tag name="KSO_WM_BEAUTIFY_FLAG" val=""/>
-</p:tagLst>
-</file>
-
-<file path=ppt/tags/tag73.xml><?xml version="1.0" encoding="utf-8"?>
-<p:tagLst xmlns:p="http://schemas.openxmlformats.org/presentationml/2006/main">
-  <p:tag name="KSO_WM_BEAUTIFY_FLAG" val=""/>
-</p:tagLst>
-</file>
-
-<file path=ppt/tags/tag74.xml><?xml version="1.0" encoding="utf-8"?>
-<p:tagLst xmlns:p="http://schemas.openxmlformats.org/presentationml/2006/main">
-  <p:tag name="KSO_WM_BEAUTIFY_FLAG" val=""/>
-</p:tagLst>
-</file>
-
-<file path=ppt/tags/tag75.xml><?xml version="1.0" encoding="utf-8"?>
-<p:tagLst xmlns:p="http://schemas.openxmlformats.org/presentationml/2006/main">
-  <p:tag name="COMMONDATA" val="eyJoZGlkIjoiYjMzNDVlOTc5MDI2NjU2YTAzZGY5NTQ4OWY0NTNmYjQifQ=="/>
-  <p:tag name="KSO_WPP_MARK_KEY" val="7bcbf374-e385-4899-a45a-8b994815240c"/>
+<p:tagLst xmlns:a="http://schemas.openxmlformats.org/drawingml/2006/main" xmlns:r="http://schemas.openxmlformats.org/officeDocument/2006/relationships" xmlns:p="http://schemas.openxmlformats.org/presentationml/2006/main">
+  <p:tag name="KSO_WM_UNIT_HIGHLIGHT" val="0"/>
+  <p:tag name="KSO_WM_UNIT_COMPATIBLE" val="0"/>
+  <p:tag name="KSO_WM_UNIT_DIAGRAM_ISNUMVISUAL" val="0"/>
+  <p:tag name="KSO_WM_UNIT_DIAGRAM_ISREFERUNIT" val="0"/>
+  <p:tag name="KSO_WM_UNIT_ID" val="_0**"/>
+  <p:tag name="KSO_WM_UNIT_LAYERLEVEL" val="1"/>
+  <p:tag name="KSO_WM_TAG_VERSION" val="1.0"/>
+  <p:tag name="KSO_WM_BEAUTIFY_FLAG" val="#wm#"/>
 </p:tagLst>
 </file>
 
 <file path=ppt/tags/tag8.xml><?xml version="1.0" encoding="utf-8"?>
-<p:tagLst xmlns:p="http://schemas.openxmlformats.org/presentationml/2006/main">
-  <p:tag name="KSO_WM_UNIT_HIGHLIGHT" val="0"/>
-  <p:tag name="KSO_WM_UNIT_COMPATIBLE" val="0"/>
-  <p:tag name="KSO_WM_UNIT_DIAGRAM_ISNUMVISUAL" val="0"/>
-  <p:tag name="KSO_WM_UNIT_DIAGRAM_ISREFERUNIT" val="0"/>
-  <p:tag name="KSO_WM_UNIT_ID" val="_2**"/>
+<p:tagLst xmlns:a="http://schemas.openxmlformats.org/drawingml/2006/main" xmlns:r="http://schemas.openxmlformats.org/officeDocument/2006/relationships" xmlns:p="http://schemas.openxmlformats.org/presentationml/2006/main">
+  <p:tag name="KSO_WM_UNIT_HIGHLIGHT" val="0"/>
+  <p:tag name="KSO_WM_UNIT_COMPATIBLE" val="0"/>
+  <p:tag name="KSO_WM_UNIT_DIAGRAM_ISNUMVISUAL" val="0"/>
+  <p:tag name="KSO_WM_UNIT_DIAGRAM_ISREFERUNIT" val="0"/>
+  <p:tag name="KSO_WM_UNIT_ID" val="_1**"/>
   <p:tag name="KSO_WM_UNIT_LAYERLEVEL" val="1"/>
   <p:tag name="KSO_WM_TAG_VERSION" val="1.0"/>
   <p:tag name="KSO_WM_BEAUTIFY_FLAG" val="#wm#"/>
@@ -5327,12 +4355,12 @@
 </file>
 
 <file path=ppt/tags/tag9.xml><?xml version="1.0" encoding="utf-8"?>
-<p:tagLst xmlns:p="http://schemas.openxmlformats.org/presentationml/2006/main">
-  <p:tag name="KSO_WM_UNIT_HIGHLIGHT" val="0"/>
-  <p:tag name="KSO_WM_UNIT_COMPATIBLE" val="0"/>
-  <p:tag name="KSO_WM_UNIT_DIAGRAM_ISNUMVISUAL" val="0"/>
-  <p:tag name="KSO_WM_UNIT_DIAGRAM_ISREFERUNIT" val="0"/>
-  <p:tag name="KSO_WM_UNIT_ID" val="_2**"/>
+<p:tagLst xmlns:a="http://schemas.openxmlformats.org/drawingml/2006/main" xmlns:r="http://schemas.openxmlformats.org/officeDocument/2006/relationships" xmlns:p="http://schemas.openxmlformats.org/presentationml/2006/main">
+  <p:tag name="KSO_WM_UNIT_HIGHLIGHT" val="0"/>
+  <p:tag name="KSO_WM_UNIT_COMPATIBLE" val="0"/>
+  <p:tag name="KSO_WM_UNIT_DIAGRAM_ISNUMVISUAL" val="0"/>
+  <p:tag name="KSO_WM_UNIT_DIAGRAM_ISREFERUNIT" val="0"/>
+  <p:tag name="KSO_WM_UNIT_ID" val="_1**"/>
   <p:tag name="KSO_WM_UNIT_LAYERLEVEL" val="1"/>
   <p:tag name="KSO_WM_TAG_VERSION" val="1.0"/>
   <p:tag name="KSO_WM_BEAUTIFY_FLAG" val="#wm#"/>
@@ -5530,6 +4558,8 @@
       </a:bgFillStyleLst>
     </a:fmtScheme>
   </a:themeElements>
+  <a:objectDefaults/>
+  <a:extraClrSchemeLst/>
   <a:extLst>
     <a:ext uri="{05A4C25C-085E-4340-85A3-A5531E510DB2}">
       <thm15:themeFamily xmlns:thm15="http://schemas.microsoft.com/office/thememl/2012/main" name="Office Theme" id="{62F939B6-93AF-4DB8-9C6B-D6C7DFDC589F}" vid="{4A3C46E8-61CC-4603-A589-7422A47A8E4A}"/>
